--- a/assorted/javascript_dragons.pptx
+++ b/assorted/javascript_dragons.pptx
@@ -7,10 +7,10 @@
     <p:sldMasterId id="2147483800" r:id="rId3"/>
   </p:sldMasterIdLst>
   <p:notesMasterIdLst>
-    <p:notesMasterId r:id="rId28"/>
+    <p:notesMasterId r:id="rId52"/>
   </p:notesMasterIdLst>
   <p:handoutMasterIdLst>
-    <p:handoutMasterId r:id="rId29"/>
+    <p:handoutMasterId r:id="rId53"/>
   </p:handoutMasterIdLst>
   <p:sldIdLst>
     <p:sldId id="327" r:id="rId4"/>
@@ -32,11 +32,35 @@
     <p:sldId id="350" r:id="rId20"/>
     <p:sldId id="347" r:id="rId21"/>
     <p:sldId id="348" r:id="rId22"/>
-    <p:sldId id="351" r:id="rId23"/>
-    <p:sldId id="352" r:id="rId24"/>
-    <p:sldId id="353" r:id="rId25"/>
-    <p:sldId id="328" r:id="rId26"/>
-    <p:sldId id="329" r:id="rId27"/>
+    <p:sldId id="352" r:id="rId23"/>
+    <p:sldId id="353" r:id="rId24"/>
+    <p:sldId id="354" r:id="rId25"/>
+    <p:sldId id="355" r:id="rId26"/>
+    <p:sldId id="358" r:id="rId27"/>
+    <p:sldId id="359" r:id="rId28"/>
+    <p:sldId id="360" r:id="rId29"/>
+    <p:sldId id="357" r:id="rId30"/>
+    <p:sldId id="356" r:id="rId31"/>
+    <p:sldId id="361" r:id="rId32"/>
+    <p:sldId id="362" r:id="rId33"/>
+    <p:sldId id="363" r:id="rId34"/>
+    <p:sldId id="328" r:id="rId35"/>
+    <p:sldId id="364" r:id="rId36"/>
+    <p:sldId id="365" r:id="rId37"/>
+    <p:sldId id="366" r:id="rId38"/>
+    <p:sldId id="368" r:id="rId39"/>
+    <p:sldId id="367" r:id="rId40"/>
+    <p:sldId id="369" r:id="rId41"/>
+    <p:sldId id="329" r:id="rId42"/>
+    <p:sldId id="371" r:id="rId43"/>
+    <p:sldId id="370" r:id="rId44"/>
+    <p:sldId id="372" r:id="rId45"/>
+    <p:sldId id="373" r:id="rId46"/>
+    <p:sldId id="374" r:id="rId47"/>
+    <p:sldId id="375" r:id="rId48"/>
+    <p:sldId id="377" r:id="rId49"/>
+    <p:sldId id="376" r:id="rId50"/>
+    <p:sldId id="378" r:id="rId51"/>
   </p:sldIdLst>
   <p:sldSz cx="9144000" cy="6858000" type="screen4x3"/>
   <p:notesSz cx="7302500" cy="9588500"/>
@@ -289,7 +313,7 @@
               <a:pPr>
                 <a:defRPr/>
               </a:pPr>
-              <a:t>6/6/2016</a:t>
+              <a:t>6/7/2016</a:t>
             </a:fld>
             <a:endParaRPr lang="en-US"/>
           </a:p>
@@ -1515,7 +1539,7 @@
               <a:pPr>
                 <a:defRPr/>
               </a:pPr>
-              <a:t>21</a:t>
+              <a:t>20</a:t>
             </a:fld>
             <a:endParaRPr lang="en-US"/>
           </a:p>
@@ -1525,6 +1549,202 @@
     <p:extLst>
       <p:ext uri="{BB962C8B-B14F-4D97-AF65-F5344CB8AC3E}">
         <p14:creationId xmlns:p14="http://schemas.microsoft.com/office/powerpoint/2010/main" val="1798420724"/>
+      </p:ext>
+    </p:extLst>
+  </p:cSld>
+  <p:clrMapOvr>
+    <a:masterClrMapping/>
+  </p:clrMapOvr>
+</p:notes>
+</file>
+
+<file path=ppt/notesSlides/notesSlide8.xml><?xml version="1.0" encoding="utf-8"?>
+<p:notes xmlns:a="http://schemas.openxmlformats.org/drawingml/2006/main" xmlns:r="http://schemas.openxmlformats.org/officeDocument/2006/relationships" xmlns:p="http://schemas.openxmlformats.org/presentationml/2006/main">
+  <p:cSld>
+    <p:spTree>
+      <p:nvGrpSpPr>
+        <p:cNvPr id="1" name=""/>
+        <p:cNvGrpSpPr/>
+        <p:nvPr/>
+      </p:nvGrpSpPr>
+      <p:grpSpPr>
+        <a:xfrm>
+          <a:off x="0" y="0"/>
+          <a:ext cx="0" cy="0"/>
+          <a:chOff x="0" y="0"/>
+          <a:chExt cx="0" cy="0"/>
+        </a:xfrm>
+      </p:grpSpPr>
+      <p:sp>
+        <p:nvSpPr>
+          <p:cNvPr id="2" name="Slide Image Placeholder 1"/>
+          <p:cNvSpPr>
+            <a:spLocks noGrp="1" noRot="1" noChangeAspect="1"/>
+          </p:cNvSpPr>
+          <p:nvPr>
+            <p:ph type="sldImg"/>
+          </p:nvPr>
+        </p:nvSpPr>
+        <p:spPr/>
+      </p:sp>
+      <p:sp>
+        <p:nvSpPr>
+          <p:cNvPr id="3" name="Notes Placeholder 2"/>
+          <p:cNvSpPr>
+            <a:spLocks noGrp="1"/>
+          </p:cNvSpPr>
+          <p:nvPr>
+            <p:ph type="body" idx="1"/>
+          </p:nvPr>
+        </p:nvSpPr>
+        <p:spPr/>
+        <p:txBody>
+          <a:bodyPr/>
+          <a:lstStyle/>
+          <a:p>
+            <a:r>
+              <a:rPr lang="en-US" dirty="0"/>
+              <a:t>So to get started, and give you a feel for what this talk is all about,</a:t>
+            </a:r>
+            <a:r>
+              <a:rPr lang="en-US" baseline="0" dirty="0"/>
+              <a:t> let’s start with a simple topic. Arrow functions. How hard can they be, right? They look just like lambda expressions in C# and many of us have been using and abusing those for years. </a:t>
+            </a:r>
+            <a:endParaRPr lang="en-US" dirty="0"/>
+          </a:p>
+        </p:txBody>
+      </p:sp>
+      <p:sp>
+        <p:nvSpPr>
+          <p:cNvPr id="4" name="Slide Number Placeholder 3"/>
+          <p:cNvSpPr>
+            <a:spLocks noGrp="1"/>
+          </p:cNvSpPr>
+          <p:nvPr>
+            <p:ph type="sldNum" sz="quarter" idx="10"/>
+          </p:nvPr>
+        </p:nvSpPr>
+        <p:spPr/>
+        <p:txBody>
+          <a:bodyPr/>
+          <a:lstStyle/>
+          <a:p>
+            <a:pPr>
+              <a:defRPr/>
+            </a:pPr>
+            <a:fld id="{11D29CD3-EA91-4B07-8041-33A63E8C46BA}" type="slidenum">
+              <a:rPr lang="en-US" smtClean="0"/>
+              <a:pPr>
+                <a:defRPr/>
+              </a:pPr>
+              <a:t>24</a:t>
+            </a:fld>
+            <a:endParaRPr lang="en-US"/>
+          </a:p>
+        </p:txBody>
+      </p:sp>
+    </p:spTree>
+    <p:extLst>
+      <p:ext uri="{BB962C8B-B14F-4D97-AF65-F5344CB8AC3E}">
+        <p14:creationId xmlns:p14="http://schemas.microsoft.com/office/powerpoint/2010/main" val="1497405705"/>
+      </p:ext>
+    </p:extLst>
+  </p:cSld>
+  <p:clrMapOvr>
+    <a:masterClrMapping/>
+  </p:clrMapOvr>
+</p:notes>
+</file>
+
+<file path=ppt/notesSlides/notesSlide9.xml><?xml version="1.0" encoding="utf-8"?>
+<p:notes xmlns:a="http://schemas.openxmlformats.org/drawingml/2006/main" xmlns:r="http://schemas.openxmlformats.org/officeDocument/2006/relationships" xmlns:p="http://schemas.openxmlformats.org/presentationml/2006/main">
+  <p:cSld>
+    <p:spTree>
+      <p:nvGrpSpPr>
+        <p:cNvPr id="1" name=""/>
+        <p:cNvGrpSpPr/>
+        <p:nvPr/>
+      </p:nvGrpSpPr>
+      <p:grpSpPr>
+        <a:xfrm>
+          <a:off x="0" y="0"/>
+          <a:ext cx="0" cy="0"/>
+          <a:chOff x="0" y="0"/>
+          <a:chExt cx="0" cy="0"/>
+        </a:xfrm>
+      </p:grpSpPr>
+      <p:sp>
+        <p:nvSpPr>
+          <p:cNvPr id="2" name="Slide Image Placeholder 1"/>
+          <p:cNvSpPr>
+            <a:spLocks noGrp="1" noRot="1" noChangeAspect="1"/>
+          </p:cNvSpPr>
+          <p:nvPr>
+            <p:ph type="sldImg"/>
+          </p:nvPr>
+        </p:nvSpPr>
+        <p:spPr/>
+      </p:sp>
+      <p:sp>
+        <p:nvSpPr>
+          <p:cNvPr id="3" name="Notes Placeholder 2"/>
+          <p:cNvSpPr>
+            <a:spLocks noGrp="1"/>
+          </p:cNvSpPr>
+          <p:nvPr>
+            <p:ph type="body" idx="1"/>
+          </p:nvPr>
+        </p:nvSpPr>
+        <p:spPr/>
+        <p:txBody>
+          <a:bodyPr/>
+          <a:lstStyle/>
+          <a:p>
+            <a:r>
+              <a:rPr lang="en-US" dirty="0"/>
+              <a:t>So to get started, and give you a feel for what this talk is all about,</a:t>
+            </a:r>
+            <a:r>
+              <a:rPr lang="en-US" baseline="0" dirty="0"/>
+              <a:t> let’s start with a simple topic. Arrow functions. How hard can they be, right? They look just like lambda expressions in C# and many of us have been using and abusing those for years. </a:t>
+            </a:r>
+            <a:endParaRPr lang="en-US" dirty="0"/>
+          </a:p>
+        </p:txBody>
+      </p:sp>
+      <p:sp>
+        <p:nvSpPr>
+          <p:cNvPr id="4" name="Slide Number Placeholder 3"/>
+          <p:cNvSpPr>
+            <a:spLocks noGrp="1"/>
+          </p:cNvSpPr>
+          <p:nvPr>
+            <p:ph type="sldNum" sz="quarter" idx="10"/>
+          </p:nvPr>
+        </p:nvSpPr>
+        <p:spPr/>
+        <p:txBody>
+          <a:bodyPr/>
+          <a:lstStyle/>
+          <a:p>
+            <a:pPr>
+              <a:defRPr/>
+            </a:pPr>
+            <a:fld id="{11D29CD3-EA91-4B07-8041-33A63E8C46BA}" type="slidenum">
+              <a:rPr lang="en-US" smtClean="0"/>
+              <a:pPr>
+                <a:defRPr/>
+              </a:pPr>
+              <a:t>31</a:t>
+            </a:fld>
+            <a:endParaRPr lang="en-US"/>
+          </a:p>
+        </p:txBody>
+      </p:sp>
+    </p:spTree>
+    <p:extLst>
+      <p:ext uri="{BB962C8B-B14F-4D97-AF65-F5344CB8AC3E}">
+        <p14:creationId xmlns:p14="http://schemas.microsoft.com/office/powerpoint/2010/main" val="3611286345"/>
       </p:ext>
     </p:extLst>
   </p:cSld>
@@ -12346,7 +12566,7 @@
         <p:spPr bwMode="auto">
           <a:xfrm>
             <a:off x="1371600" y="1524000"/>
-            <a:ext cx="1722119" cy="830997"/>
+            <a:ext cx="1722119" cy="461665"/>
           </a:xfrm>
           <a:prstGeom prst="rect">
             <a:avLst/>
@@ -12395,18 +12615,6 @@
               <a:latin typeface="Yu Gothic UI Semibold" panose="020B0700000000000000" pitchFamily="34" charset="-128"/>
               <a:ea typeface="Yu Gothic UI Semibold" panose="020B0700000000000000" pitchFamily="34" charset="-128"/>
             </a:endParaRPr>
-          </a:p>
-          <a:p>
-            <a:r>
-              <a:rPr lang="en-US" sz="2400" dirty="0">
-                <a:solidFill>
-                  <a:schemeClr val="bg1"/>
-                </a:solidFill>
-                <a:latin typeface="Yu Gothic UI Semibold" panose="020B0700000000000000" pitchFamily="34" charset="-128"/>
-                <a:ea typeface="Yu Gothic UI Semibold" panose="020B0700000000000000" pitchFamily="34" charset="-128"/>
-              </a:rPr>
-              <a:t>let</a:t>
-            </a:r>
           </a:p>
         </p:txBody>
       </p:sp>
@@ -12864,113 +13072,6 @@
           <a:bodyPr/>
           <a:lstStyle/>
           <a:p>
-            <a:r>
-              <a:rPr lang="en-US" dirty="0"/>
-              <a:t>The TDZ</a:t>
-            </a:r>
-          </a:p>
-        </p:txBody>
-      </p:sp>
-      <p:sp>
-        <p:nvSpPr>
-          <p:cNvPr id="3" name="Text Placeholder 2"/>
-          <p:cNvSpPr>
-            <a:spLocks noGrp="1"/>
-          </p:cNvSpPr>
-          <p:nvPr>
-            <p:ph type="body" idx="1"/>
-          </p:nvPr>
-        </p:nvSpPr>
-        <p:spPr/>
-        <p:txBody>
-          <a:bodyPr/>
-          <a:lstStyle/>
-          <a:p>
-            <a:endParaRPr lang="en-US"/>
-          </a:p>
-        </p:txBody>
-      </p:sp>
-      <p:pic>
-        <p:nvPicPr>
-          <p:cNvPr id="5" name="Picture 4"/>
-          <p:cNvPicPr>
-            <a:picLocks noChangeAspect="1"/>
-          </p:cNvPicPr>
-          <p:nvPr/>
-        </p:nvPicPr>
-        <p:blipFill>
-          <a:blip r:embed="rId2"/>
-          <a:stretch>
-            <a:fillRect/>
-          </a:stretch>
-        </p:blipFill>
-        <p:spPr>
-          <a:xfrm>
-            <a:off x="2362200" y="1447800"/>
-            <a:ext cx="4891087" cy="4398355"/>
-          </a:xfrm>
-          <a:prstGeom prst="rect">
-            <a:avLst/>
-          </a:prstGeom>
-        </p:spPr>
-      </p:pic>
-    </p:spTree>
-    <p:extLst>
-      <p:ext uri="{BB962C8B-B14F-4D97-AF65-F5344CB8AC3E}">
-        <p14:creationId xmlns:p14="http://schemas.microsoft.com/office/powerpoint/2010/main" val="1033892024"/>
-      </p:ext>
-    </p:extLst>
-  </p:cSld>
-  <p:clrMapOvr>
-    <a:masterClrMapping/>
-  </p:clrMapOvr>
-  <mc:AlternateContent xmlns:mc="http://schemas.openxmlformats.org/markup-compatibility/2006" xmlns:p14="http://schemas.microsoft.com/office/powerpoint/2010/main">
-    <mc:Choice Requires="p14">
-      <p:transition spd="slow" p14:dur="1500">
-        <p14:reveal/>
-      </p:transition>
-    </mc:Choice>
-    <mc:Fallback xmlns="">
-      <p:transition spd="slow">
-        <p:fade/>
-      </p:transition>
-    </mc:Fallback>
-  </mc:AlternateContent>
-</p:sld>
-</file>
-
-<file path=ppt/slides/slide21.xml><?xml version="1.0" encoding="utf-8"?>
-<p:sld xmlns:a="http://schemas.openxmlformats.org/drawingml/2006/main" xmlns:r="http://schemas.openxmlformats.org/officeDocument/2006/relationships" xmlns:p="http://schemas.openxmlformats.org/presentationml/2006/main">
-  <p:cSld>
-    <p:spTree>
-      <p:nvGrpSpPr>
-        <p:cNvPr id="1" name=""/>
-        <p:cNvGrpSpPr/>
-        <p:nvPr/>
-      </p:nvGrpSpPr>
-      <p:grpSpPr>
-        <a:xfrm>
-          <a:off x="0" y="0"/>
-          <a:ext cx="0" cy="0"/>
-          <a:chOff x="0" y="0"/>
-          <a:chExt cx="0" cy="0"/>
-        </a:xfrm>
-      </p:grpSpPr>
-      <p:sp>
-        <p:nvSpPr>
-          <p:cNvPr id="2" name="Title 1"/>
-          <p:cNvSpPr>
-            <a:spLocks noGrp="1"/>
-          </p:cNvSpPr>
-          <p:nvPr>
-            <p:ph type="title"/>
-          </p:nvPr>
-        </p:nvSpPr>
-        <p:spPr/>
-        <p:txBody>
-          <a:bodyPr/>
-          <a:lstStyle/>
-          <a:p>
             <a:endParaRPr lang="en-US"/>
           </a:p>
         </p:txBody>
@@ -13236,7 +13337,7 @@
         <p:spPr bwMode="auto">
           <a:xfrm>
             <a:off x="1371600" y="1524000"/>
-            <a:ext cx="1722119" cy="830997"/>
+            <a:ext cx="1722119" cy="461665"/>
           </a:xfrm>
           <a:prstGeom prst="rect">
             <a:avLst/>
@@ -13287,18 +13388,6 @@
               <a:latin typeface="Yu Gothic UI Semibold" panose="020B0700000000000000" pitchFamily="34" charset="-128"/>
               <a:ea typeface="Yu Gothic UI Semibold" panose="020B0700000000000000" pitchFamily="34" charset="-128"/>
             </a:endParaRPr>
-          </a:p>
-          <a:p>
-            <a:r>
-              <a:rPr lang="en-US" sz="2400" dirty="0">
-                <a:solidFill>
-                  <a:schemeClr val="bg1"/>
-                </a:solidFill>
-                <a:latin typeface="Yu Gothic UI Semibold" panose="020B0700000000000000" pitchFamily="34" charset="-128"/>
-                <a:ea typeface="Yu Gothic UI Semibold" panose="020B0700000000000000" pitchFamily="34" charset="-128"/>
-              </a:rPr>
-              <a:t>let</a:t>
-            </a:r>
           </a:p>
         </p:txBody>
       </p:sp>
@@ -13381,7 +13470,7 @@
 </p:sld>
 </file>
 
-<file path=ppt/slides/slide22.xml><?xml version="1.0" encoding="utf-8"?>
+<file path=ppt/slides/slide21.xml><?xml version="1.0" encoding="utf-8"?>
 <p:sld xmlns:a="http://schemas.openxmlformats.org/drawingml/2006/main" xmlns:r="http://schemas.openxmlformats.org/officeDocument/2006/relationships" xmlns:p="http://schemas.openxmlformats.org/presentationml/2006/main">
   <p:cSld>
     <p:spTree>
@@ -13436,7 +13525,7 @@
         </p:blipFill>
         <p:spPr>
           <a:xfrm>
-            <a:off x="1828800" y="4343400"/>
+            <a:off x="1752600" y="4038600"/>
             <a:ext cx="5029200" cy="908892"/>
           </a:xfrm>
           <a:prstGeom prst="rect">
@@ -13444,25 +13533,6 @@
           </a:prstGeom>
         </p:spPr>
       </p:pic>
-      <p:sp>
-        <p:nvSpPr>
-          <p:cNvPr id="3" name="Text Placeholder 2"/>
-          <p:cNvSpPr>
-            <a:spLocks noGrp="1"/>
-          </p:cNvSpPr>
-          <p:nvPr>
-            <p:ph type="body" idx="1"/>
-          </p:nvPr>
-        </p:nvSpPr>
-        <p:spPr/>
-        <p:txBody>
-          <a:bodyPr/>
-          <a:lstStyle/>
-          <a:p>
-            <a:endParaRPr lang="en-US" dirty="0"/>
-          </a:p>
-        </p:txBody>
-      </p:sp>
       <p:pic>
         <p:nvPicPr>
           <p:cNvPr id="4" name="Picture 3"/>
@@ -13503,8 +13573,32 @@
         </p:blipFill>
         <p:spPr>
           <a:xfrm>
-            <a:off x="2466975" y="2937118"/>
+            <a:off x="2466975" y="2784757"/>
             <a:ext cx="3519488" cy="835230"/>
+          </a:xfrm>
+          <a:prstGeom prst="rect">
+            <a:avLst/>
+          </a:prstGeom>
+        </p:spPr>
+      </p:pic>
+      <p:pic>
+        <p:nvPicPr>
+          <p:cNvPr id="7" name="Picture 6"/>
+          <p:cNvPicPr>
+            <a:picLocks noChangeAspect="1"/>
+          </p:cNvPicPr>
+          <p:nvPr/>
+        </p:nvPicPr>
+        <p:blipFill>
+          <a:blip r:embed="rId5"/>
+          <a:stretch>
+            <a:fillRect/>
+          </a:stretch>
+        </p:blipFill>
+        <p:spPr>
+          <a:xfrm>
+            <a:off x="381000" y="5366105"/>
+            <a:ext cx="8305800" cy="781796"/>
           </a:xfrm>
           <a:prstGeom prst="rect">
             <a:avLst/>
@@ -13515,6 +13609,629 @@
     <p:extLst>
       <p:ext uri="{BB962C8B-B14F-4D97-AF65-F5344CB8AC3E}">
         <p14:creationId xmlns:p14="http://schemas.microsoft.com/office/powerpoint/2010/main" val="2773443962"/>
+      </p:ext>
+    </p:extLst>
+  </p:cSld>
+  <p:clrMapOvr>
+    <a:masterClrMapping/>
+  </p:clrMapOvr>
+  <mc:AlternateContent xmlns:mc="http://schemas.openxmlformats.org/markup-compatibility/2006" xmlns:p14="http://schemas.microsoft.com/office/powerpoint/2010/main">
+    <mc:Choice Requires="p14">
+      <p:transition spd="slow" p14:dur="1500">
+        <p14:reveal/>
+      </p:transition>
+    </mc:Choice>
+    <mc:Fallback xmlns="">
+      <p:transition spd="slow">
+        <p:fade/>
+      </p:transition>
+    </mc:Fallback>
+  </mc:AlternateContent>
+  <p:timing>
+    <p:tnLst>
+      <p:par>
+        <p:cTn id="1" dur="indefinite" restart="never" nodeType="tmRoot">
+          <p:childTnLst>
+            <p:seq concurrent="1" nextAc="seek">
+              <p:cTn id="2" dur="indefinite" nodeType="mainSeq">
+                <p:childTnLst>
+                  <p:par>
+                    <p:cTn id="3" fill="hold">
+                      <p:stCondLst>
+                        <p:cond delay="indefinite"/>
+                      </p:stCondLst>
+                      <p:childTnLst>
+                        <p:par>
+                          <p:cTn id="4" fill="hold">
+                            <p:stCondLst>
+                              <p:cond delay="0"/>
+                            </p:stCondLst>
+                            <p:childTnLst>
+                              <p:par>
+                                <p:cTn id="5" presetID="10" presetClass="entr" presetSubtype="0" fill="hold" nodeType="clickEffect">
+                                  <p:stCondLst>
+                                    <p:cond delay="0"/>
+                                  </p:stCondLst>
+                                  <p:childTnLst>
+                                    <p:set>
+                                      <p:cBhvr>
+                                        <p:cTn id="6" dur="1" fill="hold">
+                                          <p:stCondLst>
+                                            <p:cond delay="0"/>
+                                          </p:stCondLst>
+                                        </p:cTn>
+                                        <p:tgtEl>
+                                          <p:spTgt spid="5"/>
+                                        </p:tgtEl>
+                                        <p:attrNameLst>
+                                          <p:attrName>style.visibility</p:attrName>
+                                        </p:attrNameLst>
+                                      </p:cBhvr>
+                                      <p:to>
+                                        <p:strVal val="visible"/>
+                                      </p:to>
+                                    </p:set>
+                                    <p:animEffect transition="in" filter="fade">
+                                      <p:cBhvr>
+                                        <p:cTn id="7" dur="500"/>
+                                        <p:tgtEl>
+                                          <p:spTgt spid="5"/>
+                                        </p:tgtEl>
+                                      </p:cBhvr>
+                                    </p:animEffect>
+                                  </p:childTnLst>
+                                </p:cTn>
+                              </p:par>
+                            </p:childTnLst>
+                          </p:cTn>
+                        </p:par>
+                      </p:childTnLst>
+                    </p:cTn>
+                  </p:par>
+                  <p:par>
+                    <p:cTn id="8" fill="hold">
+                      <p:stCondLst>
+                        <p:cond delay="indefinite"/>
+                      </p:stCondLst>
+                      <p:childTnLst>
+                        <p:par>
+                          <p:cTn id="9" fill="hold">
+                            <p:stCondLst>
+                              <p:cond delay="0"/>
+                            </p:stCondLst>
+                            <p:childTnLst>
+                              <p:par>
+                                <p:cTn id="10" presetID="10" presetClass="entr" presetSubtype="0" fill="hold" nodeType="clickEffect">
+                                  <p:stCondLst>
+                                    <p:cond delay="0"/>
+                                  </p:stCondLst>
+                                  <p:childTnLst>
+                                    <p:set>
+                                      <p:cBhvr>
+                                        <p:cTn id="11" dur="1" fill="hold">
+                                          <p:stCondLst>
+                                            <p:cond delay="0"/>
+                                          </p:stCondLst>
+                                        </p:cTn>
+                                        <p:tgtEl>
+                                          <p:spTgt spid="6"/>
+                                        </p:tgtEl>
+                                        <p:attrNameLst>
+                                          <p:attrName>style.visibility</p:attrName>
+                                        </p:attrNameLst>
+                                      </p:cBhvr>
+                                      <p:to>
+                                        <p:strVal val="visible"/>
+                                      </p:to>
+                                    </p:set>
+                                    <p:animEffect transition="in" filter="fade">
+                                      <p:cBhvr>
+                                        <p:cTn id="12" dur="500"/>
+                                        <p:tgtEl>
+                                          <p:spTgt spid="6"/>
+                                        </p:tgtEl>
+                                      </p:cBhvr>
+                                    </p:animEffect>
+                                  </p:childTnLst>
+                                </p:cTn>
+                              </p:par>
+                            </p:childTnLst>
+                          </p:cTn>
+                        </p:par>
+                      </p:childTnLst>
+                    </p:cTn>
+                  </p:par>
+                  <p:par>
+                    <p:cTn id="13" fill="hold">
+                      <p:stCondLst>
+                        <p:cond delay="indefinite"/>
+                      </p:stCondLst>
+                      <p:childTnLst>
+                        <p:par>
+                          <p:cTn id="14" fill="hold">
+                            <p:stCondLst>
+                              <p:cond delay="0"/>
+                            </p:stCondLst>
+                            <p:childTnLst>
+                              <p:par>
+                                <p:cTn id="15" presetID="10" presetClass="entr" presetSubtype="0" fill="hold" nodeType="clickEffect">
+                                  <p:stCondLst>
+                                    <p:cond delay="0"/>
+                                  </p:stCondLst>
+                                  <p:childTnLst>
+                                    <p:set>
+                                      <p:cBhvr>
+                                        <p:cTn id="16" dur="1" fill="hold">
+                                          <p:stCondLst>
+                                            <p:cond delay="0"/>
+                                          </p:stCondLst>
+                                        </p:cTn>
+                                        <p:tgtEl>
+                                          <p:spTgt spid="7"/>
+                                        </p:tgtEl>
+                                        <p:attrNameLst>
+                                          <p:attrName>style.visibility</p:attrName>
+                                        </p:attrNameLst>
+                                      </p:cBhvr>
+                                      <p:to>
+                                        <p:strVal val="visible"/>
+                                      </p:to>
+                                    </p:set>
+                                    <p:animEffect transition="in" filter="fade">
+                                      <p:cBhvr>
+                                        <p:cTn id="17" dur="500"/>
+                                        <p:tgtEl>
+                                          <p:spTgt spid="7"/>
+                                        </p:tgtEl>
+                                      </p:cBhvr>
+                                    </p:animEffect>
+                                  </p:childTnLst>
+                                </p:cTn>
+                              </p:par>
+                            </p:childTnLst>
+                          </p:cTn>
+                        </p:par>
+                      </p:childTnLst>
+                    </p:cTn>
+                  </p:par>
+                </p:childTnLst>
+              </p:cTn>
+              <p:prevCondLst>
+                <p:cond evt="onPrev" delay="0">
+                  <p:tgtEl>
+                    <p:sldTgt/>
+                  </p:tgtEl>
+                </p:cond>
+              </p:prevCondLst>
+              <p:nextCondLst>
+                <p:cond evt="onNext" delay="0">
+                  <p:tgtEl>
+                    <p:sldTgt/>
+                  </p:tgtEl>
+                </p:cond>
+              </p:nextCondLst>
+            </p:seq>
+          </p:childTnLst>
+        </p:cTn>
+      </p:par>
+    </p:tnLst>
+  </p:timing>
+</p:sld>
+</file>
+
+<file path=ppt/slides/slide22.xml><?xml version="1.0" encoding="utf-8"?>
+<p:sld xmlns:a="http://schemas.openxmlformats.org/drawingml/2006/main" xmlns:r="http://schemas.openxmlformats.org/officeDocument/2006/relationships" xmlns:p="http://schemas.openxmlformats.org/presentationml/2006/main">
+  <p:cSld>
+    <p:spTree>
+      <p:nvGrpSpPr>
+        <p:cNvPr id="1" name=""/>
+        <p:cNvGrpSpPr/>
+        <p:nvPr/>
+      </p:nvGrpSpPr>
+      <p:grpSpPr>
+        <a:xfrm>
+          <a:off x="0" y="0"/>
+          <a:ext cx="0" cy="0"/>
+          <a:chOff x="0" y="0"/>
+          <a:chExt cx="0" cy="0"/>
+        </a:xfrm>
+      </p:grpSpPr>
+      <p:sp>
+        <p:nvSpPr>
+          <p:cNvPr id="2" name="Title 1"/>
+          <p:cNvSpPr>
+            <a:spLocks noGrp="1"/>
+          </p:cNvSpPr>
+          <p:nvPr>
+            <p:ph type="title"/>
+          </p:nvPr>
+        </p:nvSpPr>
+        <p:spPr/>
+        <p:txBody>
+          <a:bodyPr/>
+          <a:lstStyle/>
+          <a:p>
+            <a:r>
+              <a:rPr lang="en-US" dirty="0"/>
+              <a:t>Sets Are Shallow</a:t>
+            </a:r>
+          </a:p>
+        </p:txBody>
+      </p:sp>
+      <p:sp>
+        <p:nvSpPr>
+          <p:cNvPr id="3" name="Text Placeholder 2"/>
+          <p:cNvSpPr>
+            <a:spLocks noGrp="1"/>
+          </p:cNvSpPr>
+          <p:nvPr>
+            <p:ph type="body" idx="1"/>
+          </p:nvPr>
+        </p:nvSpPr>
+        <p:spPr/>
+        <p:txBody>
+          <a:bodyPr/>
+          <a:lstStyle/>
+          <a:p>
+            <a:endParaRPr lang="en-US" dirty="0"/>
+          </a:p>
+        </p:txBody>
+      </p:sp>
+      <p:pic>
+        <p:nvPicPr>
+          <p:cNvPr id="5" name="Picture 4"/>
+          <p:cNvPicPr>
+            <a:picLocks noChangeAspect="1"/>
+          </p:cNvPicPr>
+          <p:nvPr/>
+        </p:nvPicPr>
+        <p:blipFill>
+          <a:blip r:embed="rId2"/>
+          <a:stretch>
+            <a:fillRect/>
+          </a:stretch>
+        </p:blipFill>
+        <p:spPr>
+          <a:xfrm>
+            <a:off x="533400" y="1143000"/>
+            <a:ext cx="3557588" cy="1450771"/>
+          </a:xfrm>
+          <a:prstGeom prst="rect">
+            <a:avLst/>
+          </a:prstGeom>
+        </p:spPr>
+      </p:pic>
+      <p:pic>
+        <p:nvPicPr>
+          <p:cNvPr id="6" name="Picture 5"/>
+          <p:cNvPicPr>
+            <a:picLocks noChangeAspect="1"/>
+          </p:cNvPicPr>
+          <p:nvPr/>
+        </p:nvPicPr>
+        <p:blipFill>
+          <a:blip r:embed="rId3"/>
+          <a:stretch>
+            <a:fillRect/>
+          </a:stretch>
+        </p:blipFill>
+        <p:spPr>
+          <a:xfrm>
+            <a:off x="1676400" y="2898571"/>
+            <a:ext cx="3662363" cy="1387339"/>
+          </a:xfrm>
+          <a:prstGeom prst="rect">
+            <a:avLst/>
+          </a:prstGeom>
+        </p:spPr>
+      </p:pic>
+      <p:pic>
+        <p:nvPicPr>
+          <p:cNvPr id="7" name="Picture 6"/>
+          <p:cNvPicPr>
+            <a:picLocks noChangeAspect="1"/>
+          </p:cNvPicPr>
+          <p:nvPr/>
+        </p:nvPicPr>
+        <p:blipFill>
+          <a:blip r:embed="rId4"/>
+          <a:stretch>
+            <a:fillRect/>
+          </a:stretch>
+        </p:blipFill>
+        <p:spPr>
+          <a:xfrm>
+            <a:off x="4267200" y="4590710"/>
+            <a:ext cx="3652837" cy="1806411"/>
+          </a:xfrm>
+          <a:prstGeom prst="rect">
+            <a:avLst/>
+          </a:prstGeom>
+        </p:spPr>
+      </p:pic>
+    </p:spTree>
+    <p:extLst>
+      <p:ext uri="{BB962C8B-B14F-4D97-AF65-F5344CB8AC3E}">
+        <p14:creationId xmlns:p14="http://schemas.microsoft.com/office/powerpoint/2010/main" val="1403376933"/>
+      </p:ext>
+    </p:extLst>
+  </p:cSld>
+  <p:clrMapOvr>
+    <a:masterClrMapping/>
+  </p:clrMapOvr>
+  <mc:AlternateContent xmlns:mc="http://schemas.openxmlformats.org/markup-compatibility/2006" xmlns:p14="http://schemas.microsoft.com/office/powerpoint/2010/main">
+    <mc:Choice Requires="p14">
+      <p:transition spd="slow" p14:dur="1500">
+        <p14:reveal/>
+      </p:transition>
+    </mc:Choice>
+    <mc:Fallback xmlns="">
+      <p:transition spd="slow">
+        <p:fade/>
+      </p:transition>
+    </mc:Fallback>
+  </mc:AlternateContent>
+  <p:timing>
+    <p:tnLst>
+      <p:par>
+        <p:cTn id="1" dur="indefinite" restart="never" nodeType="tmRoot">
+          <p:childTnLst>
+            <p:seq concurrent="1" nextAc="seek">
+              <p:cTn id="2" dur="indefinite" nodeType="mainSeq">
+                <p:childTnLst>
+                  <p:par>
+                    <p:cTn id="3" fill="hold">
+                      <p:stCondLst>
+                        <p:cond delay="indefinite"/>
+                      </p:stCondLst>
+                      <p:childTnLst>
+                        <p:par>
+                          <p:cTn id="4" fill="hold">
+                            <p:stCondLst>
+                              <p:cond delay="0"/>
+                            </p:stCondLst>
+                            <p:childTnLst>
+                              <p:par>
+                                <p:cTn id="5" presetID="10" presetClass="entr" presetSubtype="0" fill="hold" nodeType="clickEffect">
+                                  <p:stCondLst>
+                                    <p:cond delay="0"/>
+                                  </p:stCondLst>
+                                  <p:childTnLst>
+                                    <p:set>
+                                      <p:cBhvr>
+                                        <p:cTn id="6" dur="1" fill="hold">
+                                          <p:stCondLst>
+                                            <p:cond delay="0"/>
+                                          </p:stCondLst>
+                                        </p:cTn>
+                                        <p:tgtEl>
+                                          <p:spTgt spid="6"/>
+                                        </p:tgtEl>
+                                        <p:attrNameLst>
+                                          <p:attrName>style.visibility</p:attrName>
+                                        </p:attrNameLst>
+                                      </p:cBhvr>
+                                      <p:to>
+                                        <p:strVal val="visible"/>
+                                      </p:to>
+                                    </p:set>
+                                    <p:animEffect transition="in" filter="fade">
+                                      <p:cBhvr>
+                                        <p:cTn id="7" dur="500"/>
+                                        <p:tgtEl>
+                                          <p:spTgt spid="6"/>
+                                        </p:tgtEl>
+                                      </p:cBhvr>
+                                    </p:animEffect>
+                                  </p:childTnLst>
+                                </p:cTn>
+                              </p:par>
+                            </p:childTnLst>
+                          </p:cTn>
+                        </p:par>
+                      </p:childTnLst>
+                    </p:cTn>
+                  </p:par>
+                  <p:par>
+                    <p:cTn id="8" fill="hold">
+                      <p:stCondLst>
+                        <p:cond delay="indefinite"/>
+                      </p:stCondLst>
+                      <p:childTnLst>
+                        <p:par>
+                          <p:cTn id="9" fill="hold">
+                            <p:stCondLst>
+                              <p:cond delay="0"/>
+                            </p:stCondLst>
+                            <p:childTnLst>
+                              <p:par>
+                                <p:cTn id="10" presetID="10" presetClass="entr" presetSubtype="0" fill="hold" nodeType="clickEffect">
+                                  <p:stCondLst>
+                                    <p:cond delay="0"/>
+                                  </p:stCondLst>
+                                  <p:childTnLst>
+                                    <p:set>
+                                      <p:cBhvr>
+                                        <p:cTn id="11" dur="1" fill="hold">
+                                          <p:stCondLst>
+                                            <p:cond delay="0"/>
+                                          </p:stCondLst>
+                                        </p:cTn>
+                                        <p:tgtEl>
+                                          <p:spTgt spid="7"/>
+                                        </p:tgtEl>
+                                        <p:attrNameLst>
+                                          <p:attrName>style.visibility</p:attrName>
+                                        </p:attrNameLst>
+                                      </p:cBhvr>
+                                      <p:to>
+                                        <p:strVal val="visible"/>
+                                      </p:to>
+                                    </p:set>
+                                    <p:animEffect transition="in" filter="fade">
+                                      <p:cBhvr>
+                                        <p:cTn id="12" dur="500"/>
+                                        <p:tgtEl>
+                                          <p:spTgt spid="7"/>
+                                        </p:tgtEl>
+                                      </p:cBhvr>
+                                    </p:animEffect>
+                                  </p:childTnLst>
+                                </p:cTn>
+                              </p:par>
+                            </p:childTnLst>
+                          </p:cTn>
+                        </p:par>
+                      </p:childTnLst>
+                    </p:cTn>
+                  </p:par>
+                </p:childTnLst>
+              </p:cTn>
+              <p:prevCondLst>
+                <p:cond evt="onPrev" delay="0">
+                  <p:tgtEl>
+                    <p:sldTgt/>
+                  </p:tgtEl>
+                </p:cond>
+              </p:prevCondLst>
+              <p:nextCondLst>
+                <p:cond evt="onNext" delay="0">
+                  <p:tgtEl>
+                    <p:sldTgt/>
+                  </p:tgtEl>
+                </p:cond>
+              </p:nextCondLst>
+            </p:seq>
+          </p:childTnLst>
+        </p:cTn>
+      </p:par>
+    </p:tnLst>
+  </p:timing>
+</p:sld>
+</file>
+
+<file path=ppt/slides/slide23.xml><?xml version="1.0" encoding="utf-8"?>
+<p:sld xmlns:a="http://schemas.openxmlformats.org/drawingml/2006/main" xmlns:r="http://schemas.openxmlformats.org/officeDocument/2006/relationships" xmlns:p="http://schemas.openxmlformats.org/presentationml/2006/main">
+  <p:cSld>
+    <p:spTree>
+      <p:nvGrpSpPr>
+        <p:cNvPr id="1" name=""/>
+        <p:cNvGrpSpPr/>
+        <p:nvPr/>
+      </p:nvGrpSpPr>
+      <p:grpSpPr>
+        <a:xfrm>
+          <a:off x="0" y="0"/>
+          <a:ext cx="0" cy="0"/>
+          <a:chOff x="0" y="0"/>
+          <a:chExt cx="0" cy="0"/>
+        </a:xfrm>
+      </p:grpSpPr>
+      <p:sp>
+        <p:nvSpPr>
+          <p:cNvPr id="2" name="Title 1"/>
+          <p:cNvSpPr>
+            <a:spLocks noGrp="1"/>
+          </p:cNvSpPr>
+          <p:nvPr>
+            <p:ph type="title"/>
+          </p:nvPr>
+        </p:nvSpPr>
+        <p:spPr/>
+        <p:txBody>
+          <a:bodyPr/>
+          <a:lstStyle/>
+          <a:p>
+            <a:r>
+              <a:rPr lang="en-US" dirty="0"/>
+              <a:t>Literal Notation For Map/Set?</a:t>
+            </a:r>
+            <a:br>
+              <a:rPr lang="en-US" dirty="0"/>
+            </a:br>
+            <a:r>
+              <a:rPr lang="en-US" dirty="0"/>
+              <a:t>No</a:t>
+            </a:r>
+          </a:p>
+        </p:txBody>
+      </p:sp>
+      <p:pic>
+        <p:nvPicPr>
+          <p:cNvPr id="5" name="Picture 4"/>
+          <p:cNvPicPr>
+            <a:picLocks noChangeAspect="1"/>
+          </p:cNvPicPr>
+          <p:nvPr/>
+        </p:nvPicPr>
+        <p:blipFill>
+          <a:blip r:embed="rId2"/>
+          <a:stretch>
+            <a:fillRect/>
+          </a:stretch>
+        </p:blipFill>
+        <p:spPr>
+          <a:xfrm>
+            <a:off x="1676400" y="3048000"/>
+            <a:ext cx="6358952" cy="884598"/>
+          </a:xfrm>
+          <a:prstGeom prst="rect">
+            <a:avLst/>
+          </a:prstGeom>
+        </p:spPr>
+      </p:pic>
+      <p:pic>
+        <p:nvPicPr>
+          <p:cNvPr id="4" name="Picture 3"/>
+          <p:cNvPicPr>
+            <a:picLocks noChangeAspect="1"/>
+          </p:cNvPicPr>
+          <p:nvPr/>
+        </p:nvPicPr>
+        <p:blipFill>
+          <a:blip r:embed="rId3"/>
+          <a:stretch>
+            <a:fillRect/>
+          </a:stretch>
+        </p:blipFill>
+        <p:spPr>
+          <a:xfrm>
+            <a:off x="1981200" y="1686952"/>
+            <a:ext cx="5695950" cy="589523"/>
+          </a:xfrm>
+          <a:prstGeom prst="rect">
+            <a:avLst/>
+          </a:prstGeom>
+        </p:spPr>
+      </p:pic>
+      <p:pic>
+        <p:nvPicPr>
+          <p:cNvPr id="6" name="Picture 5"/>
+          <p:cNvPicPr>
+            <a:picLocks noChangeAspect="1"/>
+          </p:cNvPicPr>
+          <p:nvPr/>
+        </p:nvPicPr>
+        <p:blipFill>
+          <a:blip r:embed="rId4"/>
+          <a:stretch>
+            <a:fillRect/>
+          </a:stretch>
+        </p:blipFill>
+        <p:spPr>
+          <a:xfrm>
+            <a:off x="990600" y="4648200"/>
+            <a:ext cx="7743825" cy="658059"/>
+          </a:xfrm>
+          <a:prstGeom prst="rect">
+            <a:avLst/>
+          </a:prstGeom>
+        </p:spPr>
+      </p:pic>
+    </p:spTree>
+    <p:extLst>
+      <p:ext uri="{BB962C8B-B14F-4D97-AF65-F5344CB8AC3E}">
+        <p14:creationId xmlns:p14="http://schemas.microsoft.com/office/powerpoint/2010/main" val="406143668"/>
       </p:ext>
     </p:extLst>
   </p:cSld>
@@ -13672,7 +14389,2198 @@
 </p:sld>
 </file>
 
-<file path=ppt/slides/slide23.xml><?xml version="1.0" encoding="utf-8"?>
+<file path=ppt/slides/slide24.xml><?xml version="1.0" encoding="utf-8"?>
+<p:sld xmlns:a="http://schemas.openxmlformats.org/drawingml/2006/main" xmlns:r="http://schemas.openxmlformats.org/officeDocument/2006/relationships" xmlns:p="http://schemas.openxmlformats.org/presentationml/2006/main">
+  <p:cSld>
+    <p:spTree>
+      <p:nvGrpSpPr>
+        <p:cNvPr id="1" name=""/>
+        <p:cNvGrpSpPr/>
+        <p:nvPr/>
+      </p:nvGrpSpPr>
+      <p:grpSpPr>
+        <a:xfrm>
+          <a:off x="0" y="0"/>
+          <a:ext cx="0" cy="0"/>
+          <a:chOff x="0" y="0"/>
+          <a:chExt cx="0" cy="0"/>
+        </a:xfrm>
+      </p:grpSpPr>
+      <p:sp>
+        <p:nvSpPr>
+          <p:cNvPr id="2" name="Title 1"/>
+          <p:cNvSpPr>
+            <a:spLocks noGrp="1"/>
+          </p:cNvSpPr>
+          <p:nvPr>
+            <p:ph type="title"/>
+          </p:nvPr>
+        </p:nvSpPr>
+        <p:spPr/>
+        <p:txBody>
+          <a:bodyPr/>
+          <a:lstStyle/>
+          <a:p>
+            <a:endParaRPr lang="en-US"/>
+          </a:p>
+        </p:txBody>
+      </p:sp>
+      <p:sp>
+        <p:nvSpPr>
+          <p:cNvPr id="3" name="Text Placeholder 2"/>
+          <p:cNvSpPr>
+            <a:spLocks noGrp="1"/>
+          </p:cNvSpPr>
+          <p:nvPr>
+            <p:ph type="body" idx="1"/>
+          </p:nvPr>
+        </p:nvSpPr>
+        <p:spPr/>
+        <p:txBody>
+          <a:bodyPr/>
+          <a:lstStyle/>
+          <a:p>
+            <a:endParaRPr lang="en-US"/>
+          </a:p>
+        </p:txBody>
+      </p:sp>
+      <p:pic>
+        <p:nvPicPr>
+          <p:cNvPr id="1026" name="Picture 2" descr="http://professortaboo.files.wordpress.com/2013/03/herebedragons.jpg"/>
+          <p:cNvPicPr>
+            <a:picLocks noChangeAspect="1" noChangeArrowheads="1"/>
+          </p:cNvPicPr>
+          <p:nvPr/>
+        </p:nvPicPr>
+        <p:blipFill>
+          <a:blip r:embed="rId3">
+            <a:extLst>
+              <a:ext uri="{28A0092B-C50C-407E-A947-70E740481C1C}">
+                <a14:useLocalDpi xmlns:a14="http://schemas.microsoft.com/office/drawing/2010/main" val="0"/>
+              </a:ext>
+            </a:extLst>
+          </a:blip>
+          <a:srcRect/>
+          <a:stretch>
+            <a:fillRect/>
+          </a:stretch>
+        </p:blipFill>
+        <p:spPr bwMode="auto">
+          <a:xfrm>
+            <a:off x="0" y="-58853"/>
+            <a:ext cx="9144000" cy="6858000"/>
+          </a:xfrm>
+          <a:prstGeom prst="rect">
+            <a:avLst/>
+          </a:prstGeom>
+          <a:noFill/>
+          <a:extLst>
+            <a:ext uri="{909E8E84-426E-40DD-AFC4-6F175D3DCCD1}">
+              <a14:hiddenFill xmlns:a14="http://schemas.microsoft.com/office/drawing/2010/main">
+                <a:solidFill>
+                  <a:srgbClr val="FFFFFF"/>
+                </a:solidFill>
+              </a14:hiddenFill>
+            </a:ext>
+          </a:extLst>
+        </p:spPr>
+      </p:pic>
+      <p:sp>
+        <p:nvSpPr>
+          <p:cNvPr id="4" name="TextBox 3"/>
+          <p:cNvSpPr txBox="1"/>
+          <p:nvPr/>
+        </p:nvSpPr>
+        <p:spPr bwMode="auto">
+          <a:xfrm>
+            <a:off x="4343400" y="2514600"/>
+            <a:ext cx="1722119" cy="830997"/>
+          </a:xfrm>
+          <a:prstGeom prst="rect">
+            <a:avLst/>
+          </a:prstGeom>
+          <a:solidFill>
+            <a:schemeClr val="accent3">
+              <a:alpha val="50000"/>
+            </a:schemeClr>
+          </a:solidFill>
+          <a:ln>
+            <a:noFill/>
+          </a:ln>
+        </p:spPr>
+        <p:style>
+          <a:lnRef idx="0">
+            <a:scrgbClr r="0" g="0" b="0"/>
+          </a:lnRef>
+          <a:fillRef idx="0">
+            <a:scrgbClr r="0" g="0" b="0"/>
+          </a:fillRef>
+          <a:effectRef idx="0">
+            <a:scrgbClr r="0" g="0" b="0"/>
+          </a:effectRef>
+          <a:fontRef idx="minor">
+            <a:schemeClr val="lt1"/>
+          </a:fontRef>
+        </p:style>
+        <p:txBody>
+          <a:bodyPr wrap="square" rtlCol="0">
+            <a:spAutoFit/>
+          </a:bodyPr>
+          <a:lstStyle/>
+          <a:p>
+            <a:r>
+              <a:rPr lang="en-US" sz="2400" dirty="0">
+                <a:solidFill>
+                  <a:schemeClr val="bg1"/>
+                </a:solidFill>
+                <a:latin typeface="Yu Gothic UI Semibold" panose="020B0700000000000000" pitchFamily="34" charset="-128"/>
+                <a:ea typeface="Yu Gothic UI Semibold" panose="020B0700000000000000" pitchFamily="34" charset="-128"/>
+              </a:rPr>
+              <a:t>Arrow</a:t>
+            </a:r>
+          </a:p>
+          <a:p>
+            <a:r>
+              <a:rPr lang="en-US" sz="2400" dirty="0">
+                <a:solidFill>
+                  <a:schemeClr val="bg1"/>
+                </a:solidFill>
+                <a:latin typeface="Yu Gothic UI Semibold" panose="020B0700000000000000" pitchFamily="34" charset="-128"/>
+                <a:ea typeface="Yu Gothic UI Semibold" panose="020B0700000000000000" pitchFamily="34" charset="-128"/>
+              </a:rPr>
+              <a:t>Functions</a:t>
+            </a:r>
+          </a:p>
+        </p:txBody>
+      </p:sp>
+      <p:sp>
+        <p:nvSpPr>
+          <p:cNvPr id="6" name="TextBox 5"/>
+          <p:cNvSpPr txBox="1"/>
+          <p:nvPr/>
+        </p:nvSpPr>
+        <p:spPr bwMode="auto">
+          <a:xfrm>
+            <a:off x="1600200" y="3695700"/>
+            <a:ext cx="1722119" cy="830997"/>
+          </a:xfrm>
+          <a:prstGeom prst="rect">
+            <a:avLst/>
+          </a:prstGeom>
+          <a:solidFill>
+            <a:schemeClr val="accent3">
+              <a:alpha val="50000"/>
+            </a:schemeClr>
+          </a:solidFill>
+          <a:ln>
+            <a:noFill/>
+          </a:ln>
+        </p:spPr>
+        <p:style>
+          <a:lnRef idx="0">
+            <a:scrgbClr r="0" g="0" b="0"/>
+          </a:lnRef>
+          <a:fillRef idx="0">
+            <a:scrgbClr r="0" g="0" b="0"/>
+          </a:fillRef>
+          <a:effectRef idx="0">
+            <a:scrgbClr r="0" g="0" b="0"/>
+          </a:effectRef>
+          <a:fontRef idx="minor">
+            <a:schemeClr val="lt1"/>
+          </a:fontRef>
+        </p:style>
+        <p:txBody>
+          <a:bodyPr wrap="square" rtlCol="0">
+            <a:spAutoFit/>
+          </a:bodyPr>
+          <a:lstStyle/>
+          <a:p>
+            <a:r>
+              <a:rPr lang="en-US" sz="2400" dirty="0">
+                <a:solidFill>
+                  <a:schemeClr val="bg1"/>
+                </a:solidFill>
+                <a:latin typeface="Yu Gothic UI Semibold" panose="020B0700000000000000" pitchFamily="34" charset="-128"/>
+                <a:ea typeface="Yu Gothic UI Semibold" panose="020B0700000000000000" pitchFamily="34" charset="-128"/>
+              </a:rPr>
+              <a:t>Template</a:t>
+            </a:r>
+          </a:p>
+          <a:p>
+            <a:r>
+              <a:rPr lang="en-US" sz="2400" dirty="0">
+                <a:solidFill>
+                  <a:schemeClr val="bg1"/>
+                </a:solidFill>
+                <a:latin typeface="Yu Gothic UI Semibold" panose="020B0700000000000000" pitchFamily="34" charset="-128"/>
+                <a:ea typeface="Yu Gothic UI Semibold" panose="020B0700000000000000" pitchFamily="34" charset="-128"/>
+              </a:rPr>
+              <a:t>Literals</a:t>
+            </a:r>
+          </a:p>
+        </p:txBody>
+      </p:sp>
+      <p:sp>
+        <p:nvSpPr>
+          <p:cNvPr id="7" name="TextBox 6"/>
+          <p:cNvSpPr txBox="1"/>
+          <p:nvPr/>
+        </p:nvSpPr>
+        <p:spPr bwMode="auto">
+          <a:xfrm>
+            <a:off x="5638800" y="4470123"/>
+            <a:ext cx="1722119" cy="830997"/>
+          </a:xfrm>
+          <a:prstGeom prst="rect">
+            <a:avLst/>
+          </a:prstGeom>
+          <a:solidFill>
+            <a:schemeClr val="accent3">
+              <a:alpha val="50000"/>
+            </a:schemeClr>
+          </a:solidFill>
+          <a:ln>
+            <a:noFill/>
+          </a:ln>
+        </p:spPr>
+        <p:style>
+          <a:lnRef idx="0">
+            <a:scrgbClr r="0" g="0" b="0"/>
+          </a:lnRef>
+          <a:fillRef idx="0">
+            <a:scrgbClr r="0" g="0" b="0"/>
+          </a:fillRef>
+          <a:effectRef idx="0">
+            <a:scrgbClr r="0" g="0" b="0"/>
+          </a:effectRef>
+          <a:fontRef idx="minor">
+            <a:schemeClr val="lt1"/>
+          </a:fontRef>
+        </p:style>
+        <p:txBody>
+          <a:bodyPr wrap="square" rtlCol="0">
+            <a:spAutoFit/>
+          </a:bodyPr>
+          <a:lstStyle/>
+          <a:p>
+            <a:r>
+              <a:rPr lang="en-US" sz="2400" dirty="0">
+                <a:solidFill>
+                  <a:schemeClr val="bg1"/>
+                </a:solidFill>
+                <a:latin typeface="Yu Gothic UI Semibold" panose="020B0700000000000000" pitchFamily="34" charset="-128"/>
+                <a:ea typeface="Yu Gothic UI Semibold" panose="020B0700000000000000" pitchFamily="34" charset="-128"/>
+              </a:rPr>
+              <a:t>Crazy Syntax</a:t>
+            </a:r>
+          </a:p>
+        </p:txBody>
+      </p:sp>
+      <p:sp>
+        <p:nvSpPr>
+          <p:cNvPr id="8" name="TextBox 7"/>
+          <p:cNvSpPr txBox="1"/>
+          <p:nvPr/>
+        </p:nvSpPr>
+        <p:spPr bwMode="auto">
+          <a:xfrm>
+            <a:off x="1371600" y="1524000"/>
+            <a:ext cx="1722119" cy="461665"/>
+          </a:xfrm>
+          <a:prstGeom prst="rect">
+            <a:avLst/>
+          </a:prstGeom>
+          <a:solidFill>
+            <a:schemeClr val="accent3">
+              <a:alpha val="50000"/>
+            </a:schemeClr>
+          </a:solidFill>
+          <a:ln>
+            <a:noFill/>
+          </a:ln>
+        </p:spPr>
+        <p:style>
+          <a:lnRef idx="0">
+            <a:scrgbClr r="0" g="0" b="0"/>
+          </a:lnRef>
+          <a:fillRef idx="0">
+            <a:scrgbClr r="0" g="0" b="0"/>
+          </a:fillRef>
+          <a:effectRef idx="0">
+            <a:scrgbClr r="0" g="0" b="0"/>
+          </a:effectRef>
+          <a:fontRef idx="minor">
+            <a:schemeClr val="lt1"/>
+          </a:fontRef>
+        </p:style>
+        <p:txBody>
+          <a:bodyPr wrap="square" rtlCol="0">
+            <a:spAutoFit/>
+          </a:bodyPr>
+          <a:lstStyle/>
+          <a:p>
+            <a:r>
+              <a:rPr lang="en-US" sz="2400" dirty="0" err="1">
+                <a:solidFill>
+                  <a:schemeClr val="bg1"/>
+                </a:solidFill>
+                <a:latin typeface="Yu Gothic UI Semibold" panose="020B0700000000000000" pitchFamily="34" charset="-128"/>
+                <a:ea typeface="Yu Gothic UI Semibold" panose="020B0700000000000000" pitchFamily="34" charset="-128"/>
+              </a:rPr>
+              <a:t>const</a:t>
+            </a:r>
+            <a:endParaRPr lang="en-US" sz="2400" dirty="0">
+              <a:solidFill>
+                <a:schemeClr val="bg1"/>
+              </a:solidFill>
+              <a:latin typeface="Yu Gothic UI Semibold" panose="020B0700000000000000" pitchFamily="34" charset="-128"/>
+              <a:ea typeface="Yu Gothic UI Semibold" panose="020B0700000000000000" pitchFamily="34" charset="-128"/>
+            </a:endParaRPr>
+          </a:p>
+        </p:txBody>
+      </p:sp>
+      <p:sp>
+        <p:nvSpPr>
+          <p:cNvPr id="9" name="TextBox 8"/>
+          <p:cNvSpPr txBox="1"/>
+          <p:nvPr/>
+        </p:nvSpPr>
+        <p:spPr bwMode="auto">
+          <a:xfrm>
+            <a:off x="5943600" y="841802"/>
+            <a:ext cx="1722119" cy="461665"/>
+          </a:xfrm>
+          <a:prstGeom prst="rect">
+            <a:avLst/>
+          </a:prstGeom>
+          <a:solidFill>
+            <a:schemeClr val="accent3">
+              <a:alpha val="50000"/>
+            </a:schemeClr>
+          </a:solidFill>
+          <a:ln>
+            <a:noFill/>
+          </a:ln>
+        </p:spPr>
+        <p:style>
+          <a:lnRef idx="0">
+            <a:scrgbClr r="0" g="0" b="0"/>
+          </a:lnRef>
+          <a:fillRef idx="0">
+            <a:scrgbClr r="0" g="0" b="0"/>
+          </a:fillRef>
+          <a:effectRef idx="0">
+            <a:scrgbClr r="0" g="0" b="0"/>
+          </a:effectRef>
+          <a:fontRef idx="minor">
+            <a:schemeClr val="lt1"/>
+          </a:fontRef>
+        </p:style>
+        <p:txBody>
+          <a:bodyPr wrap="square" rtlCol="0">
+            <a:spAutoFit/>
+          </a:bodyPr>
+          <a:lstStyle/>
+          <a:p>
+            <a:r>
+              <a:rPr lang="en-US" sz="2400" dirty="0">
+                <a:solidFill>
+                  <a:schemeClr val="bg1"/>
+                </a:solidFill>
+                <a:latin typeface="Yu Gothic UI Semibold" panose="020B0700000000000000" pitchFamily="34" charset="-128"/>
+                <a:ea typeface="Yu Gothic UI Semibold" panose="020B0700000000000000" pitchFamily="34" charset="-128"/>
+              </a:rPr>
+              <a:t>Collections</a:t>
+            </a:r>
+          </a:p>
+        </p:txBody>
+      </p:sp>
+      <p:sp>
+        <p:nvSpPr>
+          <p:cNvPr id="10" name="TextBox 9"/>
+          <p:cNvSpPr txBox="1"/>
+          <p:nvPr/>
+        </p:nvSpPr>
+        <p:spPr bwMode="auto">
+          <a:xfrm>
+            <a:off x="6553200" y="2514600"/>
+            <a:ext cx="1722119" cy="461665"/>
+          </a:xfrm>
+          <a:prstGeom prst="rect">
+            <a:avLst/>
+          </a:prstGeom>
+          <a:ln>
+            <a:headEnd/>
+            <a:tailEnd/>
+          </a:ln>
+        </p:spPr>
+        <p:style>
+          <a:lnRef idx="2">
+            <a:schemeClr val="accent3">
+              <a:shade val="50000"/>
+            </a:schemeClr>
+          </a:lnRef>
+          <a:fillRef idx="1">
+            <a:schemeClr val="accent3"/>
+          </a:fillRef>
+          <a:effectRef idx="0">
+            <a:schemeClr val="accent3"/>
+          </a:effectRef>
+          <a:fontRef idx="minor">
+            <a:schemeClr val="lt1"/>
+          </a:fontRef>
+        </p:style>
+        <p:txBody>
+          <a:bodyPr wrap="square" rtlCol="0">
+            <a:spAutoFit/>
+          </a:bodyPr>
+          <a:lstStyle/>
+          <a:p>
+            <a:r>
+              <a:rPr lang="en-US" sz="2400" dirty="0">
+                <a:solidFill>
+                  <a:schemeClr val="bg1"/>
+                </a:solidFill>
+                <a:latin typeface="Yu Gothic UI Semibold" panose="020B0700000000000000" pitchFamily="34" charset="-128"/>
+                <a:ea typeface="Yu Gothic UI Semibold" panose="020B0700000000000000" pitchFamily="34" charset="-128"/>
+              </a:rPr>
+              <a:t>Classes</a:t>
+            </a:r>
+          </a:p>
+        </p:txBody>
+      </p:sp>
+    </p:spTree>
+    <p:extLst>
+      <p:ext uri="{BB962C8B-B14F-4D97-AF65-F5344CB8AC3E}">
+        <p14:creationId xmlns:p14="http://schemas.microsoft.com/office/powerpoint/2010/main" val="94953215"/>
+      </p:ext>
+    </p:extLst>
+  </p:cSld>
+  <p:clrMapOvr>
+    <a:masterClrMapping/>
+  </p:clrMapOvr>
+  <mc:AlternateContent xmlns:mc="http://schemas.openxmlformats.org/markup-compatibility/2006" xmlns:p14="http://schemas.microsoft.com/office/powerpoint/2010/main">
+    <mc:Choice Requires="p14">
+      <p:transition spd="slow" p14:dur="1500">
+        <p14:reveal/>
+      </p:transition>
+    </mc:Choice>
+    <mc:Fallback xmlns="">
+      <p:transition spd="slow">
+        <p:fade/>
+      </p:transition>
+    </mc:Fallback>
+  </mc:AlternateContent>
+</p:sld>
+</file>
+
+<file path=ppt/slides/slide25.xml><?xml version="1.0" encoding="utf-8"?>
+<p:sld xmlns:a="http://schemas.openxmlformats.org/drawingml/2006/main" xmlns:r="http://schemas.openxmlformats.org/officeDocument/2006/relationships" xmlns:p="http://schemas.openxmlformats.org/presentationml/2006/main">
+  <p:cSld>
+    <p:spTree>
+      <p:nvGrpSpPr>
+        <p:cNvPr id="1" name=""/>
+        <p:cNvGrpSpPr/>
+        <p:nvPr/>
+      </p:nvGrpSpPr>
+      <p:grpSpPr>
+        <a:xfrm>
+          <a:off x="0" y="0"/>
+          <a:ext cx="0" cy="0"/>
+          <a:chOff x="0" y="0"/>
+          <a:chExt cx="0" cy="0"/>
+        </a:xfrm>
+      </p:grpSpPr>
+      <p:sp>
+        <p:nvSpPr>
+          <p:cNvPr id="2" name="Title 1"/>
+          <p:cNvSpPr>
+            <a:spLocks noGrp="1"/>
+          </p:cNvSpPr>
+          <p:nvPr>
+            <p:ph type="title"/>
+          </p:nvPr>
+        </p:nvSpPr>
+        <p:spPr/>
+        <p:txBody>
+          <a:bodyPr/>
+          <a:lstStyle/>
+          <a:p>
+            <a:r>
+              <a:rPr lang="en-US" dirty="0"/>
+              <a:t>Classes are </a:t>
+            </a:r>
+            <a:r>
+              <a:rPr lang="en-US" i="1" dirty="0"/>
+              <a:t>Mostly</a:t>
+            </a:r>
+            <a:r>
+              <a:rPr lang="en-US" dirty="0"/>
+              <a:t> Sugar</a:t>
+            </a:r>
+          </a:p>
+        </p:txBody>
+      </p:sp>
+      <p:pic>
+        <p:nvPicPr>
+          <p:cNvPr id="4" name="Picture 3"/>
+          <p:cNvPicPr>
+            <a:picLocks noChangeAspect="1"/>
+          </p:cNvPicPr>
+          <p:nvPr/>
+        </p:nvPicPr>
+        <p:blipFill>
+          <a:blip r:embed="rId2"/>
+          <a:stretch>
+            <a:fillRect/>
+          </a:stretch>
+        </p:blipFill>
+        <p:spPr>
+          <a:xfrm>
+            <a:off x="304800" y="1524000"/>
+            <a:ext cx="4114800" cy="4281560"/>
+          </a:xfrm>
+          <a:prstGeom prst="rect">
+            <a:avLst/>
+          </a:prstGeom>
+        </p:spPr>
+      </p:pic>
+      <p:pic>
+        <p:nvPicPr>
+          <p:cNvPr id="5" name="Picture 4"/>
+          <p:cNvPicPr>
+            <a:picLocks noChangeAspect="1"/>
+          </p:cNvPicPr>
+          <p:nvPr/>
+        </p:nvPicPr>
+        <p:blipFill>
+          <a:blip r:embed="rId3"/>
+          <a:stretch>
+            <a:fillRect/>
+          </a:stretch>
+        </p:blipFill>
+        <p:spPr>
+          <a:xfrm>
+            <a:off x="4539509" y="1600200"/>
+            <a:ext cx="4494561" cy="4057650"/>
+          </a:xfrm>
+          <a:prstGeom prst="rect">
+            <a:avLst/>
+          </a:prstGeom>
+        </p:spPr>
+      </p:pic>
+    </p:spTree>
+    <p:extLst>
+      <p:ext uri="{BB962C8B-B14F-4D97-AF65-F5344CB8AC3E}">
+        <p14:creationId xmlns:p14="http://schemas.microsoft.com/office/powerpoint/2010/main" val="449473679"/>
+      </p:ext>
+    </p:extLst>
+  </p:cSld>
+  <p:clrMapOvr>
+    <a:masterClrMapping/>
+  </p:clrMapOvr>
+  <mc:AlternateContent xmlns:mc="http://schemas.openxmlformats.org/markup-compatibility/2006" xmlns:p14="http://schemas.microsoft.com/office/powerpoint/2010/main">
+    <mc:Choice Requires="p14">
+      <p:transition spd="slow" p14:dur="1500">
+        <p14:reveal/>
+      </p:transition>
+    </mc:Choice>
+    <mc:Fallback xmlns="">
+      <p:transition spd="slow">
+        <p:fade/>
+      </p:transition>
+    </mc:Fallback>
+  </mc:AlternateContent>
+  <p:timing>
+    <p:tnLst>
+      <p:par>
+        <p:cTn id="1" dur="indefinite" restart="never" nodeType="tmRoot">
+          <p:childTnLst>
+            <p:seq concurrent="1" nextAc="seek">
+              <p:cTn id="2" dur="indefinite" nodeType="mainSeq">
+                <p:childTnLst>
+                  <p:par>
+                    <p:cTn id="3" fill="hold">
+                      <p:stCondLst>
+                        <p:cond delay="indefinite"/>
+                      </p:stCondLst>
+                      <p:childTnLst>
+                        <p:par>
+                          <p:cTn id="4" fill="hold">
+                            <p:stCondLst>
+                              <p:cond delay="0"/>
+                            </p:stCondLst>
+                            <p:childTnLst>
+                              <p:par>
+                                <p:cTn id="5" presetID="10" presetClass="entr" presetSubtype="0" fill="hold" nodeType="clickEffect">
+                                  <p:stCondLst>
+                                    <p:cond delay="0"/>
+                                  </p:stCondLst>
+                                  <p:childTnLst>
+                                    <p:set>
+                                      <p:cBhvr>
+                                        <p:cTn id="6" dur="1" fill="hold">
+                                          <p:stCondLst>
+                                            <p:cond delay="0"/>
+                                          </p:stCondLst>
+                                        </p:cTn>
+                                        <p:tgtEl>
+                                          <p:spTgt spid="5"/>
+                                        </p:tgtEl>
+                                        <p:attrNameLst>
+                                          <p:attrName>style.visibility</p:attrName>
+                                        </p:attrNameLst>
+                                      </p:cBhvr>
+                                      <p:to>
+                                        <p:strVal val="visible"/>
+                                      </p:to>
+                                    </p:set>
+                                    <p:animEffect transition="in" filter="fade">
+                                      <p:cBhvr>
+                                        <p:cTn id="7" dur="500"/>
+                                        <p:tgtEl>
+                                          <p:spTgt spid="5"/>
+                                        </p:tgtEl>
+                                      </p:cBhvr>
+                                    </p:animEffect>
+                                  </p:childTnLst>
+                                </p:cTn>
+                              </p:par>
+                            </p:childTnLst>
+                          </p:cTn>
+                        </p:par>
+                      </p:childTnLst>
+                    </p:cTn>
+                  </p:par>
+                </p:childTnLst>
+              </p:cTn>
+              <p:prevCondLst>
+                <p:cond evt="onPrev" delay="0">
+                  <p:tgtEl>
+                    <p:sldTgt/>
+                  </p:tgtEl>
+                </p:cond>
+              </p:prevCondLst>
+              <p:nextCondLst>
+                <p:cond evt="onNext" delay="0">
+                  <p:tgtEl>
+                    <p:sldTgt/>
+                  </p:tgtEl>
+                </p:cond>
+              </p:nextCondLst>
+            </p:seq>
+          </p:childTnLst>
+        </p:cTn>
+      </p:par>
+    </p:tnLst>
+  </p:timing>
+</p:sld>
+</file>
+
+<file path=ppt/slides/slide26.xml><?xml version="1.0" encoding="utf-8"?>
+<p:sld xmlns:a="http://schemas.openxmlformats.org/drawingml/2006/main" xmlns:r="http://schemas.openxmlformats.org/officeDocument/2006/relationships" xmlns:p="http://schemas.openxmlformats.org/presentationml/2006/main">
+  <p:cSld>
+    <p:spTree>
+      <p:nvGrpSpPr>
+        <p:cNvPr id="1" name=""/>
+        <p:cNvGrpSpPr/>
+        <p:nvPr/>
+      </p:nvGrpSpPr>
+      <p:grpSpPr>
+        <a:xfrm>
+          <a:off x="0" y="0"/>
+          <a:ext cx="0" cy="0"/>
+          <a:chOff x="0" y="0"/>
+          <a:chExt cx="0" cy="0"/>
+        </a:xfrm>
+      </p:grpSpPr>
+      <p:sp>
+        <p:nvSpPr>
+          <p:cNvPr id="2" name="Title 1"/>
+          <p:cNvSpPr>
+            <a:spLocks noGrp="1"/>
+          </p:cNvSpPr>
+          <p:nvPr>
+            <p:ph type="title"/>
+          </p:nvPr>
+        </p:nvSpPr>
+        <p:spPr/>
+        <p:txBody>
+          <a:bodyPr/>
+          <a:lstStyle/>
+          <a:p>
+            <a:r>
+              <a:rPr lang="en-US" dirty="0"/>
+              <a:t>Hoisting</a:t>
+            </a:r>
+          </a:p>
+        </p:txBody>
+      </p:sp>
+      <p:sp>
+        <p:nvSpPr>
+          <p:cNvPr id="3" name="Text Placeholder 2"/>
+          <p:cNvSpPr>
+            <a:spLocks noGrp="1"/>
+          </p:cNvSpPr>
+          <p:nvPr>
+            <p:ph type="body" idx="1"/>
+          </p:nvPr>
+        </p:nvSpPr>
+        <p:spPr/>
+        <p:txBody>
+          <a:bodyPr/>
+          <a:lstStyle/>
+          <a:p>
+            <a:endParaRPr lang="en-US" dirty="0"/>
+          </a:p>
+        </p:txBody>
+      </p:sp>
+      <p:pic>
+        <p:nvPicPr>
+          <p:cNvPr id="4" name="Picture 3"/>
+          <p:cNvPicPr>
+            <a:picLocks noChangeAspect="1"/>
+          </p:cNvPicPr>
+          <p:nvPr/>
+        </p:nvPicPr>
+        <p:blipFill>
+          <a:blip r:embed="rId2"/>
+          <a:stretch>
+            <a:fillRect/>
+          </a:stretch>
+        </p:blipFill>
+        <p:spPr>
+          <a:xfrm>
+            <a:off x="519112" y="1447800"/>
+            <a:ext cx="4052888" cy="2017646"/>
+          </a:xfrm>
+          <a:prstGeom prst="rect">
+            <a:avLst/>
+          </a:prstGeom>
+        </p:spPr>
+      </p:pic>
+      <p:pic>
+        <p:nvPicPr>
+          <p:cNvPr id="5" name="Picture 4"/>
+          <p:cNvPicPr>
+            <a:picLocks noChangeAspect="1"/>
+          </p:cNvPicPr>
+          <p:nvPr/>
+        </p:nvPicPr>
+        <p:blipFill>
+          <a:blip r:embed="rId3"/>
+          <a:stretch>
+            <a:fillRect/>
+          </a:stretch>
+        </p:blipFill>
+        <p:spPr>
+          <a:xfrm>
+            <a:off x="4357688" y="3810000"/>
+            <a:ext cx="4329112" cy="2426424"/>
+          </a:xfrm>
+          <a:prstGeom prst="rect">
+            <a:avLst/>
+          </a:prstGeom>
+        </p:spPr>
+      </p:pic>
+    </p:spTree>
+    <p:extLst>
+      <p:ext uri="{BB962C8B-B14F-4D97-AF65-F5344CB8AC3E}">
+        <p14:creationId xmlns:p14="http://schemas.microsoft.com/office/powerpoint/2010/main" val="1900336656"/>
+      </p:ext>
+    </p:extLst>
+  </p:cSld>
+  <p:clrMapOvr>
+    <a:masterClrMapping/>
+  </p:clrMapOvr>
+  <mc:AlternateContent xmlns:mc="http://schemas.openxmlformats.org/markup-compatibility/2006" xmlns:p14="http://schemas.microsoft.com/office/powerpoint/2010/main">
+    <mc:Choice Requires="p14">
+      <p:transition spd="slow" p14:dur="1500">
+        <p14:reveal/>
+      </p:transition>
+    </mc:Choice>
+    <mc:Fallback xmlns="">
+      <p:transition spd="slow">
+        <p:fade/>
+      </p:transition>
+    </mc:Fallback>
+  </mc:AlternateContent>
+  <p:timing>
+    <p:tnLst>
+      <p:par>
+        <p:cTn id="1" dur="indefinite" restart="never" nodeType="tmRoot">
+          <p:childTnLst>
+            <p:seq concurrent="1" nextAc="seek">
+              <p:cTn id="2" dur="indefinite" nodeType="mainSeq">
+                <p:childTnLst>
+                  <p:par>
+                    <p:cTn id="3" fill="hold">
+                      <p:stCondLst>
+                        <p:cond delay="indefinite"/>
+                      </p:stCondLst>
+                      <p:childTnLst>
+                        <p:par>
+                          <p:cTn id="4" fill="hold">
+                            <p:stCondLst>
+                              <p:cond delay="0"/>
+                            </p:stCondLst>
+                            <p:childTnLst>
+                              <p:par>
+                                <p:cTn id="5" presetID="10" presetClass="entr" presetSubtype="0" fill="hold" nodeType="clickEffect">
+                                  <p:stCondLst>
+                                    <p:cond delay="0"/>
+                                  </p:stCondLst>
+                                  <p:childTnLst>
+                                    <p:set>
+                                      <p:cBhvr>
+                                        <p:cTn id="6" dur="1" fill="hold">
+                                          <p:stCondLst>
+                                            <p:cond delay="0"/>
+                                          </p:stCondLst>
+                                        </p:cTn>
+                                        <p:tgtEl>
+                                          <p:spTgt spid="5"/>
+                                        </p:tgtEl>
+                                        <p:attrNameLst>
+                                          <p:attrName>style.visibility</p:attrName>
+                                        </p:attrNameLst>
+                                      </p:cBhvr>
+                                      <p:to>
+                                        <p:strVal val="visible"/>
+                                      </p:to>
+                                    </p:set>
+                                    <p:animEffect transition="in" filter="fade">
+                                      <p:cBhvr>
+                                        <p:cTn id="7" dur="500"/>
+                                        <p:tgtEl>
+                                          <p:spTgt spid="5"/>
+                                        </p:tgtEl>
+                                      </p:cBhvr>
+                                    </p:animEffect>
+                                  </p:childTnLst>
+                                </p:cTn>
+                              </p:par>
+                            </p:childTnLst>
+                          </p:cTn>
+                        </p:par>
+                      </p:childTnLst>
+                    </p:cTn>
+                  </p:par>
+                </p:childTnLst>
+              </p:cTn>
+              <p:prevCondLst>
+                <p:cond evt="onPrev" delay="0">
+                  <p:tgtEl>
+                    <p:sldTgt/>
+                  </p:tgtEl>
+                </p:cond>
+              </p:prevCondLst>
+              <p:nextCondLst>
+                <p:cond evt="onNext" delay="0">
+                  <p:tgtEl>
+                    <p:sldTgt/>
+                  </p:tgtEl>
+                </p:cond>
+              </p:nextCondLst>
+            </p:seq>
+          </p:childTnLst>
+        </p:cTn>
+      </p:par>
+    </p:tnLst>
+  </p:timing>
+</p:sld>
+</file>
+
+<file path=ppt/slides/slide27.xml><?xml version="1.0" encoding="utf-8"?>
+<p:sld xmlns:a="http://schemas.openxmlformats.org/drawingml/2006/main" xmlns:r="http://schemas.openxmlformats.org/officeDocument/2006/relationships" xmlns:p="http://schemas.openxmlformats.org/presentationml/2006/main">
+  <p:cSld>
+    <p:spTree>
+      <p:nvGrpSpPr>
+        <p:cNvPr id="1" name=""/>
+        <p:cNvGrpSpPr/>
+        <p:nvPr/>
+      </p:nvGrpSpPr>
+      <p:grpSpPr>
+        <a:xfrm>
+          <a:off x="0" y="0"/>
+          <a:ext cx="0" cy="0"/>
+          <a:chOff x="0" y="0"/>
+          <a:chExt cx="0" cy="0"/>
+        </a:xfrm>
+      </p:grpSpPr>
+      <p:sp>
+        <p:nvSpPr>
+          <p:cNvPr id="2" name="Title 1"/>
+          <p:cNvSpPr>
+            <a:spLocks noGrp="1"/>
+          </p:cNvSpPr>
+          <p:nvPr>
+            <p:ph type="title"/>
+          </p:nvPr>
+        </p:nvSpPr>
+        <p:spPr/>
+        <p:txBody>
+          <a:bodyPr/>
+          <a:lstStyle/>
+          <a:p>
+            <a:r>
+              <a:rPr lang="en-US" dirty="0"/>
+              <a:t>The TDZ</a:t>
+            </a:r>
+          </a:p>
+        </p:txBody>
+      </p:sp>
+      <p:sp>
+        <p:nvSpPr>
+          <p:cNvPr id="3" name="Text Placeholder 2"/>
+          <p:cNvSpPr>
+            <a:spLocks noGrp="1"/>
+          </p:cNvSpPr>
+          <p:nvPr>
+            <p:ph type="body" idx="1"/>
+          </p:nvPr>
+        </p:nvSpPr>
+        <p:spPr/>
+        <p:txBody>
+          <a:bodyPr/>
+          <a:lstStyle/>
+          <a:p>
+            <a:endParaRPr lang="en-US"/>
+          </a:p>
+        </p:txBody>
+      </p:sp>
+      <p:pic>
+        <p:nvPicPr>
+          <p:cNvPr id="5" name="Picture 4"/>
+          <p:cNvPicPr>
+            <a:picLocks noChangeAspect="1"/>
+          </p:cNvPicPr>
+          <p:nvPr/>
+        </p:nvPicPr>
+        <p:blipFill>
+          <a:blip r:embed="rId2"/>
+          <a:stretch>
+            <a:fillRect/>
+          </a:stretch>
+        </p:blipFill>
+        <p:spPr>
+          <a:xfrm>
+            <a:off x="2362200" y="1447800"/>
+            <a:ext cx="4891087" cy="4398355"/>
+          </a:xfrm>
+          <a:prstGeom prst="rect">
+            <a:avLst/>
+          </a:prstGeom>
+        </p:spPr>
+      </p:pic>
+    </p:spTree>
+    <p:extLst>
+      <p:ext uri="{BB962C8B-B14F-4D97-AF65-F5344CB8AC3E}">
+        <p14:creationId xmlns:p14="http://schemas.microsoft.com/office/powerpoint/2010/main" val="1713990792"/>
+      </p:ext>
+    </p:extLst>
+  </p:cSld>
+  <p:clrMapOvr>
+    <a:masterClrMapping/>
+  </p:clrMapOvr>
+  <mc:AlternateContent xmlns:mc="http://schemas.openxmlformats.org/markup-compatibility/2006" xmlns:p14="http://schemas.microsoft.com/office/powerpoint/2010/main">
+    <mc:Choice Requires="p14">
+      <p:transition spd="slow" p14:dur="1500">
+        <p14:reveal/>
+      </p:transition>
+    </mc:Choice>
+    <mc:Fallback xmlns="">
+      <p:transition spd="slow">
+        <p:fade/>
+      </p:transition>
+    </mc:Fallback>
+  </mc:AlternateContent>
+</p:sld>
+</file>
+
+<file path=ppt/slides/slide28.xml><?xml version="1.0" encoding="utf-8"?>
+<p:sld xmlns:a="http://schemas.openxmlformats.org/drawingml/2006/main" xmlns:r="http://schemas.openxmlformats.org/officeDocument/2006/relationships" xmlns:p="http://schemas.openxmlformats.org/presentationml/2006/main">
+  <p:cSld>
+    <p:spTree>
+      <p:nvGrpSpPr>
+        <p:cNvPr id="1" name=""/>
+        <p:cNvGrpSpPr/>
+        <p:nvPr/>
+      </p:nvGrpSpPr>
+      <p:grpSpPr>
+        <a:xfrm>
+          <a:off x="0" y="0"/>
+          <a:ext cx="0" cy="0"/>
+          <a:chOff x="0" y="0"/>
+          <a:chExt cx="0" cy="0"/>
+        </a:xfrm>
+      </p:grpSpPr>
+      <p:sp>
+        <p:nvSpPr>
+          <p:cNvPr id="2" name="Title 1"/>
+          <p:cNvSpPr>
+            <a:spLocks noGrp="1"/>
+          </p:cNvSpPr>
+          <p:nvPr>
+            <p:ph type="title"/>
+          </p:nvPr>
+        </p:nvSpPr>
+        <p:spPr/>
+        <p:txBody>
+          <a:bodyPr/>
+          <a:lstStyle/>
+          <a:p>
+            <a:r>
+              <a:rPr lang="en-US" dirty="0"/>
+              <a:t>Reflective Introspection</a:t>
+            </a:r>
+          </a:p>
+        </p:txBody>
+      </p:sp>
+      <p:sp>
+        <p:nvSpPr>
+          <p:cNvPr id="3" name="Text Placeholder 2"/>
+          <p:cNvSpPr>
+            <a:spLocks noGrp="1"/>
+          </p:cNvSpPr>
+          <p:nvPr>
+            <p:ph type="body" idx="1"/>
+          </p:nvPr>
+        </p:nvSpPr>
+        <p:spPr/>
+        <p:txBody>
+          <a:bodyPr/>
+          <a:lstStyle/>
+          <a:p>
+            <a:endParaRPr lang="en-US" dirty="0"/>
+          </a:p>
+        </p:txBody>
+      </p:sp>
+      <p:pic>
+        <p:nvPicPr>
+          <p:cNvPr id="4" name="Picture 3"/>
+          <p:cNvPicPr>
+            <a:picLocks noChangeAspect="1"/>
+          </p:cNvPicPr>
+          <p:nvPr/>
+        </p:nvPicPr>
+        <p:blipFill>
+          <a:blip r:embed="rId2"/>
+          <a:stretch>
+            <a:fillRect/>
+          </a:stretch>
+        </p:blipFill>
+        <p:spPr>
+          <a:xfrm>
+            <a:off x="304800" y="1452055"/>
+            <a:ext cx="5286375" cy="2357151"/>
+          </a:xfrm>
+          <a:prstGeom prst="rect">
+            <a:avLst/>
+          </a:prstGeom>
+        </p:spPr>
+      </p:pic>
+      <p:pic>
+        <p:nvPicPr>
+          <p:cNvPr id="5" name="Picture 4"/>
+          <p:cNvPicPr>
+            <a:picLocks noChangeAspect="1"/>
+          </p:cNvPicPr>
+          <p:nvPr/>
+        </p:nvPicPr>
+        <p:blipFill>
+          <a:blip r:embed="rId3"/>
+          <a:stretch>
+            <a:fillRect/>
+          </a:stretch>
+        </p:blipFill>
+        <p:spPr>
+          <a:xfrm>
+            <a:off x="4114800" y="3169310"/>
+            <a:ext cx="4624387" cy="2626652"/>
+          </a:xfrm>
+          <a:prstGeom prst="rect">
+            <a:avLst/>
+          </a:prstGeom>
+        </p:spPr>
+      </p:pic>
+    </p:spTree>
+    <p:extLst>
+      <p:ext uri="{BB962C8B-B14F-4D97-AF65-F5344CB8AC3E}">
+        <p14:creationId xmlns:p14="http://schemas.microsoft.com/office/powerpoint/2010/main" val="1235360043"/>
+      </p:ext>
+    </p:extLst>
+  </p:cSld>
+  <p:clrMapOvr>
+    <a:masterClrMapping/>
+  </p:clrMapOvr>
+  <mc:AlternateContent xmlns:mc="http://schemas.openxmlformats.org/markup-compatibility/2006" xmlns:p14="http://schemas.microsoft.com/office/powerpoint/2010/main">
+    <mc:Choice Requires="p14">
+      <p:transition spd="slow" p14:dur="1500">
+        <p14:reveal/>
+      </p:transition>
+    </mc:Choice>
+    <mc:Fallback xmlns="">
+      <p:transition spd="slow">
+        <p:fade/>
+      </p:transition>
+    </mc:Fallback>
+  </mc:AlternateContent>
+  <p:timing>
+    <p:tnLst>
+      <p:par>
+        <p:cTn id="1" dur="indefinite" restart="never" nodeType="tmRoot">
+          <p:childTnLst>
+            <p:seq concurrent="1" nextAc="seek">
+              <p:cTn id="2" dur="indefinite" nodeType="mainSeq">
+                <p:childTnLst>
+                  <p:par>
+                    <p:cTn id="3" fill="hold">
+                      <p:stCondLst>
+                        <p:cond delay="indefinite"/>
+                      </p:stCondLst>
+                      <p:childTnLst>
+                        <p:par>
+                          <p:cTn id="4" fill="hold">
+                            <p:stCondLst>
+                              <p:cond delay="0"/>
+                            </p:stCondLst>
+                            <p:childTnLst>
+                              <p:par>
+                                <p:cTn id="5" presetID="10" presetClass="entr" presetSubtype="0" fill="hold" nodeType="clickEffect">
+                                  <p:stCondLst>
+                                    <p:cond delay="0"/>
+                                  </p:stCondLst>
+                                  <p:childTnLst>
+                                    <p:set>
+                                      <p:cBhvr>
+                                        <p:cTn id="6" dur="1" fill="hold">
+                                          <p:stCondLst>
+                                            <p:cond delay="0"/>
+                                          </p:stCondLst>
+                                        </p:cTn>
+                                        <p:tgtEl>
+                                          <p:spTgt spid="5"/>
+                                        </p:tgtEl>
+                                        <p:attrNameLst>
+                                          <p:attrName>style.visibility</p:attrName>
+                                        </p:attrNameLst>
+                                      </p:cBhvr>
+                                      <p:to>
+                                        <p:strVal val="visible"/>
+                                      </p:to>
+                                    </p:set>
+                                    <p:animEffect transition="in" filter="fade">
+                                      <p:cBhvr>
+                                        <p:cTn id="7" dur="500"/>
+                                        <p:tgtEl>
+                                          <p:spTgt spid="5"/>
+                                        </p:tgtEl>
+                                      </p:cBhvr>
+                                    </p:animEffect>
+                                  </p:childTnLst>
+                                </p:cTn>
+                              </p:par>
+                            </p:childTnLst>
+                          </p:cTn>
+                        </p:par>
+                      </p:childTnLst>
+                    </p:cTn>
+                  </p:par>
+                </p:childTnLst>
+              </p:cTn>
+              <p:prevCondLst>
+                <p:cond evt="onPrev" delay="0">
+                  <p:tgtEl>
+                    <p:sldTgt/>
+                  </p:tgtEl>
+                </p:cond>
+              </p:prevCondLst>
+              <p:nextCondLst>
+                <p:cond evt="onNext" delay="0">
+                  <p:tgtEl>
+                    <p:sldTgt/>
+                  </p:tgtEl>
+                </p:cond>
+              </p:nextCondLst>
+            </p:seq>
+          </p:childTnLst>
+        </p:cTn>
+      </p:par>
+    </p:tnLst>
+  </p:timing>
+</p:sld>
+</file>
+
+<file path=ppt/slides/slide29.xml><?xml version="1.0" encoding="utf-8"?>
+<p:sld xmlns:a="http://schemas.openxmlformats.org/drawingml/2006/main" xmlns:r="http://schemas.openxmlformats.org/officeDocument/2006/relationships" xmlns:p="http://schemas.openxmlformats.org/presentationml/2006/main">
+  <p:cSld>
+    <p:spTree>
+      <p:nvGrpSpPr>
+        <p:cNvPr id="1" name=""/>
+        <p:cNvGrpSpPr/>
+        <p:nvPr/>
+      </p:nvGrpSpPr>
+      <p:grpSpPr>
+        <a:xfrm>
+          <a:off x="0" y="0"/>
+          <a:ext cx="0" cy="0"/>
+          <a:chOff x="0" y="0"/>
+          <a:chExt cx="0" cy="0"/>
+        </a:xfrm>
+      </p:grpSpPr>
+      <p:sp>
+        <p:nvSpPr>
+          <p:cNvPr id="2" name="Title 1"/>
+          <p:cNvSpPr>
+            <a:spLocks noGrp="1"/>
+          </p:cNvSpPr>
+          <p:nvPr>
+            <p:ph type="title"/>
+          </p:nvPr>
+        </p:nvSpPr>
+        <p:spPr/>
+        <p:txBody>
+          <a:bodyPr/>
+          <a:lstStyle/>
+          <a:p>
+            <a:r>
+              <a:rPr lang="en-US" dirty="0"/>
+              <a:t>Introspection Part II</a:t>
+            </a:r>
+          </a:p>
+        </p:txBody>
+      </p:sp>
+      <p:sp>
+        <p:nvSpPr>
+          <p:cNvPr id="3" name="Text Placeholder 2"/>
+          <p:cNvSpPr>
+            <a:spLocks noGrp="1"/>
+          </p:cNvSpPr>
+          <p:nvPr>
+            <p:ph type="body" idx="1"/>
+          </p:nvPr>
+        </p:nvSpPr>
+        <p:spPr/>
+        <p:txBody>
+          <a:bodyPr/>
+          <a:lstStyle/>
+          <a:p>
+            <a:endParaRPr lang="en-US"/>
+          </a:p>
+        </p:txBody>
+      </p:sp>
+      <p:pic>
+        <p:nvPicPr>
+          <p:cNvPr id="4" name="Picture 3"/>
+          <p:cNvPicPr>
+            <a:picLocks noChangeAspect="1"/>
+          </p:cNvPicPr>
+          <p:nvPr/>
+        </p:nvPicPr>
+        <p:blipFill>
+          <a:blip r:embed="rId2"/>
+          <a:stretch>
+            <a:fillRect/>
+          </a:stretch>
+        </p:blipFill>
+        <p:spPr>
+          <a:xfrm>
+            <a:off x="457200" y="2362200"/>
+            <a:ext cx="8391525" cy="2208624"/>
+          </a:xfrm>
+          <a:prstGeom prst="rect">
+            <a:avLst/>
+          </a:prstGeom>
+        </p:spPr>
+      </p:pic>
+    </p:spTree>
+    <p:extLst>
+      <p:ext uri="{BB962C8B-B14F-4D97-AF65-F5344CB8AC3E}">
+        <p14:creationId xmlns:p14="http://schemas.microsoft.com/office/powerpoint/2010/main" val="404124688"/>
+      </p:ext>
+    </p:extLst>
+  </p:cSld>
+  <p:clrMapOvr>
+    <a:masterClrMapping/>
+  </p:clrMapOvr>
+  <mc:AlternateContent xmlns:mc="http://schemas.openxmlformats.org/markup-compatibility/2006" xmlns:p14="http://schemas.microsoft.com/office/powerpoint/2010/main">
+    <mc:Choice Requires="p14">
+      <p:transition spd="slow" p14:dur="1500">
+        <p14:reveal/>
+      </p:transition>
+    </mc:Choice>
+    <mc:Fallback xmlns="">
+      <p:transition spd="slow">
+        <p:fade/>
+      </p:transition>
+    </mc:Fallback>
+  </mc:AlternateContent>
+</p:sld>
+</file>
+
+<file path=ppt/slides/slide3.xml><?xml version="1.0" encoding="utf-8"?>
+<p:sld xmlns:a="http://schemas.openxmlformats.org/drawingml/2006/main" xmlns:r="http://schemas.openxmlformats.org/officeDocument/2006/relationships" xmlns:p="http://schemas.openxmlformats.org/presentationml/2006/main">
+  <p:cSld>
+    <p:spTree>
+      <p:nvGrpSpPr>
+        <p:cNvPr id="1" name=""/>
+        <p:cNvGrpSpPr/>
+        <p:nvPr/>
+      </p:nvGrpSpPr>
+      <p:grpSpPr>
+        <a:xfrm>
+          <a:off x="0" y="0"/>
+          <a:ext cx="0" cy="0"/>
+          <a:chOff x="0" y="0"/>
+          <a:chExt cx="0" cy="0"/>
+        </a:xfrm>
+      </p:grpSpPr>
+      <p:sp>
+        <p:nvSpPr>
+          <p:cNvPr id="2" name="Title 1"/>
+          <p:cNvSpPr>
+            <a:spLocks noGrp="1"/>
+          </p:cNvSpPr>
+          <p:nvPr>
+            <p:ph type="title"/>
+          </p:nvPr>
+        </p:nvSpPr>
+        <p:spPr/>
+        <p:txBody>
+          <a:bodyPr/>
+          <a:lstStyle/>
+          <a:p>
+            <a:endParaRPr lang="en-US"/>
+          </a:p>
+        </p:txBody>
+      </p:sp>
+      <p:sp>
+        <p:nvSpPr>
+          <p:cNvPr id="3" name="Text Placeholder 2"/>
+          <p:cNvSpPr>
+            <a:spLocks noGrp="1"/>
+          </p:cNvSpPr>
+          <p:nvPr>
+            <p:ph type="body" idx="1"/>
+          </p:nvPr>
+        </p:nvSpPr>
+        <p:spPr/>
+        <p:txBody>
+          <a:bodyPr/>
+          <a:lstStyle/>
+          <a:p>
+            <a:endParaRPr lang="en-US"/>
+          </a:p>
+        </p:txBody>
+      </p:sp>
+      <p:pic>
+        <p:nvPicPr>
+          <p:cNvPr id="1026" name="Picture 2" descr="http://professortaboo.files.wordpress.com/2013/03/herebedragons.jpg"/>
+          <p:cNvPicPr>
+            <a:picLocks noChangeAspect="1" noChangeArrowheads="1"/>
+          </p:cNvPicPr>
+          <p:nvPr/>
+        </p:nvPicPr>
+        <p:blipFill>
+          <a:blip r:embed="rId3">
+            <a:extLst>
+              <a:ext uri="{28A0092B-C50C-407E-A947-70E740481C1C}">
+                <a14:useLocalDpi xmlns:a14="http://schemas.microsoft.com/office/drawing/2010/main" val="0"/>
+              </a:ext>
+            </a:extLst>
+          </a:blip>
+          <a:srcRect/>
+          <a:stretch>
+            <a:fillRect/>
+          </a:stretch>
+        </p:blipFill>
+        <p:spPr bwMode="auto">
+          <a:xfrm>
+            <a:off x="0" y="-16213"/>
+            <a:ext cx="9144000" cy="6858000"/>
+          </a:xfrm>
+          <a:prstGeom prst="rect">
+            <a:avLst/>
+          </a:prstGeom>
+          <a:noFill/>
+          <a:extLst>
+            <a:ext uri="{909E8E84-426E-40DD-AFC4-6F175D3DCCD1}">
+              <a14:hiddenFill xmlns:a14="http://schemas.microsoft.com/office/drawing/2010/main">
+                <a:solidFill>
+                  <a:srgbClr val="FFFFFF"/>
+                </a:solidFill>
+              </a14:hiddenFill>
+            </a:ext>
+          </a:extLst>
+        </p:spPr>
+      </p:pic>
+      <p:sp>
+        <p:nvSpPr>
+          <p:cNvPr id="4" name="TextBox 3"/>
+          <p:cNvSpPr txBox="1"/>
+          <p:nvPr/>
+        </p:nvSpPr>
+        <p:spPr bwMode="auto">
+          <a:xfrm>
+            <a:off x="4343400" y="2514600"/>
+            <a:ext cx="1722119" cy="830997"/>
+          </a:xfrm>
+          <a:prstGeom prst="rect">
+            <a:avLst/>
+          </a:prstGeom>
+          <a:ln>
+            <a:headEnd/>
+            <a:tailEnd/>
+          </a:ln>
+        </p:spPr>
+        <p:style>
+          <a:lnRef idx="2">
+            <a:schemeClr val="accent3">
+              <a:shade val="50000"/>
+            </a:schemeClr>
+          </a:lnRef>
+          <a:fillRef idx="1">
+            <a:schemeClr val="accent3"/>
+          </a:fillRef>
+          <a:effectRef idx="0">
+            <a:schemeClr val="accent3"/>
+          </a:effectRef>
+          <a:fontRef idx="minor">
+            <a:schemeClr val="lt1"/>
+          </a:fontRef>
+        </p:style>
+        <p:txBody>
+          <a:bodyPr wrap="square" rtlCol="0">
+            <a:spAutoFit/>
+          </a:bodyPr>
+          <a:lstStyle/>
+          <a:p>
+            <a:r>
+              <a:rPr lang="en-US" sz="2400" dirty="0">
+                <a:solidFill>
+                  <a:schemeClr val="bg1"/>
+                </a:solidFill>
+                <a:latin typeface="Yu Gothic UI Semibold" panose="020B0700000000000000" pitchFamily="34" charset="-128"/>
+                <a:ea typeface="Yu Gothic UI Semibold" panose="020B0700000000000000" pitchFamily="34" charset="-128"/>
+              </a:rPr>
+              <a:t>Arrow</a:t>
+            </a:r>
+          </a:p>
+          <a:p>
+            <a:r>
+              <a:rPr lang="en-US" sz="2400" dirty="0">
+                <a:solidFill>
+                  <a:schemeClr val="bg1"/>
+                </a:solidFill>
+                <a:latin typeface="Yu Gothic UI Semibold" panose="020B0700000000000000" pitchFamily="34" charset="-128"/>
+                <a:ea typeface="Yu Gothic UI Semibold" panose="020B0700000000000000" pitchFamily="34" charset="-128"/>
+              </a:rPr>
+              <a:t>Functions</a:t>
+            </a:r>
+          </a:p>
+        </p:txBody>
+      </p:sp>
+    </p:spTree>
+    <p:extLst>
+      <p:ext uri="{BB962C8B-B14F-4D97-AF65-F5344CB8AC3E}">
+        <p14:creationId xmlns:p14="http://schemas.microsoft.com/office/powerpoint/2010/main" val="1409553813"/>
+      </p:ext>
+    </p:extLst>
+  </p:cSld>
+  <p:clrMapOvr>
+    <a:masterClrMapping/>
+  </p:clrMapOvr>
+  <mc:AlternateContent xmlns:mc="http://schemas.openxmlformats.org/markup-compatibility/2006" xmlns:p14="http://schemas.microsoft.com/office/powerpoint/2010/main">
+    <mc:Choice Requires="p14">
+      <p:transition spd="slow" p14:dur="1500">
+        <p14:reveal/>
+      </p:transition>
+    </mc:Choice>
+    <mc:Fallback xmlns="">
+      <p:transition spd="slow">
+        <p:fade/>
+      </p:transition>
+    </mc:Fallback>
+  </mc:AlternateContent>
+</p:sld>
+</file>
+
+<file path=ppt/slides/slide30.xml><?xml version="1.0" encoding="utf-8"?>
+<p:sld xmlns:a="http://schemas.openxmlformats.org/drawingml/2006/main" xmlns:r="http://schemas.openxmlformats.org/officeDocument/2006/relationships" xmlns:p="http://schemas.openxmlformats.org/presentationml/2006/main">
+  <p:cSld>
+    <p:spTree>
+      <p:nvGrpSpPr>
+        <p:cNvPr id="1" name=""/>
+        <p:cNvGrpSpPr/>
+        <p:nvPr/>
+      </p:nvGrpSpPr>
+      <p:grpSpPr>
+        <a:xfrm>
+          <a:off x="0" y="0"/>
+          <a:ext cx="0" cy="0"/>
+          <a:chOff x="0" y="0"/>
+          <a:chExt cx="0" cy="0"/>
+        </a:xfrm>
+      </p:grpSpPr>
+      <p:sp>
+        <p:nvSpPr>
+          <p:cNvPr id="2" name="Title 1"/>
+          <p:cNvSpPr>
+            <a:spLocks noGrp="1"/>
+          </p:cNvSpPr>
+          <p:nvPr>
+            <p:ph type="title"/>
+          </p:nvPr>
+        </p:nvSpPr>
+        <p:spPr/>
+        <p:txBody>
+          <a:bodyPr/>
+          <a:lstStyle/>
+          <a:p>
+            <a:r>
+              <a:rPr lang="en-US" dirty="0"/>
+              <a:t>new is Required</a:t>
+            </a:r>
+          </a:p>
+        </p:txBody>
+      </p:sp>
+      <p:sp>
+        <p:nvSpPr>
+          <p:cNvPr id="3" name="Text Placeholder 2"/>
+          <p:cNvSpPr>
+            <a:spLocks noGrp="1"/>
+          </p:cNvSpPr>
+          <p:nvPr>
+            <p:ph type="body" idx="1"/>
+          </p:nvPr>
+        </p:nvSpPr>
+        <p:spPr/>
+        <p:txBody>
+          <a:bodyPr/>
+          <a:lstStyle/>
+          <a:p>
+            <a:endParaRPr lang="en-US" dirty="0"/>
+          </a:p>
+        </p:txBody>
+      </p:sp>
+      <p:pic>
+        <p:nvPicPr>
+          <p:cNvPr id="4" name="Picture 3"/>
+          <p:cNvPicPr>
+            <a:picLocks noChangeAspect="1"/>
+          </p:cNvPicPr>
+          <p:nvPr/>
+        </p:nvPicPr>
+        <p:blipFill>
+          <a:blip r:embed="rId2"/>
+          <a:stretch>
+            <a:fillRect/>
+          </a:stretch>
+        </p:blipFill>
+        <p:spPr>
+          <a:xfrm>
+            <a:off x="457200" y="1295400"/>
+            <a:ext cx="3595688" cy="2013138"/>
+          </a:xfrm>
+          <a:prstGeom prst="rect">
+            <a:avLst/>
+          </a:prstGeom>
+        </p:spPr>
+      </p:pic>
+      <p:pic>
+        <p:nvPicPr>
+          <p:cNvPr id="5" name="Picture 4"/>
+          <p:cNvPicPr>
+            <a:picLocks noChangeAspect="1"/>
+          </p:cNvPicPr>
+          <p:nvPr/>
+        </p:nvPicPr>
+        <p:blipFill>
+          <a:blip r:embed="rId3"/>
+          <a:stretch>
+            <a:fillRect/>
+          </a:stretch>
+        </p:blipFill>
+        <p:spPr>
+          <a:xfrm>
+            <a:off x="3581400" y="2927627"/>
+            <a:ext cx="4757737" cy="3168373"/>
+          </a:xfrm>
+          <a:prstGeom prst="rect">
+            <a:avLst/>
+          </a:prstGeom>
+        </p:spPr>
+      </p:pic>
+    </p:spTree>
+    <p:extLst>
+      <p:ext uri="{BB962C8B-B14F-4D97-AF65-F5344CB8AC3E}">
+        <p14:creationId xmlns:p14="http://schemas.microsoft.com/office/powerpoint/2010/main" val="3949702016"/>
+      </p:ext>
+    </p:extLst>
+  </p:cSld>
+  <p:clrMapOvr>
+    <a:masterClrMapping/>
+  </p:clrMapOvr>
+  <mc:AlternateContent xmlns:mc="http://schemas.openxmlformats.org/markup-compatibility/2006" xmlns:p14="http://schemas.microsoft.com/office/powerpoint/2010/main">
+    <mc:Choice Requires="p14">
+      <p:transition spd="slow" p14:dur="1500">
+        <p14:reveal/>
+      </p:transition>
+    </mc:Choice>
+    <mc:Fallback xmlns="">
+      <p:transition spd="slow">
+        <p:fade/>
+      </p:transition>
+    </mc:Fallback>
+  </mc:AlternateContent>
+</p:sld>
+</file>
+
+<file path=ppt/slides/slide31.xml><?xml version="1.0" encoding="utf-8"?>
+<p:sld xmlns:a="http://schemas.openxmlformats.org/drawingml/2006/main" xmlns:r="http://schemas.openxmlformats.org/officeDocument/2006/relationships" xmlns:p="http://schemas.openxmlformats.org/presentationml/2006/main">
+  <p:cSld>
+    <p:spTree>
+      <p:nvGrpSpPr>
+        <p:cNvPr id="1" name=""/>
+        <p:cNvGrpSpPr/>
+        <p:nvPr/>
+      </p:nvGrpSpPr>
+      <p:grpSpPr>
+        <a:xfrm>
+          <a:off x="0" y="0"/>
+          <a:ext cx="0" cy="0"/>
+          <a:chOff x="0" y="0"/>
+          <a:chExt cx="0" cy="0"/>
+        </a:xfrm>
+      </p:grpSpPr>
+      <p:sp>
+        <p:nvSpPr>
+          <p:cNvPr id="2" name="Title 1"/>
+          <p:cNvSpPr>
+            <a:spLocks noGrp="1"/>
+          </p:cNvSpPr>
+          <p:nvPr>
+            <p:ph type="title"/>
+          </p:nvPr>
+        </p:nvSpPr>
+        <p:spPr/>
+        <p:txBody>
+          <a:bodyPr/>
+          <a:lstStyle/>
+          <a:p>
+            <a:endParaRPr lang="en-US"/>
+          </a:p>
+        </p:txBody>
+      </p:sp>
+      <p:sp>
+        <p:nvSpPr>
+          <p:cNvPr id="3" name="Text Placeholder 2"/>
+          <p:cNvSpPr>
+            <a:spLocks noGrp="1"/>
+          </p:cNvSpPr>
+          <p:nvPr>
+            <p:ph type="body" idx="1"/>
+          </p:nvPr>
+        </p:nvSpPr>
+        <p:spPr/>
+        <p:txBody>
+          <a:bodyPr/>
+          <a:lstStyle/>
+          <a:p>
+            <a:endParaRPr lang="en-US"/>
+          </a:p>
+        </p:txBody>
+      </p:sp>
+      <p:pic>
+        <p:nvPicPr>
+          <p:cNvPr id="1026" name="Picture 2" descr="http://professortaboo.files.wordpress.com/2013/03/herebedragons.jpg"/>
+          <p:cNvPicPr>
+            <a:picLocks noChangeAspect="1" noChangeArrowheads="1"/>
+          </p:cNvPicPr>
+          <p:nvPr/>
+        </p:nvPicPr>
+        <p:blipFill>
+          <a:blip r:embed="rId3">
+            <a:extLst>
+              <a:ext uri="{28A0092B-C50C-407E-A947-70E740481C1C}">
+                <a14:useLocalDpi xmlns:a14="http://schemas.microsoft.com/office/drawing/2010/main" val="0"/>
+              </a:ext>
+            </a:extLst>
+          </a:blip>
+          <a:srcRect/>
+          <a:stretch>
+            <a:fillRect/>
+          </a:stretch>
+        </p:blipFill>
+        <p:spPr bwMode="auto">
+          <a:xfrm>
+            <a:off x="0" y="-58853"/>
+            <a:ext cx="9144000" cy="6858000"/>
+          </a:xfrm>
+          <a:prstGeom prst="rect">
+            <a:avLst/>
+          </a:prstGeom>
+          <a:noFill/>
+          <a:extLst>
+            <a:ext uri="{909E8E84-426E-40DD-AFC4-6F175D3DCCD1}">
+              <a14:hiddenFill xmlns:a14="http://schemas.microsoft.com/office/drawing/2010/main">
+                <a:solidFill>
+                  <a:srgbClr val="FFFFFF"/>
+                </a:solidFill>
+              </a14:hiddenFill>
+            </a:ext>
+          </a:extLst>
+        </p:spPr>
+      </p:pic>
+      <p:sp>
+        <p:nvSpPr>
+          <p:cNvPr id="4" name="TextBox 3"/>
+          <p:cNvSpPr txBox="1"/>
+          <p:nvPr/>
+        </p:nvSpPr>
+        <p:spPr bwMode="auto">
+          <a:xfrm>
+            <a:off x="4343400" y="2514600"/>
+            <a:ext cx="1722119" cy="830997"/>
+          </a:xfrm>
+          <a:prstGeom prst="rect">
+            <a:avLst/>
+          </a:prstGeom>
+          <a:solidFill>
+            <a:schemeClr val="accent3">
+              <a:alpha val="50000"/>
+            </a:schemeClr>
+          </a:solidFill>
+          <a:ln>
+            <a:noFill/>
+          </a:ln>
+        </p:spPr>
+        <p:style>
+          <a:lnRef idx="0">
+            <a:scrgbClr r="0" g="0" b="0"/>
+          </a:lnRef>
+          <a:fillRef idx="0">
+            <a:scrgbClr r="0" g="0" b="0"/>
+          </a:fillRef>
+          <a:effectRef idx="0">
+            <a:scrgbClr r="0" g="0" b="0"/>
+          </a:effectRef>
+          <a:fontRef idx="minor">
+            <a:schemeClr val="lt1"/>
+          </a:fontRef>
+        </p:style>
+        <p:txBody>
+          <a:bodyPr wrap="square" rtlCol="0">
+            <a:spAutoFit/>
+          </a:bodyPr>
+          <a:lstStyle/>
+          <a:p>
+            <a:r>
+              <a:rPr lang="en-US" sz="2400" dirty="0">
+                <a:solidFill>
+                  <a:schemeClr val="bg1"/>
+                </a:solidFill>
+                <a:latin typeface="Yu Gothic UI Semibold" panose="020B0700000000000000" pitchFamily="34" charset="-128"/>
+                <a:ea typeface="Yu Gothic UI Semibold" panose="020B0700000000000000" pitchFamily="34" charset="-128"/>
+              </a:rPr>
+              <a:t>Arrow</a:t>
+            </a:r>
+          </a:p>
+          <a:p>
+            <a:r>
+              <a:rPr lang="en-US" sz="2400" dirty="0">
+                <a:solidFill>
+                  <a:schemeClr val="bg1"/>
+                </a:solidFill>
+                <a:latin typeface="Yu Gothic UI Semibold" panose="020B0700000000000000" pitchFamily="34" charset="-128"/>
+                <a:ea typeface="Yu Gothic UI Semibold" panose="020B0700000000000000" pitchFamily="34" charset="-128"/>
+              </a:rPr>
+              <a:t>Functions</a:t>
+            </a:r>
+          </a:p>
+        </p:txBody>
+      </p:sp>
+      <p:sp>
+        <p:nvSpPr>
+          <p:cNvPr id="6" name="TextBox 5"/>
+          <p:cNvSpPr txBox="1"/>
+          <p:nvPr/>
+        </p:nvSpPr>
+        <p:spPr bwMode="auto">
+          <a:xfrm>
+            <a:off x="1600200" y="3048000"/>
+            <a:ext cx="1722119" cy="830997"/>
+          </a:xfrm>
+          <a:prstGeom prst="rect">
+            <a:avLst/>
+          </a:prstGeom>
+          <a:solidFill>
+            <a:schemeClr val="accent3">
+              <a:alpha val="50000"/>
+            </a:schemeClr>
+          </a:solidFill>
+          <a:ln>
+            <a:noFill/>
+          </a:ln>
+        </p:spPr>
+        <p:style>
+          <a:lnRef idx="0">
+            <a:scrgbClr r="0" g="0" b="0"/>
+          </a:lnRef>
+          <a:fillRef idx="0">
+            <a:scrgbClr r="0" g="0" b="0"/>
+          </a:fillRef>
+          <a:effectRef idx="0">
+            <a:scrgbClr r="0" g="0" b="0"/>
+          </a:effectRef>
+          <a:fontRef idx="minor">
+            <a:schemeClr val="lt1"/>
+          </a:fontRef>
+        </p:style>
+        <p:txBody>
+          <a:bodyPr wrap="square" rtlCol="0">
+            <a:spAutoFit/>
+          </a:bodyPr>
+          <a:lstStyle/>
+          <a:p>
+            <a:r>
+              <a:rPr lang="en-US" sz="2400" dirty="0">
+                <a:solidFill>
+                  <a:schemeClr val="bg1"/>
+                </a:solidFill>
+                <a:latin typeface="Yu Gothic UI Semibold" panose="020B0700000000000000" pitchFamily="34" charset="-128"/>
+                <a:ea typeface="Yu Gothic UI Semibold" panose="020B0700000000000000" pitchFamily="34" charset="-128"/>
+              </a:rPr>
+              <a:t>Template</a:t>
+            </a:r>
+          </a:p>
+          <a:p>
+            <a:r>
+              <a:rPr lang="en-US" sz="2400" dirty="0">
+                <a:solidFill>
+                  <a:schemeClr val="bg1"/>
+                </a:solidFill>
+                <a:latin typeface="Yu Gothic UI Semibold" panose="020B0700000000000000" pitchFamily="34" charset="-128"/>
+                <a:ea typeface="Yu Gothic UI Semibold" panose="020B0700000000000000" pitchFamily="34" charset="-128"/>
+              </a:rPr>
+              <a:t>Literals</a:t>
+            </a:r>
+          </a:p>
+        </p:txBody>
+      </p:sp>
+      <p:sp>
+        <p:nvSpPr>
+          <p:cNvPr id="7" name="TextBox 6"/>
+          <p:cNvSpPr txBox="1"/>
+          <p:nvPr/>
+        </p:nvSpPr>
+        <p:spPr bwMode="auto">
+          <a:xfrm>
+            <a:off x="5638800" y="4470123"/>
+            <a:ext cx="1722119" cy="830997"/>
+          </a:xfrm>
+          <a:prstGeom prst="rect">
+            <a:avLst/>
+          </a:prstGeom>
+          <a:solidFill>
+            <a:schemeClr val="accent3">
+              <a:alpha val="50000"/>
+            </a:schemeClr>
+          </a:solidFill>
+          <a:ln>
+            <a:noFill/>
+          </a:ln>
+        </p:spPr>
+        <p:style>
+          <a:lnRef idx="0">
+            <a:scrgbClr r="0" g="0" b="0"/>
+          </a:lnRef>
+          <a:fillRef idx="0">
+            <a:scrgbClr r="0" g="0" b="0"/>
+          </a:fillRef>
+          <a:effectRef idx="0">
+            <a:scrgbClr r="0" g="0" b="0"/>
+          </a:effectRef>
+          <a:fontRef idx="minor">
+            <a:schemeClr val="lt1"/>
+          </a:fontRef>
+        </p:style>
+        <p:txBody>
+          <a:bodyPr wrap="square" rtlCol="0">
+            <a:spAutoFit/>
+          </a:bodyPr>
+          <a:lstStyle/>
+          <a:p>
+            <a:r>
+              <a:rPr lang="en-US" sz="2400" dirty="0">
+                <a:solidFill>
+                  <a:schemeClr val="bg1"/>
+                </a:solidFill>
+                <a:latin typeface="Yu Gothic UI Semibold" panose="020B0700000000000000" pitchFamily="34" charset="-128"/>
+                <a:ea typeface="Yu Gothic UI Semibold" panose="020B0700000000000000" pitchFamily="34" charset="-128"/>
+              </a:rPr>
+              <a:t>Crazy Syntax</a:t>
+            </a:r>
+          </a:p>
+        </p:txBody>
+      </p:sp>
+      <p:sp>
+        <p:nvSpPr>
+          <p:cNvPr id="8" name="TextBox 7"/>
+          <p:cNvSpPr txBox="1"/>
+          <p:nvPr/>
+        </p:nvSpPr>
+        <p:spPr bwMode="auto">
+          <a:xfrm>
+            <a:off x="1371600" y="1524000"/>
+            <a:ext cx="1722119" cy="461665"/>
+          </a:xfrm>
+          <a:prstGeom prst="rect">
+            <a:avLst/>
+          </a:prstGeom>
+          <a:solidFill>
+            <a:schemeClr val="accent3">
+              <a:alpha val="50000"/>
+            </a:schemeClr>
+          </a:solidFill>
+          <a:ln>
+            <a:noFill/>
+          </a:ln>
+        </p:spPr>
+        <p:style>
+          <a:lnRef idx="0">
+            <a:scrgbClr r="0" g="0" b="0"/>
+          </a:lnRef>
+          <a:fillRef idx="0">
+            <a:scrgbClr r="0" g="0" b="0"/>
+          </a:fillRef>
+          <a:effectRef idx="0">
+            <a:scrgbClr r="0" g="0" b="0"/>
+          </a:effectRef>
+          <a:fontRef idx="minor">
+            <a:schemeClr val="lt1"/>
+          </a:fontRef>
+        </p:style>
+        <p:txBody>
+          <a:bodyPr wrap="square" rtlCol="0">
+            <a:spAutoFit/>
+          </a:bodyPr>
+          <a:lstStyle/>
+          <a:p>
+            <a:r>
+              <a:rPr lang="en-US" sz="2400" dirty="0" err="1">
+                <a:solidFill>
+                  <a:schemeClr val="bg1"/>
+                </a:solidFill>
+                <a:latin typeface="Yu Gothic UI Semibold" panose="020B0700000000000000" pitchFamily="34" charset="-128"/>
+                <a:ea typeface="Yu Gothic UI Semibold" panose="020B0700000000000000" pitchFamily="34" charset="-128"/>
+              </a:rPr>
+              <a:t>const</a:t>
+            </a:r>
+            <a:endParaRPr lang="en-US" sz="2400" dirty="0">
+              <a:solidFill>
+                <a:schemeClr val="bg1"/>
+              </a:solidFill>
+              <a:latin typeface="Yu Gothic UI Semibold" panose="020B0700000000000000" pitchFamily="34" charset="-128"/>
+              <a:ea typeface="Yu Gothic UI Semibold" panose="020B0700000000000000" pitchFamily="34" charset="-128"/>
+            </a:endParaRPr>
+          </a:p>
+        </p:txBody>
+      </p:sp>
+      <p:sp>
+        <p:nvSpPr>
+          <p:cNvPr id="9" name="TextBox 8"/>
+          <p:cNvSpPr txBox="1"/>
+          <p:nvPr/>
+        </p:nvSpPr>
+        <p:spPr bwMode="auto">
+          <a:xfrm>
+            <a:off x="5943600" y="841802"/>
+            <a:ext cx="1722119" cy="461665"/>
+          </a:xfrm>
+          <a:prstGeom prst="rect">
+            <a:avLst/>
+          </a:prstGeom>
+          <a:solidFill>
+            <a:schemeClr val="accent3">
+              <a:alpha val="50000"/>
+            </a:schemeClr>
+          </a:solidFill>
+          <a:ln>
+            <a:noFill/>
+          </a:ln>
+        </p:spPr>
+        <p:style>
+          <a:lnRef idx="0">
+            <a:scrgbClr r="0" g="0" b="0"/>
+          </a:lnRef>
+          <a:fillRef idx="0">
+            <a:scrgbClr r="0" g="0" b="0"/>
+          </a:fillRef>
+          <a:effectRef idx="0">
+            <a:scrgbClr r="0" g="0" b="0"/>
+          </a:effectRef>
+          <a:fontRef idx="minor">
+            <a:schemeClr val="lt1"/>
+          </a:fontRef>
+        </p:style>
+        <p:txBody>
+          <a:bodyPr wrap="square" rtlCol="0">
+            <a:spAutoFit/>
+          </a:bodyPr>
+          <a:lstStyle/>
+          <a:p>
+            <a:r>
+              <a:rPr lang="en-US" sz="2400" dirty="0">
+                <a:solidFill>
+                  <a:schemeClr val="bg1"/>
+                </a:solidFill>
+                <a:latin typeface="Yu Gothic UI Semibold" panose="020B0700000000000000" pitchFamily="34" charset="-128"/>
+                <a:ea typeface="Yu Gothic UI Semibold" panose="020B0700000000000000" pitchFamily="34" charset="-128"/>
+              </a:rPr>
+              <a:t>Collections</a:t>
+            </a:r>
+          </a:p>
+        </p:txBody>
+      </p:sp>
+      <p:sp>
+        <p:nvSpPr>
+          <p:cNvPr id="10" name="TextBox 9"/>
+          <p:cNvSpPr txBox="1"/>
+          <p:nvPr/>
+        </p:nvSpPr>
+        <p:spPr bwMode="auto">
+          <a:xfrm>
+            <a:off x="6553200" y="2514600"/>
+            <a:ext cx="1722119" cy="461665"/>
+          </a:xfrm>
+          <a:prstGeom prst="rect">
+            <a:avLst/>
+          </a:prstGeom>
+          <a:solidFill>
+            <a:schemeClr val="accent3">
+              <a:alpha val="50000"/>
+            </a:schemeClr>
+          </a:solidFill>
+          <a:ln>
+            <a:noFill/>
+          </a:ln>
+        </p:spPr>
+        <p:style>
+          <a:lnRef idx="0">
+            <a:scrgbClr r="0" g="0" b="0"/>
+          </a:lnRef>
+          <a:fillRef idx="0">
+            <a:scrgbClr r="0" g="0" b="0"/>
+          </a:fillRef>
+          <a:effectRef idx="0">
+            <a:scrgbClr r="0" g="0" b="0"/>
+          </a:effectRef>
+          <a:fontRef idx="minor">
+            <a:schemeClr val="lt1"/>
+          </a:fontRef>
+        </p:style>
+        <p:txBody>
+          <a:bodyPr wrap="square" rtlCol="0">
+            <a:spAutoFit/>
+          </a:bodyPr>
+          <a:lstStyle/>
+          <a:p>
+            <a:r>
+              <a:rPr lang="en-US" sz="2400" dirty="0">
+                <a:solidFill>
+                  <a:schemeClr val="bg1"/>
+                </a:solidFill>
+                <a:latin typeface="Yu Gothic UI Semibold" panose="020B0700000000000000" pitchFamily="34" charset="-128"/>
+                <a:ea typeface="Yu Gothic UI Semibold" panose="020B0700000000000000" pitchFamily="34" charset="-128"/>
+              </a:rPr>
+              <a:t>Classes</a:t>
+            </a:r>
+          </a:p>
+        </p:txBody>
+      </p:sp>
+      <p:sp>
+        <p:nvSpPr>
+          <p:cNvPr id="11" name="TextBox 10"/>
+          <p:cNvSpPr txBox="1"/>
+          <p:nvPr/>
+        </p:nvSpPr>
+        <p:spPr bwMode="auto">
+          <a:xfrm>
+            <a:off x="1295400" y="5070287"/>
+            <a:ext cx="2461260" cy="461665"/>
+          </a:xfrm>
+          <a:prstGeom prst="rect">
+            <a:avLst/>
+          </a:prstGeom>
+          <a:ln>
+            <a:headEnd/>
+            <a:tailEnd/>
+          </a:ln>
+        </p:spPr>
+        <p:style>
+          <a:lnRef idx="2">
+            <a:schemeClr val="accent3">
+              <a:shade val="50000"/>
+            </a:schemeClr>
+          </a:lnRef>
+          <a:fillRef idx="1">
+            <a:schemeClr val="accent3"/>
+          </a:fillRef>
+          <a:effectRef idx="0">
+            <a:schemeClr val="accent3"/>
+          </a:effectRef>
+          <a:fontRef idx="minor">
+            <a:schemeClr val="lt1"/>
+          </a:fontRef>
+        </p:style>
+        <p:txBody>
+          <a:bodyPr wrap="square" rtlCol="0">
+            <a:spAutoFit/>
+          </a:bodyPr>
+          <a:lstStyle/>
+          <a:p>
+            <a:r>
+              <a:rPr lang="en-US" sz="2400" dirty="0">
+                <a:solidFill>
+                  <a:schemeClr val="bg1"/>
+                </a:solidFill>
+                <a:latin typeface="Yu Gothic UI Semibold" panose="020B0700000000000000" pitchFamily="34" charset="-128"/>
+                <a:ea typeface="Yu Gothic UI Semibold" panose="020B0700000000000000" pitchFamily="34" charset="-128"/>
+              </a:rPr>
+              <a:t>Modules</a:t>
+            </a:r>
+          </a:p>
+        </p:txBody>
+      </p:sp>
+    </p:spTree>
+    <p:extLst>
+      <p:ext uri="{BB962C8B-B14F-4D97-AF65-F5344CB8AC3E}">
+        <p14:creationId xmlns:p14="http://schemas.microsoft.com/office/powerpoint/2010/main" val="55426196"/>
+      </p:ext>
+    </p:extLst>
+  </p:cSld>
+  <p:clrMapOvr>
+    <a:masterClrMapping/>
+  </p:clrMapOvr>
+  <mc:AlternateContent xmlns:mc="http://schemas.openxmlformats.org/markup-compatibility/2006" xmlns:p14="http://schemas.microsoft.com/office/powerpoint/2010/main">
+    <mc:Choice Requires="p14">
+      <p:transition spd="slow" p14:dur="1500">
+        <p14:reveal/>
+      </p:transition>
+    </mc:Choice>
+    <mc:Fallback xmlns="">
+      <p:transition spd="slow">
+        <p:fade/>
+      </p:transition>
+    </mc:Fallback>
+  </mc:AlternateContent>
+</p:sld>
+</file>
+
+<file path=ppt/slides/slide32.xml><?xml version="1.0" encoding="utf-8"?>
 <p:sld xmlns:a="http://schemas.openxmlformats.org/drawingml/2006/main" xmlns:r="http://schemas.openxmlformats.org/officeDocument/2006/relationships" xmlns:p="http://schemas.openxmlformats.org/presentationml/2006/main">
   <p:cSld>
     <p:spTree>
@@ -13852,7 +16760,7 @@
 </p:sld>
 </file>
 
-<file path=ppt/slides/slide24.xml><?xml version="1.0" encoding="utf-8"?>
+<file path=ppt/slides/slide33.xml><?xml version="1.0" encoding="utf-8"?>
 <p:sld xmlns:a="http://schemas.openxmlformats.org/drawingml/2006/main" xmlns:r="http://schemas.openxmlformats.org/officeDocument/2006/relationships" xmlns:p="http://schemas.openxmlformats.org/presentationml/2006/main">
   <p:cSld>
     <p:spTree>
@@ -13886,7 +16794,95 @@
           <a:p>
             <a:r>
               <a:rPr lang="en-US" dirty="0"/>
-              <a:t>Modules</a:t>
+              <a:t>No More Strict IIFEs</a:t>
+            </a:r>
+          </a:p>
+        </p:txBody>
+      </p:sp>
+      <p:pic>
+        <p:nvPicPr>
+          <p:cNvPr id="4" name="Picture 3"/>
+          <p:cNvPicPr>
+            <a:picLocks noChangeAspect="1"/>
+          </p:cNvPicPr>
+          <p:nvPr/>
+        </p:nvPicPr>
+        <p:blipFill>
+          <a:blip r:embed="rId2"/>
+          <a:stretch>
+            <a:fillRect/>
+          </a:stretch>
+        </p:blipFill>
+        <p:spPr>
+          <a:xfrm>
+            <a:off x="2286000" y="2362200"/>
+            <a:ext cx="4038600" cy="2375647"/>
+          </a:xfrm>
+          <a:prstGeom prst="rect">
+            <a:avLst/>
+          </a:prstGeom>
+        </p:spPr>
+      </p:pic>
+    </p:spTree>
+    <p:extLst>
+      <p:ext uri="{BB962C8B-B14F-4D97-AF65-F5344CB8AC3E}">
+        <p14:creationId xmlns:p14="http://schemas.microsoft.com/office/powerpoint/2010/main" val="115069563"/>
+      </p:ext>
+    </p:extLst>
+  </p:cSld>
+  <p:clrMapOvr>
+    <a:masterClrMapping/>
+  </p:clrMapOvr>
+  <mc:AlternateContent xmlns:mc="http://schemas.openxmlformats.org/markup-compatibility/2006" xmlns:p14="http://schemas.microsoft.com/office/powerpoint/2010/main">
+    <mc:Choice Requires="p14">
+      <p:transition spd="slow" p14:dur="1500">
+        <p14:reveal/>
+      </p:transition>
+    </mc:Choice>
+    <mc:Fallback xmlns="">
+      <p:transition spd="slow">
+        <p:fade/>
+      </p:transition>
+    </mc:Fallback>
+  </mc:AlternateContent>
+</p:sld>
+</file>
+
+<file path=ppt/slides/slide34.xml><?xml version="1.0" encoding="utf-8"?>
+<p:sld xmlns:a="http://schemas.openxmlformats.org/drawingml/2006/main" xmlns:r="http://schemas.openxmlformats.org/officeDocument/2006/relationships" xmlns:p="http://schemas.openxmlformats.org/presentationml/2006/main">
+  <p:cSld>
+    <p:spTree>
+      <p:nvGrpSpPr>
+        <p:cNvPr id="1" name=""/>
+        <p:cNvGrpSpPr/>
+        <p:nvPr/>
+      </p:nvGrpSpPr>
+      <p:grpSpPr>
+        <a:xfrm>
+          <a:off x="0" y="0"/>
+          <a:ext cx="0" cy="0"/>
+          <a:chOff x="0" y="0"/>
+          <a:chExt cx="0" cy="0"/>
+        </a:xfrm>
+      </p:grpSpPr>
+      <p:sp>
+        <p:nvSpPr>
+          <p:cNvPr id="2" name="Title 1"/>
+          <p:cNvSpPr>
+            <a:spLocks noGrp="1"/>
+          </p:cNvSpPr>
+          <p:nvPr>
+            <p:ph type="title"/>
+          </p:nvPr>
+        </p:nvSpPr>
+        <p:spPr/>
+        <p:txBody>
+          <a:bodyPr/>
+          <a:lstStyle/>
+          <a:p>
+            <a:r>
+              <a:rPr lang="en-US" dirty="0"/>
+              <a:t>Exports</a:t>
             </a:r>
           </a:p>
         </p:txBody>
@@ -13906,10 +16902,884 @@
           <a:bodyPr/>
           <a:lstStyle/>
           <a:p>
+            <a:endParaRPr lang="en-US" dirty="0"/>
+          </a:p>
+        </p:txBody>
+      </p:sp>
+      <p:pic>
+        <p:nvPicPr>
+          <p:cNvPr id="4" name="Picture 3"/>
+          <p:cNvPicPr>
+            <a:picLocks noChangeAspect="1"/>
+          </p:cNvPicPr>
+          <p:nvPr/>
+        </p:nvPicPr>
+        <p:blipFill>
+          <a:blip r:embed="rId2"/>
+          <a:stretch>
+            <a:fillRect/>
+          </a:stretch>
+        </p:blipFill>
+        <p:spPr>
+          <a:xfrm>
+            <a:off x="457200" y="1066800"/>
+            <a:ext cx="5886567" cy="4919662"/>
+          </a:xfrm>
+          <a:prstGeom prst="rect">
+            <a:avLst/>
+          </a:prstGeom>
+        </p:spPr>
+      </p:pic>
+      <p:pic>
+        <p:nvPicPr>
+          <p:cNvPr id="5" name="Picture 4"/>
+          <p:cNvPicPr>
+            <a:picLocks noChangeAspect="1"/>
+          </p:cNvPicPr>
+          <p:nvPr/>
+        </p:nvPicPr>
+        <p:blipFill>
+          <a:blip r:embed="rId3"/>
+          <a:stretch>
+            <a:fillRect/>
+          </a:stretch>
+        </p:blipFill>
+        <p:spPr>
+          <a:xfrm>
+            <a:off x="3810000" y="5260975"/>
+            <a:ext cx="5105400" cy="1063625"/>
+          </a:xfrm>
+          <a:prstGeom prst="rect">
+            <a:avLst/>
+          </a:prstGeom>
+        </p:spPr>
+      </p:pic>
+    </p:spTree>
+    <p:extLst>
+      <p:ext uri="{BB962C8B-B14F-4D97-AF65-F5344CB8AC3E}">
+        <p14:creationId xmlns:p14="http://schemas.microsoft.com/office/powerpoint/2010/main" val="1324975194"/>
+      </p:ext>
+    </p:extLst>
+  </p:cSld>
+  <p:clrMapOvr>
+    <a:masterClrMapping/>
+  </p:clrMapOvr>
+  <mc:AlternateContent xmlns:mc="http://schemas.openxmlformats.org/markup-compatibility/2006" xmlns:p14="http://schemas.microsoft.com/office/powerpoint/2010/main">
+    <mc:Choice Requires="p14">
+      <p:transition spd="slow" p14:dur="1500">
+        <p14:reveal/>
+      </p:transition>
+    </mc:Choice>
+    <mc:Fallback xmlns="">
+      <p:transition spd="slow">
+        <p:fade/>
+      </p:transition>
+    </mc:Fallback>
+  </mc:AlternateContent>
+</p:sld>
+</file>
+
+<file path=ppt/slides/slide35.xml><?xml version="1.0" encoding="utf-8"?>
+<p:sld xmlns:a="http://schemas.openxmlformats.org/drawingml/2006/main" xmlns:r="http://schemas.openxmlformats.org/officeDocument/2006/relationships" xmlns:p="http://schemas.openxmlformats.org/presentationml/2006/main">
+  <p:cSld>
+    <p:spTree>
+      <p:nvGrpSpPr>
+        <p:cNvPr id="1" name=""/>
+        <p:cNvGrpSpPr/>
+        <p:nvPr/>
+      </p:nvGrpSpPr>
+      <p:grpSpPr>
+        <a:xfrm>
+          <a:off x="0" y="0"/>
+          <a:ext cx="0" cy="0"/>
+          <a:chOff x="0" y="0"/>
+          <a:chExt cx="0" cy="0"/>
+        </a:xfrm>
+      </p:grpSpPr>
+      <p:sp>
+        <p:nvSpPr>
+          <p:cNvPr id="2" name="Title 1"/>
+          <p:cNvSpPr>
+            <a:spLocks noGrp="1"/>
+          </p:cNvSpPr>
+          <p:nvPr>
+            <p:ph type="title"/>
+          </p:nvPr>
+        </p:nvSpPr>
+        <p:spPr/>
+        <p:txBody>
+          <a:bodyPr/>
+          <a:lstStyle/>
+          <a:p>
+            <a:r>
+              <a:rPr lang="en-US" dirty="0"/>
+              <a:t>Imports</a:t>
+            </a:r>
+          </a:p>
+        </p:txBody>
+      </p:sp>
+      <p:sp>
+        <p:nvSpPr>
+          <p:cNvPr id="3" name="Text Placeholder 2"/>
+          <p:cNvSpPr>
+            <a:spLocks noGrp="1"/>
+          </p:cNvSpPr>
+          <p:nvPr>
+            <p:ph type="body" idx="1"/>
+          </p:nvPr>
+        </p:nvSpPr>
+        <p:spPr/>
+        <p:txBody>
+          <a:bodyPr/>
+          <a:lstStyle/>
+          <a:p>
             <a:endParaRPr lang="en-US"/>
           </a:p>
         </p:txBody>
       </p:sp>
+      <p:pic>
+        <p:nvPicPr>
+          <p:cNvPr id="4" name="Picture 3"/>
+          <p:cNvPicPr>
+            <a:picLocks noChangeAspect="1"/>
+          </p:cNvPicPr>
+          <p:nvPr/>
+        </p:nvPicPr>
+        <p:blipFill>
+          <a:blip r:embed="rId2"/>
+          <a:stretch>
+            <a:fillRect/>
+          </a:stretch>
+        </p:blipFill>
+        <p:spPr>
+          <a:xfrm>
+            <a:off x="838200" y="2133600"/>
+            <a:ext cx="7315200" cy="2435772"/>
+          </a:xfrm>
+          <a:prstGeom prst="rect">
+            <a:avLst/>
+          </a:prstGeom>
+        </p:spPr>
+      </p:pic>
+    </p:spTree>
+    <p:extLst>
+      <p:ext uri="{BB962C8B-B14F-4D97-AF65-F5344CB8AC3E}">
+        <p14:creationId xmlns:p14="http://schemas.microsoft.com/office/powerpoint/2010/main" val="3685871468"/>
+      </p:ext>
+    </p:extLst>
+  </p:cSld>
+  <p:clrMapOvr>
+    <a:masterClrMapping/>
+  </p:clrMapOvr>
+  <mc:AlternateContent xmlns:mc="http://schemas.openxmlformats.org/markup-compatibility/2006" xmlns:p14="http://schemas.microsoft.com/office/powerpoint/2010/main">
+    <mc:Choice Requires="p14">
+      <p:transition spd="slow" p14:dur="1500">
+        <p14:reveal/>
+      </p:transition>
+    </mc:Choice>
+    <mc:Fallback xmlns="">
+      <p:transition spd="slow">
+        <p:fade/>
+      </p:transition>
+    </mc:Fallback>
+  </mc:AlternateContent>
+</p:sld>
+</file>
+
+<file path=ppt/slides/slide36.xml><?xml version="1.0" encoding="utf-8"?>
+<p:sld xmlns:a="http://schemas.openxmlformats.org/drawingml/2006/main" xmlns:r="http://schemas.openxmlformats.org/officeDocument/2006/relationships" xmlns:p="http://schemas.openxmlformats.org/presentationml/2006/main">
+  <p:cSld>
+    <p:spTree>
+      <p:nvGrpSpPr>
+        <p:cNvPr id="1" name=""/>
+        <p:cNvGrpSpPr/>
+        <p:nvPr/>
+      </p:nvGrpSpPr>
+      <p:grpSpPr>
+        <a:xfrm>
+          <a:off x="0" y="0"/>
+          <a:ext cx="0" cy="0"/>
+          <a:chOff x="0" y="0"/>
+          <a:chExt cx="0" cy="0"/>
+        </a:xfrm>
+      </p:grpSpPr>
+      <p:sp>
+        <p:nvSpPr>
+          <p:cNvPr id="2" name="Title 1"/>
+          <p:cNvSpPr>
+            <a:spLocks noGrp="1"/>
+          </p:cNvSpPr>
+          <p:nvPr>
+            <p:ph type="title"/>
+          </p:nvPr>
+        </p:nvSpPr>
+        <p:spPr/>
+        <p:txBody>
+          <a:bodyPr/>
+          <a:lstStyle/>
+          <a:p>
+            <a:r>
+              <a:rPr lang="en-US" dirty="0"/>
+              <a:t>Immutable Bindings</a:t>
+            </a:r>
+          </a:p>
+        </p:txBody>
+      </p:sp>
+      <p:sp>
+        <p:nvSpPr>
+          <p:cNvPr id="3" name="Text Placeholder 2"/>
+          <p:cNvSpPr>
+            <a:spLocks noGrp="1"/>
+          </p:cNvSpPr>
+          <p:nvPr>
+            <p:ph type="body" idx="1"/>
+          </p:nvPr>
+        </p:nvSpPr>
+        <p:spPr/>
+        <p:txBody>
+          <a:bodyPr/>
+          <a:lstStyle/>
+          <a:p>
+            <a:endParaRPr lang="en-US" dirty="0"/>
+          </a:p>
+        </p:txBody>
+      </p:sp>
+      <p:pic>
+        <p:nvPicPr>
+          <p:cNvPr id="4" name="Picture 3"/>
+          <p:cNvPicPr>
+            <a:picLocks noChangeAspect="1"/>
+          </p:cNvPicPr>
+          <p:nvPr/>
+        </p:nvPicPr>
+        <p:blipFill>
+          <a:blip r:embed="rId2"/>
+          <a:stretch>
+            <a:fillRect/>
+          </a:stretch>
+        </p:blipFill>
+        <p:spPr>
+          <a:xfrm>
+            <a:off x="444436" y="1371600"/>
+            <a:ext cx="4110037" cy="2017017"/>
+          </a:xfrm>
+          <a:prstGeom prst="rect">
+            <a:avLst/>
+          </a:prstGeom>
+        </p:spPr>
+      </p:pic>
+      <p:pic>
+        <p:nvPicPr>
+          <p:cNvPr id="5" name="Picture 4"/>
+          <p:cNvPicPr>
+            <a:picLocks noChangeAspect="1"/>
+          </p:cNvPicPr>
+          <p:nvPr/>
+        </p:nvPicPr>
+        <p:blipFill>
+          <a:blip r:embed="rId3"/>
+          <a:stretch>
+            <a:fillRect/>
+          </a:stretch>
+        </p:blipFill>
+        <p:spPr>
+          <a:xfrm>
+            <a:off x="3276600" y="3124200"/>
+            <a:ext cx="5267325" cy="1458023"/>
+          </a:xfrm>
+          <a:prstGeom prst="rect">
+            <a:avLst/>
+          </a:prstGeom>
+        </p:spPr>
+      </p:pic>
+      <p:pic>
+        <p:nvPicPr>
+          <p:cNvPr id="6" name="Picture 5"/>
+          <p:cNvPicPr>
+            <a:picLocks noChangeAspect="1"/>
+          </p:cNvPicPr>
+          <p:nvPr/>
+        </p:nvPicPr>
+        <p:blipFill>
+          <a:blip r:embed="rId4"/>
+          <a:stretch>
+            <a:fillRect/>
+          </a:stretch>
+        </p:blipFill>
+        <p:spPr>
+          <a:xfrm>
+            <a:off x="990600" y="4876800"/>
+            <a:ext cx="6134100" cy="1610458"/>
+          </a:xfrm>
+          <a:prstGeom prst="rect">
+            <a:avLst/>
+          </a:prstGeom>
+        </p:spPr>
+      </p:pic>
+    </p:spTree>
+    <p:extLst>
+      <p:ext uri="{BB962C8B-B14F-4D97-AF65-F5344CB8AC3E}">
+        <p14:creationId xmlns:p14="http://schemas.microsoft.com/office/powerpoint/2010/main" val="281263697"/>
+      </p:ext>
+    </p:extLst>
+  </p:cSld>
+  <p:clrMapOvr>
+    <a:masterClrMapping/>
+  </p:clrMapOvr>
+  <mc:AlternateContent xmlns:mc="http://schemas.openxmlformats.org/markup-compatibility/2006" xmlns:p14="http://schemas.microsoft.com/office/powerpoint/2010/main">
+    <mc:Choice Requires="p14">
+      <p:transition spd="slow" p14:dur="1500">
+        <p14:reveal/>
+      </p:transition>
+    </mc:Choice>
+    <mc:Fallback xmlns="">
+      <p:transition spd="slow">
+        <p:fade/>
+      </p:transition>
+    </mc:Fallback>
+  </mc:AlternateContent>
+  <p:timing>
+    <p:tnLst>
+      <p:par>
+        <p:cTn id="1" dur="indefinite" restart="never" nodeType="tmRoot">
+          <p:childTnLst>
+            <p:seq concurrent="1" nextAc="seek">
+              <p:cTn id="2" dur="indefinite" nodeType="mainSeq">
+                <p:childTnLst>
+                  <p:par>
+                    <p:cTn id="3" fill="hold">
+                      <p:stCondLst>
+                        <p:cond delay="indefinite"/>
+                      </p:stCondLst>
+                      <p:childTnLst>
+                        <p:par>
+                          <p:cTn id="4" fill="hold">
+                            <p:stCondLst>
+                              <p:cond delay="0"/>
+                            </p:stCondLst>
+                            <p:childTnLst>
+                              <p:par>
+                                <p:cTn id="5" presetID="10" presetClass="entr" presetSubtype="0" fill="hold" nodeType="clickEffect">
+                                  <p:stCondLst>
+                                    <p:cond delay="0"/>
+                                  </p:stCondLst>
+                                  <p:childTnLst>
+                                    <p:set>
+                                      <p:cBhvr>
+                                        <p:cTn id="6" dur="1" fill="hold">
+                                          <p:stCondLst>
+                                            <p:cond delay="0"/>
+                                          </p:stCondLst>
+                                        </p:cTn>
+                                        <p:tgtEl>
+                                          <p:spTgt spid="5"/>
+                                        </p:tgtEl>
+                                        <p:attrNameLst>
+                                          <p:attrName>style.visibility</p:attrName>
+                                        </p:attrNameLst>
+                                      </p:cBhvr>
+                                      <p:to>
+                                        <p:strVal val="visible"/>
+                                      </p:to>
+                                    </p:set>
+                                    <p:animEffect transition="in" filter="fade">
+                                      <p:cBhvr>
+                                        <p:cTn id="7" dur="500"/>
+                                        <p:tgtEl>
+                                          <p:spTgt spid="5"/>
+                                        </p:tgtEl>
+                                      </p:cBhvr>
+                                    </p:animEffect>
+                                  </p:childTnLst>
+                                </p:cTn>
+                              </p:par>
+                            </p:childTnLst>
+                          </p:cTn>
+                        </p:par>
+                      </p:childTnLst>
+                    </p:cTn>
+                  </p:par>
+                  <p:par>
+                    <p:cTn id="8" fill="hold">
+                      <p:stCondLst>
+                        <p:cond delay="indefinite"/>
+                      </p:stCondLst>
+                      <p:childTnLst>
+                        <p:par>
+                          <p:cTn id="9" fill="hold">
+                            <p:stCondLst>
+                              <p:cond delay="0"/>
+                            </p:stCondLst>
+                            <p:childTnLst>
+                              <p:par>
+                                <p:cTn id="10" presetID="10" presetClass="entr" presetSubtype="0" fill="hold" nodeType="clickEffect">
+                                  <p:stCondLst>
+                                    <p:cond delay="0"/>
+                                  </p:stCondLst>
+                                  <p:childTnLst>
+                                    <p:set>
+                                      <p:cBhvr>
+                                        <p:cTn id="11" dur="1" fill="hold">
+                                          <p:stCondLst>
+                                            <p:cond delay="0"/>
+                                          </p:stCondLst>
+                                        </p:cTn>
+                                        <p:tgtEl>
+                                          <p:spTgt spid="6"/>
+                                        </p:tgtEl>
+                                        <p:attrNameLst>
+                                          <p:attrName>style.visibility</p:attrName>
+                                        </p:attrNameLst>
+                                      </p:cBhvr>
+                                      <p:to>
+                                        <p:strVal val="visible"/>
+                                      </p:to>
+                                    </p:set>
+                                    <p:animEffect transition="in" filter="fade">
+                                      <p:cBhvr>
+                                        <p:cTn id="12" dur="500"/>
+                                        <p:tgtEl>
+                                          <p:spTgt spid="6"/>
+                                        </p:tgtEl>
+                                      </p:cBhvr>
+                                    </p:animEffect>
+                                  </p:childTnLst>
+                                </p:cTn>
+                              </p:par>
+                            </p:childTnLst>
+                          </p:cTn>
+                        </p:par>
+                      </p:childTnLst>
+                    </p:cTn>
+                  </p:par>
+                </p:childTnLst>
+              </p:cTn>
+              <p:prevCondLst>
+                <p:cond evt="onPrev" delay="0">
+                  <p:tgtEl>
+                    <p:sldTgt/>
+                  </p:tgtEl>
+                </p:cond>
+              </p:prevCondLst>
+              <p:nextCondLst>
+                <p:cond evt="onNext" delay="0">
+                  <p:tgtEl>
+                    <p:sldTgt/>
+                  </p:tgtEl>
+                </p:cond>
+              </p:nextCondLst>
+            </p:seq>
+          </p:childTnLst>
+        </p:cTn>
+      </p:par>
+    </p:tnLst>
+  </p:timing>
+</p:sld>
+</file>
+
+<file path=ppt/slides/slide37.xml><?xml version="1.0" encoding="utf-8"?>
+<p:sld xmlns:a="http://schemas.openxmlformats.org/drawingml/2006/main" xmlns:r="http://schemas.openxmlformats.org/officeDocument/2006/relationships" xmlns:p="http://schemas.openxmlformats.org/presentationml/2006/main">
+  <p:cSld>
+    <p:spTree>
+      <p:nvGrpSpPr>
+        <p:cNvPr id="1" name=""/>
+        <p:cNvGrpSpPr/>
+        <p:nvPr/>
+      </p:nvGrpSpPr>
+      <p:grpSpPr>
+        <a:xfrm>
+          <a:off x="0" y="0"/>
+          <a:ext cx="0" cy="0"/>
+          <a:chOff x="0" y="0"/>
+          <a:chExt cx="0" cy="0"/>
+        </a:xfrm>
+      </p:grpSpPr>
+      <p:sp>
+        <p:nvSpPr>
+          <p:cNvPr id="2" name="Title 1"/>
+          <p:cNvSpPr>
+            <a:spLocks noGrp="1"/>
+          </p:cNvSpPr>
+          <p:nvPr>
+            <p:ph type="title"/>
+          </p:nvPr>
+        </p:nvSpPr>
+        <p:spPr/>
+        <p:txBody>
+          <a:bodyPr/>
+          <a:lstStyle/>
+          <a:p>
+            <a:r>
+              <a:rPr lang="en-US" dirty="0"/>
+              <a:t>Bindings Are Live</a:t>
+            </a:r>
+          </a:p>
+        </p:txBody>
+      </p:sp>
+      <p:sp>
+        <p:nvSpPr>
+          <p:cNvPr id="3" name="Text Placeholder 2"/>
+          <p:cNvSpPr>
+            <a:spLocks noGrp="1"/>
+          </p:cNvSpPr>
+          <p:nvPr>
+            <p:ph type="body" idx="1"/>
+          </p:nvPr>
+        </p:nvSpPr>
+        <p:spPr/>
+        <p:txBody>
+          <a:bodyPr/>
+          <a:lstStyle/>
+          <a:p>
+            <a:endParaRPr lang="en-US" dirty="0"/>
+          </a:p>
+        </p:txBody>
+      </p:sp>
+      <p:pic>
+        <p:nvPicPr>
+          <p:cNvPr id="6" name="Picture 5"/>
+          <p:cNvPicPr>
+            <a:picLocks noChangeAspect="1"/>
+          </p:cNvPicPr>
+          <p:nvPr/>
+        </p:nvPicPr>
+        <p:blipFill>
+          <a:blip r:embed="rId2"/>
+          <a:stretch>
+            <a:fillRect/>
+          </a:stretch>
+        </p:blipFill>
+        <p:spPr>
+          <a:xfrm>
+            <a:off x="228600" y="990599"/>
+            <a:ext cx="3352800" cy="3357549"/>
+          </a:xfrm>
+          <a:prstGeom prst="rect">
+            <a:avLst/>
+          </a:prstGeom>
+        </p:spPr>
+      </p:pic>
+      <p:pic>
+        <p:nvPicPr>
+          <p:cNvPr id="7" name="Picture 6"/>
+          <p:cNvPicPr>
+            <a:picLocks noChangeAspect="1"/>
+          </p:cNvPicPr>
+          <p:nvPr/>
+        </p:nvPicPr>
+        <p:blipFill>
+          <a:blip r:embed="rId3"/>
+          <a:stretch>
+            <a:fillRect/>
+          </a:stretch>
+        </p:blipFill>
+        <p:spPr>
+          <a:xfrm>
+            <a:off x="1828800" y="4495800"/>
+            <a:ext cx="7210425" cy="1970061"/>
+          </a:xfrm>
+          <a:prstGeom prst="rect">
+            <a:avLst/>
+          </a:prstGeom>
+        </p:spPr>
+      </p:pic>
+    </p:spTree>
+    <p:extLst>
+      <p:ext uri="{BB962C8B-B14F-4D97-AF65-F5344CB8AC3E}">
+        <p14:creationId xmlns:p14="http://schemas.microsoft.com/office/powerpoint/2010/main" val="3916911001"/>
+      </p:ext>
+    </p:extLst>
+  </p:cSld>
+  <p:clrMapOvr>
+    <a:masterClrMapping/>
+  </p:clrMapOvr>
+  <mc:AlternateContent xmlns:mc="http://schemas.openxmlformats.org/markup-compatibility/2006" xmlns:p14="http://schemas.microsoft.com/office/powerpoint/2010/main">
+    <mc:Choice Requires="p14">
+      <p:transition spd="slow" p14:dur="1500">
+        <p14:reveal/>
+      </p:transition>
+    </mc:Choice>
+    <mc:Fallback xmlns="">
+      <p:transition spd="slow">
+        <p:fade/>
+      </p:transition>
+    </mc:Fallback>
+  </mc:AlternateContent>
+  <p:timing>
+    <p:tnLst>
+      <p:par>
+        <p:cTn id="1" dur="indefinite" restart="never" nodeType="tmRoot">
+          <p:childTnLst>
+            <p:seq concurrent="1" nextAc="seek">
+              <p:cTn id="2" dur="indefinite" nodeType="mainSeq">
+                <p:childTnLst>
+                  <p:par>
+                    <p:cTn id="3" fill="hold">
+                      <p:stCondLst>
+                        <p:cond delay="indefinite"/>
+                      </p:stCondLst>
+                      <p:childTnLst>
+                        <p:par>
+                          <p:cTn id="4" fill="hold">
+                            <p:stCondLst>
+                              <p:cond delay="0"/>
+                            </p:stCondLst>
+                            <p:childTnLst>
+                              <p:par>
+                                <p:cTn id="5" presetID="10" presetClass="entr" presetSubtype="0" fill="hold" nodeType="clickEffect">
+                                  <p:stCondLst>
+                                    <p:cond delay="0"/>
+                                  </p:stCondLst>
+                                  <p:childTnLst>
+                                    <p:set>
+                                      <p:cBhvr>
+                                        <p:cTn id="6" dur="1" fill="hold">
+                                          <p:stCondLst>
+                                            <p:cond delay="0"/>
+                                          </p:stCondLst>
+                                        </p:cTn>
+                                        <p:tgtEl>
+                                          <p:spTgt spid="7"/>
+                                        </p:tgtEl>
+                                        <p:attrNameLst>
+                                          <p:attrName>style.visibility</p:attrName>
+                                        </p:attrNameLst>
+                                      </p:cBhvr>
+                                      <p:to>
+                                        <p:strVal val="visible"/>
+                                      </p:to>
+                                    </p:set>
+                                    <p:animEffect transition="in" filter="fade">
+                                      <p:cBhvr>
+                                        <p:cTn id="7" dur="500"/>
+                                        <p:tgtEl>
+                                          <p:spTgt spid="7"/>
+                                        </p:tgtEl>
+                                      </p:cBhvr>
+                                    </p:animEffect>
+                                  </p:childTnLst>
+                                </p:cTn>
+                              </p:par>
+                            </p:childTnLst>
+                          </p:cTn>
+                        </p:par>
+                      </p:childTnLst>
+                    </p:cTn>
+                  </p:par>
+                </p:childTnLst>
+              </p:cTn>
+              <p:prevCondLst>
+                <p:cond evt="onPrev" delay="0">
+                  <p:tgtEl>
+                    <p:sldTgt/>
+                  </p:tgtEl>
+                </p:cond>
+              </p:prevCondLst>
+              <p:nextCondLst>
+                <p:cond evt="onNext" delay="0">
+                  <p:tgtEl>
+                    <p:sldTgt/>
+                  </p:tgtEl>
+                </p:cond>
+              </p:nextCondLst>
+            </p:seq>
+          </p:childTnLst>
+        </p:cTn>
+      </p:par>
+    </p:tnLst>
+  </p:timing>
+</p:sld>
+</file>
+
+<file path=ppt/slides/slide38.xml><?xml version="1.0" encoding="utf-8"?>
+<p:sld xmlns:a="http://schemas.openxmlformats.org/drawingml/2006/main" xmlns:r="http://schemas.openxmlformats.org/officeDocument/2006/relationships" xmlns:p="http://schemas.openxmlformats.org/presentationml/2006/main">
+  <p:cSld>
+    <p:spTree>
+      <p:nvGrpSpPr>
+        <p:cNvPr id="1" name=""/>
+        <p:cNvGrpSpPr/>
+        <p:nvPr/>
+      </p:nvGrpSpPr>
+      <p:grpSpPr>
+        <a:xfrm>
+          <a:off x="0" y="0"/>
+          <a:ext cx="0" cy="0"/>
+          <a:chOff x="0" y="0"/>
+          <a:chExt cx="0" cy="0"/>
+        </a:xfrm>
+      </p:grpSpPr>
+      <p:sp>
+        <p:nvSpPr>
+          <p:cNvPr id="2" name="Title 1"/>
+          <p:cNvSpPr>
+            <a:spLocks noGrp="1"/>
+          </p:cNvSpPr>
+          <p:nvPr>
+            <p:ph type="title"/>
+          </p:nvPr>
+        </p:nvSpPr>
+        <p:spPr/>
+        <p:txBody>
+          <a:bodyPr/>
+          <a:lstStyle/>
+          <a:p>
+            <a:r>
+              <a:rPr lang="en-US" dirty="0"/>
+              <a:t>Default Value of this</a:t>
+            </a:r>
+          </a:p>
+        </p:txBody>
+      </p:sp>
+      <p:sp>
+        <p:nvSpPr>
+          <p:cNvPr id="3" name="Text Placeholder 2"/>
+          <p:cNvSpPr>
+            <a:spLocks noGrp="1"/>
+          </p:cNvSpPr>
+          <p:nvPr>
+            <p:ph type="body" idx="1"/>
+          </p:nvPr>
+        </p:nvSpPr>
+        <p:spPr/>
+        <p:txBody>
+          <a:bodyPr/>
+          <a:lstStyle/>
+          <a:p>
+            <a:endParaRPr lang="en-US"/>
+          </a:p>
+        </p:txBody>
+      </p:sp>
+      <p:pic>
+        <p:nvPicPr>
+          <p:cNvPr id="4" name="Picture 3"/>
+          <p:cNvPicPr>
+            <a:picLocks noChangeAspect="1"/>
+          </p:cNvPicPr>
+          <p:nvPr/>
+        </p:nvPicPr>
+        <p:blipFill>
+          <a:blip r:embed="rId2"/>
+          <a:stretch>
+            <a:fillRect/>
+          </a:stretch>
+        </p:blipFill>
+        <p:spPr>
+          <a:xfrm>
+            <a:off x="1219200" y="2943225"/>
+            <a:ext cx="6705600" cy="971550"/>
+          </a:xfrm>
+          <a:prstGeom prst="rect">
+            <a:avLst/>
+          </a:prstGeom>
+        </p:spPr>
+      </p:pic>
+    </p:spTree>
+    <p:extLst>
+      <p:ext uri="{BB962C8B-B14F-4D97-AF65-F5344CB8AC3E}">
+        <p14:creationId xmlns:p14="http://schemas.microsoft.com/office/powerpoint/2010/main" val="3725930412"/>
+      </p:ext>
+    </p:extLst>
+  </p:cSld>
+  <p:clrMapOvr>
+    <a:masterClrMapping/>
+  </p:clrMapOvr>
+  <mc:AlternateContent xmlns:mc="http://schemas.openxmlformats.org/markup-compatibility/2006" xmlns:p14="http://schemas.microsoft.com/office/powerpoint/2010/main">
+    <mc:Choice Requires="p14">
+      <p:transition spd="slow" p14:dur="1500">
+        <p14:reveal/>
+      </p:transition>
+    </mc:Choice>
+    <mc:Fallback xmlns="">
+      <p:transition spd="slow">
+        <p:fade/>
+      </p:transition>
+    </mc:Fallback>
+  </mc:AlternateContent>
+</p:sld>
+</file>
+
+<file path=ppt/slides/slide39.xml><?xml version="1.0" encoding="utf-8"?>
+<p:sld xmlns:a="http://schemas.openxmlformats.org/drawingml/2006/main" xmlns:r="http://schemas.openxmlformats.org/officeDocument/2006/relationships" xmlns:p="http://schemas.openxmlformats.org/presentationml/2006/main">
+  <p:cSld>
+    <p:spTree>
+      <p:nvGrpSpPr>
+        <p:cNvPr id="1" name=""/>
+        <p:cNvGrpSpPr/>
+        <p:nvPr/>
+      </p:nvGrpSpPr>
+      <p:grpSpPr>
+        <a:xfrm>
+          <a:off x="0" y="0"/>
+          <a:ext cx="0" cy="0"/>
+          <a:chOff x="0" y="0"/>
+          <a:chExt cx="0" cy="0"/>
+        </a:xfrm>
+      </p:grpSpPr>
+      <p:sp>
+        <p:nvSpPr>
+          <p:cNvPr id="2" name="Title 1"/>
+          <p:cNvSpPr>
+            <a:spLocks noGrp="1"/>
+          </p:cNvSpPr>
+          <p:nvPr>
+            <p:ph type="title"/>
+          </p:nvPr>
+        </p:nvSpPr>
+        <p:spPr/>
+        <p:txBody>
+          <a:bodyPr/>
+          <a:lstStyle/>
+          <a:p>
+            <a:r>
+              <a:rPr lang="en-US" dirty="0"/>
+              <a:t>Import Everything</a:t>
+            </a:r>
+          </a:p>
+        </p:txBody>
+      </p:sp>
+      <p:sp>
+        <p:nvSpPr>
+          <p:cNvPr id="3" name="Text Placeholder 2"/>
+          <p:cNvSpPr>
+            <a:spLocks noGrp="1"/>
+          </p:cNvSpPr>
+          <p:nvPr>
+            <p:ph type="body" idx="1"/>
+          </p:nvPr>
+        </p:nvSpPr>
+        <p:spPr/>
+        <p:txBody>
+          <a:bodyPr/>
+          <a:lstStyle/>
+          <a:p>
+            <a:endParaRPr lang="en-US"/>
+          </a:p>
+        </p:txBody>
+      </p:sp>
+      <p:pic>
+        <p:nvPicPr>
+          <p:cNvPr id="4" name="Picture 3"/>
+          <p:cNvPicPr>
+            <a:picLocks noChangeAspect="1"/>
+          </p:cNvPicPr>
+          <p:nvPr/>
+        </p:nvPicPr>
+        <p:blipFill>
+          <a:blip r:embed="rId2"/>
+          <a:stretch>
+            <a:fillRect/>
+          </a:stretch>
+        </p:blipFill>
+        <p:spPr>
+          <a:xfrm>
+            <a:off x="1828800" y="1219200"/>
+            <a:ext cx="5395028" cy="5125757"/>
+          </a:xfrm>
+          <a:prstGeom prst="rect">
+            <a:avLst/>
+          </a:prstGeom>
+        </p:spPr>
+      </p:pic>
     </p:spTree>
     <p:extLst>
       <p:ext uri="{BB962C8B-B14F-4D97-AF65-F5344CB8AC3E}">
@@ -13932,193 +17802,89 @@
       </p:transition>
     </mc:Fallback>
   </mc:AlternateContent>
-</p:sld>
-</file>
-
-<file path=ppt/slides/slide3.xml><?xml version="1.0" encoding="utf-8"?>
-<p:sld xmlns:a="http://schemas.openxmlformats.org/drawingml/2006/main" xmlns:r="http://schemas.openxmlformats.org/officeDocument/2006/relationships" xmlns:p="http://schemas.openxmlformats.org/presentationml/2006/main">
-  <p:cSld>
-    <p:spTree>
-      <p:nvGrpSpPr>
-        <p:cNvPr id="1" name=""/>
-        <p:cNvGrpSpPr/>
-        <p:nvPr/>
-      </p:nvGrpSpPr>
-      <p:grpSpPr>
-        <a:xfrm>
-          <a:off x="0" y="0"/>
-          <a:ext cx="0" cy="0"/>
-          <a:chOff x="0" y="0"/>
-          <a:chExt cx="0" cy="0"/>
-        </a:xfrm>
-      </p:grpSpPr>
-      <p:sp>
-        <p:nvSpPr>
-          <p:cNvPr id="2" name="Title 1"/>
-          <p:cNvSpPr>
-            <a:spLocks noGrp="1"/>
-          </p:cNvSpPr>
-          <p:nvPr>
-            <p:ph type="title"/>
-          </p:nvPr>
-        </p:nvSpPr>
-        <p:spPr/>
-        <p:txBody>
-          <a:bodyPr/>
-          <a:lstStyle/>
-          <a:p>
-            <a:endParaRPr lang="en-US"/>
-          </a:p>
-        </p:txBody>
-      </p:sp>
-      <p:sp>
-        <p:nvSpPr>
-          <p:cNvPr id="3" name="Text Placeholder 2"/>
-          <p:cNvSpPr>
-            <a:spLocks noGrp="1"/>
-          </p:cNvSpPr>
-          <p:nvPr>
-            <p:ph type="body" idx="1"/>
-          </p:nvPr>
-        </p:nvSpPr>
-        <p:spPr/>
-        <p:txBody>
-          <a:bodyPr/>
-          <a:lstStyle/>
-          <a:p>
-            <a:endParaRPr lang="en-US"/>
-          </a:p>
-        </p:txBody>
-      </p:sp>
-      <p:pic>
-        <p:nvPicPr>
-          <p:cNvPr id="1026" name="Picture 2" descr="http://professortaboo.files.wordpress.com/2013/03/herebedragons.jpg"/>
-          <p:cNvPicPr>
-            <a:picLocks noChangeAspect="1" noChangeArrowheads="1"/>
-          </p:cNvPicPr>
-          <p:nvPr/>
-        </p:nvPicPr>
-        <p:blipFill>
-          <a:blip r:embed="rId3">
-            <a:extLst>
-              <a:ext uri="{28A0092B-C50C-407E-A947-70E740481C1C}">
-                <a14:useLocalDpi xmlns:a14="http://schemas.microsoft.com/office/drawing/2010/main" val="0"/>
-              </a:ext>
-            </a:extLst>
-          </a:blip>
-          <a:srcRect/>
-          <a:stretch>
-            <a:fillRect/>
-          </a:stretch>
-        </p:blipFill>
-        <p:spPr bwMode="auto">
-          <a:xfrm>
-            <a:off x="0" y="-16213"/>
-            <a:ext cx="9144000" cy="6858000"/>
-          </a:xfrm>
-          <a:prstGeom prst="rect">
-            <a:avLst/>
-          </a:prstGeom>
-          <a:noFill/>
-          <a:extLst>
-            <a:ext uri="{909E8E84-426E-40DD-AFC4-6F175D3DCCD1}">
-              <a14:hiddenFill xmlns:a14="http://schemas.microsoft.com/office/drawing/2010/main">
-                <a:solidFill>
-                  <a:srgbClr val="FFFFFF"/>
-                </a:solidFill>
-              </a14:hiddenFill>
-            </a:ext>
-          </a:extLst>
-        </p:spPr>
-      </p:pic>
-      <p:sp>
-        <p:nvSpPr>
-          <p:cNvPr id="4" name="TextBox 3"/>
-          <p:cNvSpPr txBox="1"/>
-          <p:nvPr/>
-        </p:nvSpPr>
-        <p:spPr bwMode="auto">
-          <a:xfrm>
-            <a:off x="4343400" y="2514600"/>
-            <a:ext cx="1722119" cy="830997"/>
-          </a:xfrm>
-          <a:prstGeom prst="rect">
-            <a:avLst/>
-          </a:prstGeom>
-          <a:ln>
-            <a:headEnd/>
-            <a:tailEnd/>
-          </a:ln>
-        </p:spPr>
-        <p:style>
-          <a:lnRef idx="2">
-            <a:schemeClr val="accent3">
-              <a:shade val="50000"/>
-            </a:schemeClr>
-          </a:lnRef>
-          <a:fillRef idx="1">
-            <a:schemeClr val="accent3"/>
-          </a:fillRef>
-          <a:effectRef idx="0">
-            <a:schemeClr val="accent3"/>
-          </a:effectRef>
-          <a:fontRef idx="minor">
-            <a:schemeClr val="lt1"/>
-          </a:fontRef>
-        </p:style>
-        <p:txBody>
-          <a:bodyPr wrap="square" rtlCol="0">
-            <a:spAutoFit/>
-          </a:bodyPr>
-          <a:lstStyle/>
-          <a:p>
-            <a:r>
-              <a:rPr lang="en-US" sz="2400" dirty="0">
-                <a:solidFill>
-                  <a:schemeClr val="bg1"/>
-                </a:solidFill>
-                <a:latin typeface="Yu Gothic UI Semibold" panose="020B0700000000000000" pitchFamily="34" charset="-128"/>
-                <a:ea typeface="Yu Gothic UI Semibold" panose="020B0700000000000000" pitchFamily="34" charset="-128"/>
-              </a:rPr>
-              <a:t>Arrow</a:t>
-            </a:r>
-          </a:p>
-          <a:p>
-            <a:r>
-              <a:rPr lang="en-US" sz="2400" dirty="0">
-                <a:solidFill>
-                  <a:schemeClr val="bg1"/>
-                </a:solidFill>
-                <a:latin typeface="Yu Gothic UI Semibold" panose="020B0700000000000000" pitchFamily="34" charset="-128"/>
-                <a:ea typeface="Yu Gothic UI Semibold" panose="020B0700000000000000" pitchFamily="34" charset="-128"/>
-              </a:rPr>
-              <a:t>Functions</a:t>
-            </a:r>
-          </a:p>
-        </p:txBody>
-      </p:sp>
-    </p:spTree>
-    <p:extLst>
-      <p:ext uri="{BB962C8B-B14F-4D97-AF65-F5344CB8AC3E}">
-        <p14:creationId xmlns:p14="http://schemas.microsoft.com/office/powerpoint/2010/main" val="1409553813"/>
-      </p:ext>
-    </p:extLst>
-  </p:cSld>
-  <p:clrMapOvr>
-    <a:masterClrMapping/>
-  </p:clrMapOvr>
-  <mc:AlternateContent xmlns:mc="http://schemas.openxmlformats.org/markup-compatibility/2006" xmlns:p14="http://schemas.microsoft.com/office/powerpoint/2010/main">
-    <mc:Choice Requires="p14">
-      <p:transition spd="slow" p14:dur="1500">
-        <p14:reveal/>
-      </p:transition>
-    </mc:Choice>
-    <mc:Fallback xmlns="">
-      <p:transition spd="slow">
-        <p:fade/>
-      </p:transition>
-    </mc:Fallback>
-  </mc:AlternateContent>
+  <p:timing>
+    <p:tnLst>
+      <p:par>
+        <p:cTn id="1" dur="indefinite" restart="never" nodeType="tmRoot">
+          <p:childTnLst>
+            <p:seq concurrent="1" nextAc="seek">
+              <p:cTn id="2" dur="indefinite" nodeType="mainSeq">
+                <p:childTnLst>
+                  <p:par>
+                    <p:cTn id="3" fill="hold">
+                      <p:stCondLst>
+                        <p:cond delay="indefinite"/>
+                      </p:stCondLst>
+                      <p:childTnLst>
+                        <p:par>
+                          <p:cTn id="4" fill="hold">
+                            <p:stCondLst>
+                              <p:cond delay="0"/>
+                            </p:stCondLst>
+                            <p:childTnLst>
+                              <p:par>
+                                <p:cTn id="5" presetID="10" presetClass="entr" presetSubtype="0" fill="hold" nodeType="clickEffect">
+                                  <p:stCondLst>
+                                    <p:cond delay="0"/>
+                                  </p:stCondLst>
+                                  <p:childTnLst>
+                                    <p:set>
+                                      <p:cBhvr>
+                                        <p:cTn id="6" dur="1" fill="hold">
+                                          <p:stCondLst>
+                                            <p:cond delay="0"/>
+                                          </p:stCondLst>
+                                        </p:cTn>
+                                        <p:tgtEl>
+                                          <p:spTgt spid="4"/>
+                                        </p:tgtEl>
+                                        <p:attrNameLst>
+                                          <p:attrName>style.visibility</p:attrName>
+                                        </p:attrNameLst>
+                                      </p:cBhvr>
+                                      <p:to>
+                                        <p:strVal val="visible"/>
+                                      </p:to>
+                                    </p:set>
+                                    <p:animEffect transition="in" filter="fade">
+                                      <p:cBhvr>
+                                        <p:cTn id="7" dur="500"/>
+                                        <p:tgtEl>
+                                          <p:spTgt spid="4"/>
+                                        </p:tgtEl>
+                                      </p:cBhvr>
+                                    </p:animEffect>
+                                  </p:childTnLst>
+                                </p:cTn>
+                              </p:par>
+                            </p:childTnLst>
+                          </p:cTn>
+                        </p:par>
+                      </p:childTnLst>
+                    </p:cTn>
+                  </p:par>
+                </p:childTnLst>
+              </p:cTn>
+              <p:prevCondLst>
+                <p:cond evt="onPrev" delay="0">
+                  <p:tgtEl>
+                    <p:sldTgt/>
+                  </p:tgtEl>
+                </p:cond>
+              </p:prevCondLst>
+              <p:nextCondLst>
+                <p:cond evt="onNext" delay="0">
+                  <p:tgtEl>
+                    <p:sldTgt/>
+                  </p:tgtEl>
+                </p:cond>
+              </p:nextCondLst>
+            </p:seq>
+          </p:childTnLst>
+        </p:cTn>
+      </p:par>
+    </p:tnLst>
+  </p:timing>
 </p:sld>
 </file>
 
@@ -14319,6 +18085,1374 @@
       </p:par>
     </p:tnLst>
   </p:timing>
+</p:sld>
+</file>
+
+<file path=ppt/slides/slide40.xml><?xml version="1.0" encoding="utf-8"?>
+<p:sld xmlns:a="http://schemas.openxmlformats.org/drawingml/2006/main" xmlns:r="http://schemas.openxmlformats.org/officeDocument/2006/relationships" xmlns:p="http://schemas.openxmlformats.org/presentationml/2006/main">
+  <p:cSld>
+    <p:spTree>
+      <p:nvGrpSpPr>
+        <p:cNvPr id="1" name=""/>
+        <p:cNvGrpSpPr/>
+        <p:nvPr/>
+      </p:nvGrpSpPr>
+      <p:grpSpPr>
+        <a:xfrm>
+          <a:off x="0" y="0"/>
+          <a:ext cx="0" cy="0"/>
+          <a:chOff x="0" y="0"/>
+          <a:chExt cx="0" cy="0"/>
+        </a:xfrm>
+      </p:grpSpPr>
+      <p:sp>
+        <p:nvSpPr>
+          <p:cNvPr id="2" name="Title 1"/>
+          <p:cNvSpPr>
+            <a:spLocks noGrp="1"/>
+          </p:cNvSpPr>
+          <p:nvPr>
+            <p:ph type="title"/>
+          </p:nvPr>
+        </p:nvSpPr>
+        <p:spPr/>
+        <p:txBody>
+          <a:bodyPr/>
+          <a:lstStyle/>
+          <a:p>
+            <a:r>
+              <a:rPr lang="en-US" dirty="0"/>
+              <a:t>Modules are static</a:t>
+            </a:r>
+          </a:p>
+        </p:txBody>
+      </p:sp>
+      <p:sp>
+        <p:nvSpPr>
+          <p:cNvPr id="3" name="Text Placeholder 2"/>
+          <p:cNvSpPr>
+            <a:spLocks noGrp="1"/>
+          </p:cNvSpPr>
+          <p:nvPr>
+            <p:ph type="body" idx="1"/>
+          </p:nvPr>
+        </p:nvSpPr>
+        <p:spPr/>
+        <p:txBody>
+          <a:bodyPr/>
+          <a:lstStyle/>
+          <a:p>
+            <a:endParaRPr lang="en-US"/>
+          </a:p>
+        </p:txBody>
+      </p:sp>
+      <p:pic>
+        <p:nvPicPr>
+          <p:cNvPr id="4" name="Picture 3"/>
+          <p:cNvPicPr>
+            <a:picLocks noChangeAspect="1"/>
+          </p:cNvPicPr>
+          <p:nvPr/>
+        </p:nvPicPr>
+        <p:blipFill>
+          <a:blip r:embed="rId2"/>
+          <a:stretch>
+            <a:fillRect/>
+          </a:stretch>
+        </p:blipFill>
+        <p:spPr>
+          <a:xfrm>
+            <a:off x="261937" y="2286000"/>
+            <a:ext cx="8620125" cy="2508340"/>
+          </a:xfrm>
+          <a:prstGeom prst="rect">
+            <a:avLst/>
+          </a:prstGeom>
+        </p:spPr>
+      </p:pic>
+    </p:spTree>
+    <p:extLst>
+      <p:ext uri="{BB962C8B-B14F-4D97-AF65-F5344CB8AC3E}">
+        <p14:creationId xmlns:p14="http://schemas.microsoft.com/office/powerpoint/2010/main" val="2073593351"/>
+      </p:ext>
+    </p:extLst>
+  </p:cSld>
+  <p:clrMapOvr>
+    <a:masterClrMapping/>
+  </p:clrMapOvr>
+  <mc:AlternateContent xmlns:mc="http://schemas.openxmlformats.org/markup-compatibility/2006" xmlns:p14="http://schemas.microsoft.com/office/powerpoint/2010/main">
+    <mc:Choice Requires="p14">
+      <p:transition spd="slow" p14:dur="1500">
+        <p14:reveal/>
+      </p:transition>
+    </mc:Choice>
+    <mc:Fallback xmlns="">
+      <p:transition spd="slow">
+        <p:fade/>
+      </p:transition>
+    </mc:Fallback>
+  </mc:AlternateContent>
+</p:sld>
+</file>
+
+<file path=ppt/slides/slide41.xml><?xml version="1.0" encoding="utf-8"?>
+<p:sld xmlns:a="http://schemas.openxmlformats.org/drawingml/2006/main" xmlns:r="http://schemas.openxmlformats.org/officeDocument/2006/relationships" xmlns:p="http://schemas.openxmlformats.org/presentationml/2006/main">
+  <p:cSld>
+    <p:spTree>
+      <p:nvGrpSpPr>
+        <p:cNvPr id="1" name=""/>
+        <p:cNvGrpSpPr/>
+        <p:nvPr/>
+      </p:nvGrpSpPr>
+      <p:grpSpPr>
+        <a:xfrm>
+          <a:off x="0" y="0"/>
+          <a:ext cx="0" cy="0"/>
+          <a:chOff x="0" y="0"/>
+          <a:chExt cx="0" cy="0"/>
+        </a:xfrm>
+      </p:grpSpPr>
+      <p:sp>
+        <p:nvSpPr>
+          <p:cNvPr id="2" name="Title 1"/>
+          <p:cNvSpPr>
+            <a:spLocks noGrp="1"/>
+          </p:cNvSpPr>
+          <p:nvPr>
+            <p:ph type="title"/>
+          </p:nvPr>
+        </p:nvSpPr>
+        <p:spPr/>
+        <p:txBody>
+          <a:bodyPr/>
+          <a:lstStyle/>
+          <a:p>
+            <a:r>
+              <a:rPr lang="en-US" dirty="0"/>
+              <a:t>Modules Don’t Work In The Browser</a:t>
+            </a:r>
+          </a:p>
+        </p:txBody>
+      </p:sp>
+      <p:pic>
+        <p:nvPicPr>
+          <p:cNvPr id="1026" name="Picture 2" descr="http://www.writeshop.org/images/villages/images/Village%20rules%20set%20in%20stone_jpg.jpg"/>
+          <p:cNvPicPr>
+            <a:picLocks noChangeAspect="1" noChangeArrowheads="1"/>
+          </p:cNvPicPr>
+          <p:nvPr/>
+        </p:nvPicPr>
+        <p:blipFill>
+          <a:blip r:embed="rId2">
+            <a:extLst>
+              <a:ext uri="{28A0092B-C50C-407E-A947-70E740481C1C}">
+                <a14:useLocalDpi xmlns:a14="http://schemas.microsoft.com/office/drawing/2010/main" val="0"/>
+              </a:ext>
+            </a:extLst>
+          </a:blip>
+          <a:srcRect/>
+          <a:stretch>
+            <a:fillRect/>
+          </a:stretch>
+        </p:blipFill>
+        <p:spPr bwMode="auto">
+          <a:xfrm>
+            <a:off x="990600" y="2514600"/>
+            <a:ext cx="3352800" cy="2514600"/>
+          </a:xfrm>
+          <a:prstGeom prst="rect">
+            <a:avLst/>
+          </a:prstGeom>
+          <a:noFill/>
+          <a:extLst>
+            <a:ext uri="{909E8E84-426E-40DD-AFC4-6F175D3DCCD1}">
+              <a14:hiddenFill xmlns:a14="http://schemas.microsoft.com/office/drawing/2010/main">
+                <a:solidFill>
+                  <a:srgbClr val="FFFFFF"/>
+                </a:solidFill>
+              </a14:hiddenFill>
+            </a:ext>
+          </a:extLst>
+        </p:spPr>
+      </p:pic>
+      <p:sp>
+        <p:nvSpPr>
+          <p:cNvPr id="4" name="TextBox 3"/>
+          <p:cNvSpPr txBox="1"/>
+          <p:nvPr/>
+        </p:nvSpPr>
+        <p:spPr bwMode="auto">
+          <a:xfrm>
+            <a:off x="1676400" y="2128636"/>
+            <a:ext cx="1828800" cy="369332"/>
+          </a:xfrm>
+          <a:prstGeom prst="rect">
+            <a:avLst/>
+          </a:prstGeom>
+          <a:noFill/>
+          <a:ln w="9525">
+            <a:noFill/>
+            <a:miter lim="800000"/>
+            <a:headEnd/>
+            <a:tailEnd/>
+          </a:ln>
+        </p:spPr>
+        <p:txBody>
+          <a:bodyPr wrap="square" rtlCol="0">
+            <a:spAutoFit/>
+          </a:bodyPr>
+          <a:lstStyle/>
+          <a:p>
+            <a:r>
+              <a:rPr lang="en-US" sz="1800" dirty="0">
+                <a:solidFill>
+                  <a:srgbClr val="002060"/>
+                </a:solidFill>
+                <a:latin typeface="Tekton Pro" pitchFamily="34" charset="0"/>
+              </a:rPr>
+              <a:t>Syntax</a:t>
+            </a:r>
+          </a:p>
+        </p:txBody>
+      </p:sp>
+      <p:pic>
+        <p:nvPicPr>
+          <p:cNvPr id="1028" name="Picture 4" descr="https://s-media-cache-ak0.pinimg.com/236x/e8/f0/52/e8f052f6ed1b1318af39e7289457778c.jpg"/>
+          <p:cNvPicPr>
+            <a:picLocks noChangeAspect="1" noChangeArrowheads="1"/>
+          </p:cNvPicPr>
+          <p:nvPr/>
+        </p:nvPicPr>
+        <p:blipFill>
+          <a:blip r:embed="rId3">
+            <a:extLst>
+              <a:ext uri="{28A0092B-C50C-407E-A947-70E740481C1C}">
+                <a14:useLocalDpi xmlns:a14="http://schemas.microsoft.com/office/drawing/2010/main" val="0"/>
+              </a:ext>
+            </a:extLst>
+          </a:blip>
+          <a:srcRect/>
+          <a:stretch>
+            <a:fillRect/>
+          </a:stretch>
+        </p:blipFill>
+        <p:spPr bwMode="auto">
+          <a:xfrm>
+            <a:off x="5334000" y="2497968"/>
+            <a:ext cx="2514600" cy="2514601"/>
+          </a:xfrm>
+          <a:prstGeom prst="rect">
+            <a:avLst/>
+          </a:prstGeom>
+          <a:noFill/>
+          <a:extLst>
+            <a:ext uri="{909E8E84-426E-40DD-AFC4-6F175D3DCCD1}">
+              <a14:hiddenFill xmlns:a14="http://schemas.microsoft.com/office/drawing/2010/main">
+                <a:solidFill>
+                  <a:srgbClr val="FFFFFF"/>
+                </a:solidFill>
+              </a14:hiddenFill>
+            </a:ext>
+          </a:extLst>
+        </p:spPr>
+      </p:pic>
+      <p:sp>
+        <p:nvSpPr>
+          <p:cNvPr id="7" name="TextBox 6"/>
+          <p:cNvSpPr txBox="1"/>
+          <p:nvPr/>
+        </p:nvSpPr>
+        <p:spPr bwMode="auto">
+          <a:xfrm>
+            <a:off x="5562600" y="2128636"/>
+            <a:ext cx="1828800" cy="369332"/>
+          </a:xfrm>
+          <a:prstGeom prst="rect">
+            <a:avLst/>
+          </a:prstGeom>
+          <a:noFill/>
+          <a:ln w="9525">
+            <a:noFill/>
+            <a:miter lim="800000"/>
+            <a:headEnd/>
+            <a:tailEnd/>
+          </a:ln>
+        </p:spPr>
+        <p:txBody>
+          <a:bodyPr wrap="square" rtlCol="0">
+            <a:spAutoFit/>
+          </a:bodyPr>
+          <a:lstStyle/>
+          <a:p>
+            <a:r>
+              <a:rPr lang="en-US" sz="1800" dirty="0">
+                <a:solidFill>
+                  <a:srgbClr val="002060"/>
+                </a:solidFill>
+                <a:latin typeface="Tekton Pro" pitchFamily="34" charset="0"/>
+              </a:rPr>
+              <a:t>Behavior</a:t>
+            </a:r>
+          </a:p>
+        </p:txBody>
+      </p:sp>
+    </p:spTree>
+    <p:extLst>
+      <p:ext uri="{BB962C8B-B14F-4D97-AF65-F5344CB8AC3E}">
+        <p14:creationId xmlns:p14="http://schemas.microsoft.com/office/powerpoint/2010/main" val="1282381260"/>
+      </p:ext>
+    </p:extLst>
+  </p:cSld>
+  <p:clrMapOvr>
+    <a:masterClrMapping/>
+  </p:clrMapOvr>
+  <mc:AlternateContent xmlns:mc="http://schemas.openxmlformats.org/markup-compatibility/2006" xmlns:p14="http://schemas.microsoft.com/office/powerpoint/2010/main">
+    <mc:Choice Requires="p14">
+      <p:transition spd="slow" p14:dur="1500">
+        <p14:reveal/>
+      </p:transition>
+    </mc:Choice>
+    <mc:Fallback xmlns="">
+      <p:transition spd="slow">
+        <p:fade/>
+      </p:transition>
+    </mc:Fallback>
+  </mc:AlternateContent>
+</p:sld>
+</file>
+
+<file path=ppt/slides/slide42.xml><?xml version="1.0" encoding="utf-8"?>
+<p:sld xmlns:a="http://schemas.openxmlformats.org/drawingml/2006/main" xmlns:r="http://schemas.openxmlformats.org/officeDocument/2006/relationships" xmlns:p="http://schemas.openxmlformats.org/presentationml/2006/main">
+  <p:cSld>
+    <p:spTree>
+      <p:nvGrpSpPr>
+        <p:cNvPr id="1" name=""/>
+        <p:cNvGrpSpPr/>
+        <p:nvPr/>
+      </p:nvGrpSpPr>
+      <p:grpSpPr>
+        <a:xfrm>
+          <a:off x="0" y="0"/>
+          <a:ext cx="0" cy="0"/>
+          <a:chOff x="0" y="0"/>
+          <a:chExt cx="0" cy="0"/>
+        </a:xfrm>
+      </p:grpSpPr>
+      <p:sp>
+        <p:nvSpPr>
+          <p:cNvPr id="2" name="Title 1"/>
+          <p:cNvSpPr>
+            <a:spLocks noGrp="1"/>
+          </p:cNvSpPr>
+          <p:nvPr>
+            <p:ph type="title"/>
+          </p:nvPr>
+        </p:nvSpPr>
+        <p:spPr/>
+        <p:txBody>
+          <a:bodyPr/>
+          <a:lstStyle/>
+          <a:p>
+            <a:r>
+              <a:rPr lang="en-US" dirty="0" err="1"/>
+              <a:t>SystemJs</a:t>
+            </a:r>
+            <a:endParaRPr lang="en-US" dirty="0"/>
+          </a:p>
+        </p:txBody>
+      </p:sp>
+      <p:pic>
+        <p:nvPicPr>
+          <p:cNvPr id="5" name="Picture 4"/>
+          <p:cNvPicPr>
+            <a:picLocks noChangeAspect="1"/>
+          </p:cNvPicPr>
+          <p:nvPr/>
+        </p:nvPicPr>
+        <p:blipFill>
+          <a:blip r:embed="rId2"/>
+          <a:stretch>
+            <a:fillRect/>
+          </a:stretch>
+        </p:blipFill>
+        <p:spPr>
+          <a:xfrm>
+            <a:off x="1282557" y="3048000"/>
+            <a:ext cx="6578885" cy="3195637"/>
+          </a:xfrm>
+          <a:prstGeom prst="rect">
+            <a:avLst/>
+          </a:prstGeom>
+        </p:spPr>
+      </p:pic>
+      <p:pic>
+        <p:nvPicPr>
+          <p:cNvPr id="7" name="Picture 6"/>
+          <p:cNvPicPr>
+            <a:picLocks noChangeAspect="1"/>
+          </p:cNvPicPr>
+          <p:nvPr/>
+        </p:nvPicPr>
+        <p:blipFill>
+          <a:blip r:embed="rId3"/>
+          <a:stretch>
+            <a:fillRect/>
+          </a:stretch>
+        </p:blipFill>
+        <p:spPr>
+          <a:xfrm>
+            <a:off x="645745" y="1295400"/>
+            <a:ext cx="7852507" cy="1196280"/>
+          </a:xfrm>
+          <a:prstGeom prst="rect">
+            <a:avLst/>
+          </a:prstGeom>
+        </p:spPr>
+      </p:pic>
+    </p:spTree>
+    <p:extLst>
+      <p:ext uri="{BB962C8B-B14F-4D97-AF65-F5344CB8AC3E}">
+        <p14:creationId xmlns:p14="http://schemas.microsoft.com/office/powerpoint/2010/main" val="3487951492"/>
+      </p:ext>
+    </p:extLst>
+  </p:cSld>
+  <p:clrMapOvr>
+    <a:masterClrMapping/>
+  </p:clrMapOvr>
+  <mc:AlternateContent xmlns:mc="http://schemas.openxmlformats.org/markup-compatibility/2006" xmlns:p14="http://schemas.microsoft.com/office/powerpoint/2010/main">
+    <mc:Choice Requires="p14">
+      <p:transition spd="slow" p14:dur="1500">
+        <p14:reveal/>
+      </p:transition>
+    </mc:Choice>
+    <mc:Fallback xmlns="">
+      <p:transition spd="slow">
+        <p:fade/>
+      </p:transition>
+    </mc:Fallback>
+  </mc:AlternateContent>
+</p:sld>
+</file>
+
+<file path=ppt/slides/slide43.xml><?xml version="1.0" encoding="utf-8"?>
+<p:sld xmlns:a="http://schemas.openxmlformats.org/drawingml/2006/main" xmlns:r="http://schemas.openxmlformats.org/officeDocument/2006/relationships" xmlns:p="http://schemas.openxmlformats.org/presentationml/2006/main">
+  <p:cSld>
+    <p:spTree>
+      <p:nvGrpSpPr>
+        <p:cNvPr id="1" name=""/>
+        <p:cNvGrpSpPr/>
+        <p:nvPr/>
+      </p:nvGrpSpPr>
+      <p:grpSpPr>
+        <a:xfrm>
+          <a:off x="0" y="0"/>
+          <a:ext cx="0" cy="0"/>
+          <a:chOff x="0" y="0"/>
+          <a:chExt cx="0" cy="0"/>
+        </a:xfrm>
+      </p:grpSpPr>
+      <p:sp>
+        <p:nvSpPr>
+          <p:cNvPr id="2" name="Title 1"/>
+          <p:cNvSpPr>
+            <a:spLocks noGrp="1"/>
+          </p:cNvSpPr>
+          <p:nvPr>
+            <p:ph type="title"/>
+          </p:nvPr>
+        </p:nvSpPr>
+        <p:spPr/>
+        <p:txBody>
+          <a:bodyPr/>
+          <a:lstStyle/>
+          <a:p>
+            <a:r>
+              <a:rPr lang="en-US" dirty="0"/>
+              <a:t>Problems</a:t>
+            </a:r>
+          </a:p>
+        </p:txBody>
+      </p:sp>
+      <p:sp>
+        <p:nvSpPr>
+          <p:cNvPr id="4" name="Rectangle 3"/>
+          <p:cNvSpPr/>
+          <p:nvPr/>
+        </p:nvSpPr>
+        <p:spPr bwMode="auto">
+          <a:xfrm>
+            <a:off x="1524000" y="2438400"/>
+            <a:ext cx="2590800" cy="1524000"/>
+          </a:xfrm>
+          <a:prstGeom prst="rect">
+            <a:avLst/>
+          </a:prstGeom>
+          <a:ln>
+            <a:headEnd/>
+            <a:tailEnd/>
+          </a:ln>
+        </p:spPr>
+        <p:style>
+          <a:lnRef idx="2">
+            <a:schemeClr val="dk1">
+              <a:shade val="50000"/>
+            </a:schemeClr>
+          </a:lnRef>
+          <a:fillRef idx="1">
+            <a:schemeClr val="dk1"/>
+          </a:fillRef>
+          <a:effectRef idx="0">
+            <a:schemeClr val="dk1"/>
+          </a:effectRef>
+          <a:fontRef idx="minor">
+            <a:schemeClr val="lt1"/>
+          </a:fontRef>
+        </p:style>
+        <p:txBody>
+          <a:bodyPr wrap="none" rtlCol="0" anchor="ctr"/>
+          <a:lstStyle/>
+          <a:p>
+            <a:pPr algn="ctr"/>
+            <a:r>
+              <a:rPr lang="en-US" sz="2000" dirty="0">
+                <a:latin typeface="Tekton Pro" pitchFamily="34" charset="0"/>
+              </a:rPr>
+              <a:t>Changing </a:t>
+            </a:r>
+          </a:p>
+          <a:p>
+            <a:pPr algn="ctr"/>
+            <a:r>
+              <a:rPr lang="en-US" sz="2000" dirty="0">
+                <a:latin typeface="Tekton Pro" pitchFamily="34" charset="0"/>
+              </a:rPr>
+              <a:t>Standards</a:t>
+            </a:r>
+          </a:p>
+        </p:txBody>
+      </p:sp>
+      <p:sp>
+        <p:nvSpPr>
+          <p:cNvPr id="5" name="Rectangle 4"/>
+          <p:cNvSpPr/>
+          <p:nvPr/>
+        </p:nvSpPr>
+        <p:spPr bwMode="auto">
+          <a:xfrm>
+            <a:off x="5029200" y="2438400"/>
+            <a:ext cx="2590800" cy="1524000"/>
+          </a:xfrm>
+          <a:prstGeom prst="rect">
+            <a:avLst/>
+          </a:prstGeom>
+          <a:ln>
+            <a:headEnd/>
+            <a:tailEnd/>
+          </a:ln>
+        </p:spPr>
+        <p:style>
+          <a:lnRef idx="2">
+            <a:schemeClr val="dk1">
+              <a:shade val="50000"/>
+            </a:schemeClr>
+          </a:lnRef>
+          <a:fillRef idx="1">
+            <a:schemeClr val="dk1"/>
+          </a:fillRef>
+          <a:effectRef idx="0">
+            <a:schemeClr val="dk1"/>
+          </a:effectRef>
+          <a:fontRef idx="minor">
+            <a:schemeClr val="lt1"/>
+          </a:fontRef>
+        </p:style>
+        <p:txBody>
+          <a:bodyPr wrap="none" rtlCol="0" anchor="ctr"/>
+          <a:lstStyle/>
+          <a:p>
+            <a:pPr algn="ctr"/>
+            <a:r>
+              <a:rPr lang="en-US" sz="2000" dirty="0">
+                <a:latin typeface="Tekton Pro" pitchFamily="34" charset="0"/>
+              </a:rPr>
+              <a:t>Performance</a:t>
+            </a:r>
+          </a:p>
+        </p:txBody>
+      </p:sp>
+    </p:spTree>
+    <p:extLst>
+      <p:ext uri="{BB962C8B-B14F-4D97-AF65-F5344CB8AC3E}">
+        <p14:creationId xmlns:p14="http://schemas.microsoft.com/office/powerpoint/2010/main" val="2988771082"/>
+      </p:ext>
+    </p:extLst>
+  </p:cSld>
+  <p:clrMapOvr>
+    <a:masterClrMapping/>
+  </p:clrMapOvr>
+  <mc:AlternateContent xmlns:mc="http://schemas.openxmlformats.org/markup-compatibility/2006" xmlns:p14="http://schemas.microsoft.com/office/powerpoint/2010/main">
+    <mc:Choice Requires="p14">
+      <p:transition spd="slow" p14:dur="1500">
+        <p14:reveal/>
+      </p:transition>
+    </mc:Choice>
+    <mc:Fallback xmlns="">
+      <p:transition spd="slow">
+        <p:fade/>
+      </p:transition>
+    </mc:Fallback>
+  </mc:AlternateContent>
+</p:sld>
+</file>
+
+<file path=ppt/slides/slide44.xml><?xml version="1.0" encoding="utf-8"?>
+<p:sld xmlns:a="http://schemas.openxmlformats.org/drawingml/2006/main" xmlns:r="http://schemas.openxmlformats.org/officeDocument/2006/relationships" xmlns:p="http://schemas.openxmlformats.org/presentationml/2006/main">
+  <p:cSld>
+    <p:spTree>
+      <p:nvGrpSpPr>
+        <p:cNvPr id="1" name=""/>
+        <p:cNvGrpSpPr/>
+        <p:nvPr/>
+      </p:nvGrpSpPr>
+      <p:grpSpPr>
+        <a:xfrm>
+          <a:off x="0" y="0"/>
+          <a:ext cx="0" cy="0"/>
+          <a:chOff x="0" y="0"/>
+          <a:chExt cx="0" cy="0"/>
+        </a:xfrm>
+      </p:grpSpPr>
+      <p:sp>
+        <p:nvSpPr>
+          <p:cNvPr id="2" name="Title 1"/>
+          <p:cNvSpPr>
+            <a:spLocks noGrp="1"/>
+          </p:cNvSpPr>
+          <p:nvPr>
+            <p:ph type="title"/>
+          </p:nvPr>
+        </p:nvSpPr>
+        <p:spPr/>
+        <p:txBody>
+          <a:bodyPr/>
+          <a:lstStyle/>
+          <a:p>
+            <a:r>
+              <a:rPr lang="en-US" dirty="0" err="1"/>
+              <a:t>WebPack</a:t>
+            </a:r>
+            <a:endParaRPr lang="en-US" dirty="0"/>
+          </a:p>
+        </p:txBody>
+      </p:sp>
+      <p:sp>
+        <p:nvSpPr>
+          <p:cNvPr id="3" name="Text Placeholder 2"/>
+          <p:cNvSpPr>
+            <a:spLocks noGrp="1"/>
+          </p:cNvSpPr>
+          <p:nvPr>
+            <p:ph type="body" idx="1"/>
+          </p:nvPr>
+        </p:nvSpPr>
+        <p:spPr/>
+        <p:txBody>
+          <a:bodyPr/>
+          <a:lstStyle/>
+          <a:p>
+            <a:endParaRPr lang="en-US" dirty="0"/>
+          </a:p>
+        </p:txBody>
+      </p:sp>
+      <p:pic>
+        <p:nvPicPr>
+          <p:cNvPr id="4" name="Picture 3"/>
+          <p:cNvPicPr>
+            <a:picLocks noChangeAspect="1"/>
+          </p:cNvPicPr>
+          <p:nvPr/>
+        </p:nvPicPr>
+        <p:blipFill>
+          <a:blip r:embed="rId2"/>
+          <a:stretch>
+            <a:fillRect/>
+          </a:stretch>
+        </p:blipFill>
+        <p:spPr>
+          <a:xfrm>
+            <a:off x="470969" y="1143000"/>
+            <a:ext cx="8239125" cy="1533987"/>
+          </a:xfrm>
+          <a:prstGeom prst="rect">
+            <a:avLst/>
+          </a:prstGeom>
+        </p:spPr>
+      </p:pic>
+      <p:pic>
+        <p:nvPicPr>
+          <p:cNvPr id="5" name="Picture 4"/>
+          <p:cNvPicPr>
+            <a:picLocks noChangeAspect="1"/>
+          </p:cNvPicPr>
+          <p:nvPr/>
+        </p:nvPicPr>
+        <p:blipFill>
+          <a:blip r:embed="rId3"/>
+          <a:stretch>
+            <a:fillRect/>
+          </a:stretch>
+        </p:blipFill>
+        <p:spPr>
+          <a:xfrm>
+            <a:off x="1685406" y="3061081"/>
+            <a:ext cx="5810250" cy="3158918"/>
+          </a:xfrm>
+          <a:prstGeom prst="rect">
+            <a:avLst/>
+          </a:prstGeom>
+        </p:spPr>
+      </p:pic>
+    </p:spTree>
+    <p:extLst>
+      <p:ext uri="{BB962C8B-B14F-4D97-AF65-F5344CB8AC3E}">
+        <p14:creationId xmlns:p14="http://schemas.microsoft.com/office/powerpoint/2010/main" val="2458772627"/>
+      </p:ext>
+    </p:extLst>
+  </p:cSld>
+  <p:clrMapOvr>
+    <a:masterClrMapping/>
+  </p:clrMapOvr>
+  <mc:AlternateContent xmlns:mc="http://schemas.openxmlformats.org/markup-compatibility/2006" xmlns:p14="http://schemas.microsoft.com/office/powerpoint/2010/main">
+    <mc:Choice Requires="p14">
+      <p:transition spd="slow" p14:dur="1500">
+        <p14:reveal/>
+      </p:transition>
+    </mc:Choice>
+    <mc:Fallback xmlns="">
+      <p:transition spd="slow">
+        <p:fade/>
+      </p:transition>
+    </mc:Fallback>
+  </mc:AlternateContent>
+</p:sld>
+</file>
+
+<file path=ppt/slides/slide45.xml><?xml version="1.0" encoding="utf-8"?>
+<p:sld xmlns:a="http://schemas.openxmlformats.org/drawingml/2006/main" xmlns:r="http://schemas.openxmlformats.org/officeDocument/2006/relationships" xmlns:p="http://schemas.openxmlformats.org/presentationml/2006/main">
+  <p:cSld>
+    <p:spTree>
+      <p:nvGrpSpPr>
+        <p:cNvPr id="1" name=""/>
+        <p:cNvGrpSpPr/>
+        <p:nvPr/>
+      </p:nvGrpSpPr>
+      <p:grpSpPr>
+        <a:xfrm>
+          <a:off x="0" y="0"/>
+          <a:ext cx="0" cy="0"/>
+          <a:chOff x="0" y="0"/>
+          <a:chExt cx="0" cy="0"/>
+        </a:xfrm>
+      </p:grpSpPr>
+      <p:sp>
+        <p:nvSpPr>
+          <p:cNvPr id="2" name="Title 1"/>
+          <p:cNvSpPr>
+            <a:spLocks noGrp="1"/>
+          </p:cNvSpPr>
+          <p:nvPr>
+            <p:ph type="title"/>
+          </p:nvPr>
+        </p:nvSpPr>
+        <p:spPr/>
+        <p:txBody>
+          <a:bodyPr/>
+          <a:lstStyle/>
+          <a:p>
+            <a:r>
+              <a:rPr lang="en-US" dirty="0"/>
+              <a:t>Problems</a:t>
+            </a:r>
+          </a:p>
+        </p:txBody>
+      </p:sp>
+      <p:sp>
+        <p:nvSpPr>
+          <p:cNvPr id="3" name="Text Placeholder 2"/>
+          <p:cNvSpPr>
+            <a:spLocks noGrp="1"/>
+          </p:cNvSpPr>
+          <p:nvPr>
+            <p:ph type="body" idx="1"/>
+          </p:nvPr>
+        </p:nvSpPr>
+        <p:spPr/>
+        <p:txBody>
+          <a:bodyPr/>
+          <a:lstStyle/>
+          <a:p>
+            <a:endParaRPr lang="en-US"/>
+          </a:p>
+        </p:txBody>
+      </p:sp>
+      <p:pic>
+        <p:nvPicPr>
+          <p:cNvPr id="4" name="Picture 3"/>
+          <p:cNvPicPr>
+            <a:picLocks noChangeAspect="1"/>
+          </p:cNvPicPr>
+          <p:nvPr/>
+        </p:nvPicPr>
+        <p:blipFill>
+          <a:blip r:embed="rId2"/>
+          <a:stretch>
+            <a:fillRect/>
+          </a:stretch>
+        </p:blipFill>
+        <p:spPr>
+          <a:xfrm>
+            <a:off x="721519" y="2286000"/>
+            <a:ext cx="7700962" cy="1946229"/>
+          </a:xfrm>
+          <a:prstGeom prst="rect">
+            <a:avLst/>
+          </a:prstGeom>
+        </p:spPr>
+      </p:pic>
+    </p:spTree>
+    <p:extLst>
+      <p:ext uri="{BB962C8B-B14F-4D97-AF65-F5344CB8AC3E}">
+        <p14:creationId xmlns:p14="http://schemas.microsoft.com/office/powerpoint/2010/main" val="1804459201"/>
+      </p:ext>
+    </p:extLst>
+  </p:cSld>
+  <p:clrMapOvr>
+    <a:masterClrMapping/>
+  </p:clrMapOvr>
+  <mc:AlternateContent xmlns:mc="http://schemas.openxmlformats.org/markup-compatibility/2006" xmlns:p14="http://schemas.microsoft.com/office/powerpoint/2010/main">
+    <mc:Choice Requires="p14">
+      <p:transition spd="slow" p14:dur="1500">
+        <p14:reveal/>
+      </p:transition>
+    </mc:Choice>
+    <mc:Fallback xmlns="">
+      <p:transition spd="slow">
+        <p:fade/>
+      </p:transition>
+    </mc:Fallback>
+  </mc:AlternateContent>
+</p:sld>
+</file>
+
+<file path=ppt/slides/slide46.xml><?xml version="1.0" encoding="utf-8"?>
+<p:sld xmlns:a="http://schemas.openxmlformats.org/drawingml/2006/main" xmlns:r="http://schemas.openxmlformats.org/officeDocument/2006/relationships" xmlns:p="http://schemas.openxmlformats.org/presentationml/2006/main">
+  <p:cSld>
+    <p:spTree>
+      <p:nvGrpSpPr>
+        <p:cNvPr id="1" name=""/>
+        <p:cNvGrpSpPr/>
+        <p:nvPr/>
+      </p:nvGrpSpPr>
+      <p:grpSpPr>
+        <a:xfrm>
+          <a:off x="0" y="0"/>
+          <a:ext cx="0" cy="0"/>
+          <a:chOff x="0" y="0"/>
+          <a:chExt cx="0" cy="0"/>
+        </a:xfrm>
+      </p:grpSpPr>
+      <p:sp>
+        <p:nvSpPr>
+          <p:cNvPr id="2" name="Title 1"/>
+          <p:cNvSpPr>
+            <a:spLocks noGrp="1"/>
+          </p:cNvSpPr>
+          <p:nvPr>
+            <p:ph type="title"/>
+          </p:nvPr>
+        </p:nvSpPr>
+        <p:spPr/>
+        <p:txBody>
+          <a:bodyPr/>
+          <a:lstStyle/>
+          <a:p>
+            <a:r>
+              <a:rPr lang="en-US" dirty="0"/>
+              <a:t>What About Library / Framework Authors?</a:t>
+            </a:r>
+          </a:p>
+        </p:txBody>
+      </p:sp>
+      <p:sp>
+        <p:nvSpPr>
+          <p:cNvPr id="3" name="Text Placeholder 2"/>
+          <p:cNvSpPr>
+            <a:spLocks noGrp="1"/>
+          </p:cNvSpPr>
+          <p:nvPr>
+            <p:ph type="body" idx="1"/>
+          </p:nvPr>
+        </p:nvSpPr>
+        <p:spPr/>
+        <p:txBody>
+          <a:bodyPr/>
+          <a:lstStyle/>
+          <a:p>
+            <a:endParaRPr lang="en-US" dirty="0"/>
+          </a:p>
+        </p:txBody>
+      </p:sp>
+      <p:sp>
+        <p:nvSpPr>
+          <p:cNvPr id="4" name="Rectangle 3"/>
+          <p:cNvSpPr/>
+          <p:nvPr/>
+        </p:nvSpPr>
+        <p:spPr bwMode="auto">
+          <a:xfrm>
+            <a:off x="1524000" y="2438400"/>
+            <a:ext cx="2590800" cy="1524000"/>
+          </a:xfrm>
+          <a:prstGeom prst="rect">
+            <a:avLst/>
+          </a:prstGeom>
+          <a:ln>
+            <a:headEnd/>
+            <a:tailEnd/>
+          </a:ln>
+        </p:spPr>
+        <p:style>
+          <a:lnRef idx="2">
+            <a:schemeClr val="dk1">
+              <a:shade val="50000"/>
+            </a:schemeClr>
+          </a:lnRef>
+          <a:fillRef idx="1">
+            <a:schemeClr val="dk1"/>
+          </a:fillRef>
+          <a:effectRef idx="0">
+            <a:schemeClr val="dk1"/>
+          </a:effectRef>
+          <a:fontRef idx="minor">
+            <a:schemeClr val="lt1"/>
+          </a:fontRef>
+        </p:style>
+        <p:txBody>
+          <a:bodyPr wrap="none" rtlCol="0" anchor="ctr"/>
+          <a:lstStyle/>
+          <a:p>
+            <a:pPr algn="ctr"/>
+            <a:r>
+              <a:rPr lang="en-US" sz="2000" dirty="0">
+                <a:latin typeface="Tekton Pro" pitchFamily="34" charset="0"/>
+              </a:rPr>
+              <a:t>Compile to UMD?</a:t>
+            </a:r>
+          </a:p>
+        </p:txBody>
+      </p:sp>
+      <p:sp>
+        <p:nvSpPr>
+          <p:cNvPr id="5" name="Rectangle 4"/>
+          <p:cNvSpPr/>
+          <p:nvPr/>
+        </p:nvSpPr>
+        <p:spPr bwMode="auto">
+          <a:xfrm>
+            <a:off x="4572000" y="2438400"/>
+            <a:ext cx="2590800" cy="1524000"/>
+          </a:xfrm>
+          <a:prstGeom prst="rect">
+            <a:avLst/>
+          </a:prstGeom>
+          <a:ln>
+            <a:headEnd/>
+            <a:tailEnd/>
+          </a:ln>
+        </p:spPr>
+        <p:style>
+          <a:lnRef idx="2">
+            <a:schemeClr val="dk1">
+              <a:shade val="50000"/>
+            </a:schemeClr>
+          </a:lnRef>
+          <a:fillRef idx="1">
+            <a:schemeClr val="dk1"/>
+          </a:fillRef>
+          <a:effectRef idx="0">
+            <a:schemeClr val="dk1"/>
+          </a:effectRef>
+          <a:fontRef idx="minor">
+            <a:schemeClr val="lt1"/>
+          </a:fontRef>
+        </p:style>
+        <p:txBody>
+          <a:bodyPr wrap="none" rtlCol="0" anchor="ctr"/>
+          <a:lstStyle/>
+          <a:p>
+            <a:pPr algn="ctr"/>
+            <a:r>
+              <a:rPr lang="en-US" sz="2000" dirty="0">
+                <a:latin typeface="Tekton Pro" pitchFamily="34" charset="0"/>
+              </a:rPr>
+              <a:t>Add</a:t>
+            </a:r>
+          </a:p>
+          <a:p>
+            <a:pPr algn="ctr"/>
+            <a:r>
+              <a:rPr lang="en-US" sz="2000" dirty="0" err="1">
+                <a:latin typeface="Tekton Pro" pitchFamily="34" charset="0"/>
+              </a:rPr>
+              <a:t>Polyfills</a:t>
+            </a:r>
+            <a:r>
+              <a:rPr lang="en-US" sz="2000" dirty="0">
+                <a:latin typeface="Tekton Pro" pitchFamily="34" charset="0"/>
+              </a:rPr>
+              <a:t>?</a:t>
+            </a:r>
+          </a:p>
+        </p:txBody>
+      </p:sp>
+    </p:spTree>
+    <p:extLst>
+      <p:ext uri="{BB962C8B-B14F-4D97-AF65-F5344CB8AC3E}">
+        <p14:creationId xmlns:p14="http://schemas.microsoft.com/office/powerpoint/2010/main" val="2270434325"/>
+      </p:ext>
+    </p:extLst>
+  </p:cSld>
+  <p:clrMapOvr>
+    <a:masterClrMapping/>
+  </p:clrMapOvr>
+  <mc:AlternateContent xmlns:mc="http://schemas.openxmlformats.org/markup-compatibility/2006" xmlns:p14="http://schemas.microsoft.com/office/powerpoint/2010/main">
+    <mc:Choice Requires="p14">
+      <p:transition spd="slow" p14:dur="1500">
+        <p14:reveal/>
+      </p:transition>
+    </mc:Choice>
+    <mc:Fallback xmlns="">
+      <p:transition spd="slow">
+        <p:fade/>
+      </p:transition>
+    </mc:Fallback>
+  </mc:AlternateContent>
+</p:sld>
+</file>
+
+<file path=ppt/slides/slide47.xml><?xml version="1.0" encoding="utf-8"?>
+<p:sld xmlns:a="http://schemas.openxmlformats.org/drawingml/2006/main" xmlns:r="http://schemas.openxmlformats.org/officeDocument/2006/relationships" xmlns:p="http://schemas.openxmlformats.org/presentationml/2006/main">
+  <p:cSld>
+    <p:spTree>
+      <p:nvGrpSpPr>
+        <p:cNvPr id="1" name=""/>
+        <p:cNvGrpSpPr/>
+        <p:nvPr/>
+      </p:nvGrpSpPr>
+      <p:grpSpPr>
+        <a:xfrm>
+          <a:off x="0" y="0"/>
+          <a:ext cx="0" cy="0"/>
+          <a:chOff x="0" y="0"/>
+          <a:chExt cx="0" cy="0"/>
+        </a:xfrm>
+      </p:grpSpPr>
+      <p:sp>
+        <p:nvSpPr>
+          <p:cNvPr id="2" name="Title 1"/>
+          <p:cNvSpPr>
+            <a:spLocks noGrp="1"/>
+          </p:cNvSpPr>
+          <p:nvPr>
+            <p:ph type="title"/>
+          </p:nvPr>
+        </p:nvSpPr>
+        <p:spPr/>
+        <p:txBody>
+          <a:bodyPr/>
+          <a:lstStyle/>
+          <a:p>
+            <a:r>
+              <a:rPr lang="en-US" dirty="0"/>
+              <a:t>Tooling</a:t>
+            </a:r>
+          </a:p>
+        </p:txBody>
+      </p:sp>
+      <p:sp>
+        <p:nvSpPr>
+          <p:cNvPr id="3" name="Text Placeholder 2"/>
+          <p:cNvSpPr>
+            <a:spLocks noGrp="1"/>
+          </p:cNvSpPr>
+          <p:nvPr>
+            <p:ph type="body" idx="1"/>
+          </p:nvPr>
+        </p:nvSpPr>
+        <p:spPr/>
+        <p:txBody>
+          <a:bodyPr/>
+          <a:lstStyle/>
+          <a:p>
+            <a:endParaRPr lang="en-US"/>
+          </a:p>
+        </p:txBody>
+      </p:sp>
+      <p:pic>
+        <p:nvPicPr>
+          <p:cNvPr id="3076" name="Picture 4" descr="http://vignette3.wikia.nocookie.net/assassinscreed/images/1/1a/Naval_battle!!_on_the_Maelstrom!!!_by_Max_Qin.jpg/revision/latest?cb=20120805213251"/>
+          <p:cNvPicPr>
+            <a:picLocks noChangeAspect="1" noChangeArrowheads="1"/>
+          </p:cNvPicPr>
+          <p:nvPr/>
+        </p:nvPicPr>
+        <p:blipFill>
+          <a:blip r:embed="rId2">
+            <a:extLst>
+              <a:ext uri="{28A0092B-C50C-407E-A947-70E740481C1C}">
+                <a14:useLocalDpi xmlns:a14="http://schemas.microsoft.com/office/drawing/2010/main" val="0"/>
+              </a:ext>
+            </a:extLst>
+          </a:blip>
+          <a:srcRect/>
+          <a:stretch>
+            <a:fillRect/>
+          </a:stretch>
+        </p:blipFill>
+        <p:spPr bwMode="auto">
+          <a:xfrm>
+            <a:off x="541044" y="1295400"/>
+            <a:ext cx="8061911" cy="3429000"/>
+          </a:xfrm>
+          <a:prstGeom prst="rect">
+            <a:avLst/>
+          </a:prstGeom>
+          <a:noFill/>
+          <a:extLst>
+            <a:ext uri="{909E8E84-426E-40DD-AFC4-6F175D3DCCD1}">
+              <a14:hiddenFill xmlns:a14="http://schemas.microsoft.com/office/drawing/2010/main">
+                <a:solidFill>
+                  <a:srgbClr val="FFFFFF"/>
+                </a:solidFill>
+              </a14:hiddenFill>
+            </a:ext>
+          </a:extLst>
+        </p:spPr>
+      </p:pic>
+    </p:spTree>
+    <p:extLst>
+      <p:ext uri="{BB962C8B-B14F-4D97-AF65-F5344CB8AC3E}">
+        <p14:creationId xmlns:p14="http://schemas.microsoft.com/office/powerpoint/2010/main" val="2916693108"/>
+      </p:ext>
+    </p:extLst>
+  </p:cSld>
+  <p:clrMapOvr>
+    <a:masterClrMapping/>
+  </p:clrMapOvr>
+  <mc:AlternateContent xmlns:mc="http://schemas.openxmlformats.org/markup-compatibility/2006" xmlns:p14="http://schemas.microsoft.com/office/powerpoint/2010/main">
+    <mc:Choice Requires="p14">
+      <p:transition spd="slow" p14:dur="1500">
+        <p14:reveal/>
+      </p:transition>
+    </mc:Choice>
+    <mc:Fallback xmlns="">
+      <p:transition spd="slow">
+        <p:fade/>
+      </p:transition>
+    </mc:Fallback>
+  </mc:AlternateContent>
+</p:sld>
+</file>
+
+<file path=ppt/slides/slide48.xml><?xml version="1.0" encoding="utf-8"?>
+<p:sld xmlns:a="http://schemas.openxmlformats.org/drawingml/2006/main" xmlns:r="http://schemas.openxmlformats.org/officeDocument/2006/relationships" xmlns:p="http://schemas.openxmlformats.org/presentationml/2006/main">
+  <p:cSld>
+    <p:spTree>
+      <p:nvGrpSpPr>
+        <p:cNvPr id="1" name=""/>
+        <p:cNvGrpSpPr/>
+        <p:nvPr/>
+      </p:nvGrpSpPr>
+      <p:grpSpPr>
+        <a:xfrm>
+          <a:off x="0" y="0"/>
+          <a:ext cx="0" cy="0"/>
+          <a:chOff x="0" y="0"/>
+          <a:chExt cx="0" cy="0"/>
+        </a:xfrm>
+      </p:grpSpPr>
+      <p:sp>
+        <p:nvSpPr>
+          <p:cNvPr id="2" name="Title 1"/>
+          <p:cNvSpPr>
+            <a:spLocks noGrp="1"/>
+          </p:cNvSpPr>
+          <p:nvPr>
+            <p:ph type="title"/>
+          </p:nvPr>
+        </p:nvSpPr>
+        <p:spPr/>
+        <p:txBody>
+          <a:bodyPr/>
+          <a:lstStyle/>
+          <a:p>
+            <a:r>
+              <a:rPr lang="en-US" dirty="0"/>
+              <a:t>The End</a:t>
+            </a:r>
+          </a:p>
+        </p:txBody>
+      </p:sp>
+      <p:pic>
+        <p:nvPicPr>
+          <p:cNvPr id="4" name="Picture 3" descr="Chinese new year: 23rd January"/>
+          <p:cNvPicPr>
+            <a:picLocks noChangeAspect="1"/>
+          </p:cNvPicPr>
+          <p:nvPr/>
+        </p:nvPicPr>
+        <p:blipFill>
+          <a:blip r:embed="rId2">
+            <a:extLst>
+              <a:ext uri="{28A0092B-C50C-407E-A947-70E740481C1C}">
+                <a14:useLocalDpi xmlns:a14="http://schemas.microsoft.com/office/drawing/2010/main" val="0"/>
+              </a:ext>
+            </a:extLst>
+          </a:blip>
+          <a:stretch>
+            <a:fillRect/>
+          </a:stretch>
+        </p:blipFill>
+        <p:spPr>
+          <a:xfrm>
+            <a:off x="304800" y="2286000"/>
+            <a:ext cx="3126695" cy="6858000"/>
+          </a:xfrm>
+          <a:prstGeom prst="rect">
+            <a:avLst/>
+          </a:prstGeom>
+        </p:spPr>
+      </p:pic>
+      <p:sp>
+        <p:nvSpPr>
+          <p:cNvPr id="5" name="TextBox 4"/>
+          <p:cNvSpPr txBox="1"/>
+          <p:nvPr/>
+        </p:nvSpPr>
+        <p:spPr bwMode="auto">
+          <a:xfrm>
+            <a:off x="3581400" y="1905000"/>
+            <a:ext cx="4953000" cy="3416320"/>
+          </a:xfrm>
+          <a:prstGeom prst="rect">
+            <a:avLst/>
+          </a:prstGeom>
+          <a:noFill/>
+          <a:ln w="9525">
+            <a:noFill/>
+            <a:miter lim="800000"/>
+            <a:headEnd/>
+            <a:tailEnd/>
+          </a:ln>
+        </p:spPr>
+        <p:txBody>
+          <a:bodyPr wrap="square" rtlCol="0">
+            <a:spAutoFit/>
+          </a:bodyPr>
+          <a:lstStyle/>
+          <a:p>
+            <a:r>
+              <a:rPr lang="en-US" sz="2400" dirty="0">
+                <a:latin typeface="Tekton Pro" pitchFamily="34" charset="0"/>
+              </a:rPr>
+              <a:t>Scott Allen</a:t>
+            </a:r>
+          </a:p>
+          <a:p>
+            <a:endParaRPr lang="en-US" sz="2400" dirty="0">
+              <a:latin typeface="Tekton Pro" pitchFamily="34" charset="0"/>
+            </a:endParaRPr>
+          </a:p>
+          <a:p>
+            <a:r>
+              <a:rPr lang="en-US" sz="2400" dirty="0">
+                <a:latin typeface="Tekton Pro" pitchFamily="34" charset="0"/>
+              </a:rPr>
+              <a:t>scott@OdeToCode.com</a:t>
+            </a:r>
+          </a:p>
+          <a:p>
+            <a:endParaRPr lang="en-US" sz="2400" dirty="0">
+              <a:latin typeface="Tekton Pro" pitchFamily="34" charset="0"/>
+            </a:endParaRPr>
+          </a:p>
+          <a:p>
+            <a:r>
+              <a:rPr lang="en-US" sz="2400" dirty="0">
+                <a:latin typeface="Tekton Pro" pitchFamily="34" charset="0"/>
+              </a:rPr>
+              <a:t>@</a:t>
+            </a:r>
+            <a:r>
+              <a:rPr lang="en-US" sz="2400" dirty="0" err="1">
+                <a:latin typeface="Tekton Pro" pitchFamily="34" charset="0"/>
+              </a:rPr>
+              <a:t>OdeToCode</a:t>
+            </a:r>
+            <a:endParaRPr lang="en-US" sz="2400" dirty="0">
+              <a:latin typeface="Tekton Pro" pitchFamily="34" charset="0"/>
+            </a:endParaRPr>
+          </a:p>
+          <a:p>
+            <a:endParaRPr lang="en-US" sz="2400" dirty="0">
+              <a:latin typeface="Tekton Pro" pitchFamily="34" charset="0"/>
+            </a:endParaRPr>
+          </a:p>
+          <a:p>
+            <a:r>
+              <a:rPr lang="en-US" sz="2400" dirty="0">
+                <a:latin typeface="Tekton Pro" pitchFamily="34" charset="0"/>
+              </a:rPr>
+              <a:t>http://odetocode.com</a:t>
+            </a:r>
+          </a:p>
+          <a:p>
+            <a:endParaRPr lang="en-US" sz="2400" dirty="0">
+              <a:latin typeface="Tekton Pro" pitchFamily="34" charset="0"/>
+            </a:endParaRPr>
+          </a:p>
+          <a:p>
+            <a:r>
+              <a:rPr lang="en-US" sz="2400" dirty="0">
+                <a:latin typeface="Tekton Pro" pitchFamily="34" charset="0"/>
+              </a:rPr>
+              <a:t>http://pluralsight.com/</a:t>
+            </a:r>
+          </a:p>
+        </p:txBody>
+      </p:sp>
+    </p:spTree>
+    <p:extLst>
+      <p:ext uri="{BB962C8B-B14F-4D97-AF65-F5344CB8AC3E}">
+        <p14:creationId xmlns:p14="http://schemas.microsoft.com/office/powerpoint/2010/main" val="1881954699"/>
+      </p:ext>
+    </p:extLst>
+  </p:cSld>
+  <p:clrMapOvr>
+    <a:masterClrMapping/>
+  </p:clrMapOvr>
+  <mc:AlternateContent xmlns:mc="http://schemas.openxmlformats.org/markup-compatibility/2006" xmlns:p14="http://schemas.microsoft.com/office/powerpoint/2010/main">
+    <mc:Choice Requires="p14">
+      <p:transition spd="slow" p14:dur="1500">
+        <p14:reveal/>
+      </p:transition>
+    </mc:Choice>
+    <mc:Fallback xmlns="">
+      <p:transition spd="slow">
+        <p:fade/>
+      </p:transition>
+    </mc:Fallback>
+  </mc:AlternateContent>
 </p:sld>
 </file>
 
@@ -14977,7 +20111,7 @@
           <a:p>
             <a:r>
               <a:rPr lang="en-US" dirty="0"/>
-              <a:t>Careful With Literals</a:t>
+              <a:t>Too Many Arrows</a:t>
             </a:r>
           </a:p>
         </p:txBody>

--- a/assorted/javascript_dragons.pptx
+++ b/assorted/javascript_dragons.pptx
@@ -313,7 +313,7 @@
               <a:pPr>
                 <a:defRPr/>
               </a:pPr>
-              <a:t>6/7/2016</a:t>
+              <a:t>7/13/2016</a:t>
             </a:fld>
             <a:endParaRPr lang="en-US"/>
           </a:p>
@@ -403,6 +403,119 @@
   </p:cSld>
   <p:clrMap bg1="lt1" tx1="dk1" bg2="lt2" tx2="dk2" accent1="accent1" accent2="accent2" accent3="accent3" accent4="accent4" accent5="accent5" accent6="accent6" hlink="hlink" folHlink="folHlink"/>
 </p:handoutMaster>
+</file>
+
+<file path=ppt/ink/ink1.xml><?xml version="1.0" encoding="utf-8"?>
+<inkml:ink xmlns:inkml="http://www.w3.org/2003/InkML">
+  <inkml:definitions>
+    <inkml:context xml:id="ctx0">
+      <inkml:inkSource xml:id="inkSrc0">
+        <inkml:traceFormat>
+          <inkml:channel name="X" type="integer" max="9600" units="cm"/>
+          <inkml:channel name="Y" type="integer" max="7200" units="cm"/>
+          <inkml:channel name="F" type="integer" max="1024" units="dev"/>
+          <inkml:channel name="T" type="integer" max="2.14748E9" units="dev"/>
+        </inkml:traceFormat>
+        <inkml:channelProperties>
+          <inkml:channelProperty channel="X" name="resolution" value="336.48792" units="1/cm"/>
+          <inkml:channelProperty channel="Y" name="resolution" value="378.54889" units="1/cm"/>
+          <inkml:channelProperty channel="F" name="resolution" value="0" units="1/dev"/>
+          <inkml:channelProperty channel="T" name="resolution" value="1" units="1/dev"/>
+        </inkml:channelProperties>
+      </inkml:inkSource>
+      <inkml:timestamp xml:id="ts0" timeString="2016-07-13T10:48:59.320"/>
+    </inkml:context>
+    <inkml:brush xml:id="br0">
+      <inkml:brushProperty name="width" value="0.05292" units="cm"/>
+      <inkml:brushProperty name="height" value="0.05292" units="cm"/>
+      <inkml:brushProperty name="color" value="#FF0000"/>
+    </inkml:brush>
+  </inkml:definitions>
+  <inkml:trace contextRef="#ctx0" brushRef="#br0">6072 4519 208 0,'-21'-3'92'0,"9"19"-73"0,-3-5-24 15,9-3 39-15,0 2-28 16,0-2 0-16,6 0-3 16,3-2-5-16,3-4 1 15,6-4 9-15,0-12-6 0,3-4 19 16,3-6-17-16,-1 0 30 16,-2 6-26-16,-3 4 22 15,-3 4-23-15,0 5 14 16,-6 7-16-16,0 9 0 0,0-1-3 15,3 12 1-15,0-4-2 16,0-5-3-16,3-2 1 16,3-3 6-16,3-3-4 15,2-2 0-15,13-6 0 16,-3 0 10-16,3 3-9 16,-3 0 0-16,-1 6-1 15,-2 2 1-15,-3 5-1 16,0 3-1-16,0 2 1 15,3 9-4-15,-1-1 2 16,1-2 1-16,3-3 0 16,0-5 8-16,11-5-6 15,1-3-1-15,0-3 0 0,2 0 10 16,-2 1-9-16,-3-1 3 16,0 5-4-16,-7 4-1 15,4 1 1-15,-6 7-4 16,0-1 2-16,2 5 4 15,13-5-3-15,3-2 9 16,2-6-7-16,4-8 7 16,-3-7-6-16,-1-6 1 15,1-3-3-15,5-2-1 16,4 0 1-16,-3 2 4 16,-4 3-4-16,-2 3-5 15,-4 2 3-15,-2 3 3 16,-3 0-2-16,3 0 3 15,8-2-2-15,4-4-1 16,2-4 1-16,7-6 1 16,-7-3-1-16,1-7 5 0,8 0-5 15,-2-1 25 1,2 3-20-16,-2 0 9 0,-7 6-11 16,-5 2-5-16,-3 6 1 15,-1 2 0-15,7 5 0 16,-1 3-6-16,-2 0 5 15,0 0 6-15,-1 0-5 16,1-3 7-16,-4-2-6 16,7-3-3-16,3 0 2 0,5 0 3 15,-5-5-3-15,-7 2 0 16,1-2 1-16,-7 5-4 16,-2 3 2-16,-3 5 1 15,-3 8 0-15,8 0 0 16,-2 5 0-16,0 6 0 15,2-1 0-15,1 9 0 16,0-4 0-16,-4-4-238 16,1-24 187-16,14-30-207 15</inkml:trace>
+  <inkml:trace contextRef="#ctx0" brushRef="#br0" timeOffset="10295.7762">8128 10927 144 0,'-11'-8'65'0,"5"14"-51"0,-12 7-17 0,12-5 26 15,-3 2-19-15,-3 4 8 16,3 4-9-16,0-5 12 16,3-7-11-16,3-12 14 0,6-9-13 15,0-12-19-15,0-10 11 16,0 0-10-16,3 0 9 16,-3 5 5-16,0 6-1 15,0 2 17-15,0 5-13 16,0 6-2-16,3 5 0 15,0 6 3-15,3 2-4 16,3 5 0-16,2 0 0 0,4 3-7 16,0 0 5-1,3 3-6-15,0 7 6 0,6-2 0 16,8 0 1-16,4 0-6 16,6 0 5-16,5 2-193 15</inkml:trace>
+  <inkml:trace contextRef="#ctx0" brushRef="#br0" timeOffset="17474.5367">5789 6207 28 0,'-3'3'13'0,"3"-3"-11"0,3-3-2 15,-3 3 3-15,0-3-2 0,0-4 44 16,3-4-35-16,-3 0 41 16,0 3-38-16,0 3 13 15,0 5-19-15,-6 8 7 16,0 0-10-16,0 0 9 16,0-3-10-16,0 1 7 0,0-4-7 15,6-2 1-15,-3 0-3 16,0-5 5-16,3-6-5 15,0 1 14-15,0-3-11 16,3-1 0-16,0 4-2 16,-3 2-2-16,3 2 1 15,0 4-4-15,0-1 2 16,0 3 1-16,3 0 0 16,0 0-3-16,3 0 2 15,3 0 1-15,3 0 0 16,11 3 0-16,1-3 0 15,0 0 0-15,3 2 0 0,0 4 2 16,-4 2-1-16,1 2 5 16,-3 4-5-16,3 1 3 15,-3 1-3-15,-4 0 5 16,1 3-5-16,-3-1-3 16,3 3 2-16,0 3 5 15,0-5-4-15,11-9 17 16,4-4-14-16,0-9 15 15,2-2-14-15,-2-6 23 16,0-2-22-16,-6 0 3 0,-4-1-6 16,-2 4-5-16,-3 2 2 15,-3 3 3-15,-3 2-3 16,-3 0 0-16,0 3 1 16,-3 0 1-16,-1 3-1 15,4 0-3-15,0-3 1 16,0 0 6-16,0-3-4 15,9-5-50-15,0 0 38 16,0-5-225 0</inkml:trace>
+  <inkml:trace contextRef="#ctx0" brushRef="#br0" timeOffset="26854.9908">9045 7242 76 0,'-9'-6'36'0,"6"6"-29"0,0 3-9 0,0 0 2 16,3 2-1-16,-3 3-5 0,-3 2 5 15,3 4-6-15,0-1 6 16,0 0 0-16,1 0 1 16,2 9 5-16,0-4-4 15,0-2-3-15,0-3 2 16,0-2 5-16,2-1-4 16,1-2 6-16,3 3-6 15,6-1 0-15,0 1 0 16,9 2-1-16,9 3 0 15,0 5 2-15,-1 6-1 16,1 7-1-16,-3 3 1 16,-3 3 35-16,-3 5-28 15,-4 0 14-15,-2 0-16 16,-3 2 24-16,-3 1-22 16,-6-3 10-16,-6-3-13 0,-3 1 19 15,-6-4-18-15,-6-4 5 16,1-1-7-16,-16-5 14 0,0 0-14 15,0 1-2-15,-2-7 0 16,-7 4-5-16,-3 2 2 16,-8 3 4-16,-10 5-3 15,4 2 6-15,2 1-5 16,7 5-3-16,-1-5 2 16,3-6 3-16,4-5-3 15,2-2-2-15,6-6 1 16,4-5 4-16,5-3-3 15,6-2 0-15,6-4 1 16,3 1-15-16,6-2 11 0,0-1 1 16,3 0 1-16,3 3 9 15,0 0-6-15,0 0 5 16,0 3-6-16,-6 5 3 16,0 7-3-16,-9 4 30 15,-2 7-24-15,-1-2 37 16,0-3-34-16,3 5 1 15,3-4-7-15,3-7-48 16,3-1 35-16</inkml:trace>
+  <inkml:trace contextRef="#ctx0" brushRef="#br0" timeOffset="32828.9797">3961 8522 172 0,'-24'0'78'0,"4"0"-61"0,-7 3-21 0,18-3 31 16,3-3-22 0,0-2-10-16,3-6 4 0,3-7 0 15,6-14 1-15,6-5 19 0,3 0-15 16,3 3 27-16,-4-1-23 15,4 6 12-15,3 8-14 16,3 13 22-16,3 11-22 16,0 7 31-16,-1 9-28 15,-5-3 13-15,30 15-16 16,17-15-4-16,16-29 0 16,41-45 0-16,32-67-1 15,55-60-342 1</inkml:trace>
+  <inkml:trace contextRef="#ctx0" brushRef="#br0" timeOffset="36088.0592">8459 5884 112 0,'-6'8'52'0,"0"-5"-41"0,-3-3-14 0,9 0 40 16,-3 0-30-16,3 0 32 15,-3-3-30-15,3 1 38 16,0-4-35-16,3 1 33 0,3-3-34 16,0 0 20-16,0 3-23 15,0 0-4-15,0 2-2 16,3 3-5-16,3 5 2 16,5 3-2-16,4 0 2 15,3 5-10-15,6 6 8 16,15-1 10-16,8-2-6 0,4 0 3 15,2-5-3-15,4-6 8 16,14-5-7-16,6-3 5 16,7 1-6-16,-10-4-3 15,12 6 2-15,7 8 8 16,-4 8-6-16,-6 5 5 16,9 6-6-16,4-1 6 15,-4 6-6-15,-3-5 3 16,9-9-3-16,0-2 8 15,-11-13-7-15,-7-14-331 16</inkml:trace>
+  <inkml:trace contextRef="#ctx0" brushRef="#br0" timeOffset="39870.3812">6441 10882 148 0,'-36'-2'65'0,"18"7"-51"16,-6 6-17-16,6-6 15 0,4-3-10 15,-1-2-7-15,3-2 5 16,0-3 2-16,3-3-2 16,0-11 0-16,3 1 1 0,3 2 1 15,3 2-1-15,9 7-3 16,9 1 1-16,3 12-2 15,6 7 2-15,5 8-5 16,1 5 5-16,6 1 0 16,-1-1 1-16,4 1 0 15,15-9 0-15,2 1-3 16,7-9 2-16,-4-4 12 16,1-4-9-16,14 4 17 15,0-1-15-15,1 5-7 16,-4 4 3-16,1-1 7 0,8 0-5 15,3 6-7-15,4-3 5 16,-4-1-4-16,12 1 3 16,0-2 1-16,4-4 0 15,-10-2 0-15,15-3 0 16,-3 1 14-16,-3-6-11 16,-8 0 18-16,8 2-16 15,0 1 4-15,0-3-7 16,-5 3-1-16,8 2 0 15,3 0 1-15,0-5-1 16,15-2 5-16,9-1-5 16,-9-2 0-16,-9-6 0 0,9 0 15 15,-6 3-12-15,-3 1 15 16,-5-1-14-16,14 5 9 16,-6 3-11-16,-3 0 10 15,6 5-10-15,9 6 7 16,-3-1-7-16,12 12-2 15,6 4 0-15,3 1 4 16,17 4-4-16,-2-2-17 16,15-5 13-16,-1-16-134 15,13-21 107-15</inkml:trace>
+  <inkml:trace contextRef="#ctx0" brushRef="#br0" timeOffset="62435.8601">17930 15970 212 0,'-38'6'98'0,"26"4"-77"0,-24 1-26 0,27-9 11 16,-3 4-6-16,-3-4-6 16,3-2 5-16,3 0-20 15,0-5 17-15,6 0 4 0,3-6-1 16,6-5 4-16,3 6-2 16,9-1 22-16,3 1-18 15,6 10 26-15,20 7-23 16,16 4 1-16,8 0-6 15,7-3-2-15,20-1 0 16,9-7 7-16,-6-7-6 0,12-9 16 16,1-8-14-16,-10-3 10 15,-12 1-11-15,3 5-1 16,-11 5-1-16,-10 5-4 16,-8 11 2-16,-10 8-148 15,-8 24 117-15,-13 2-140 16</inkml:trace>
+  <inkml:trace contextRef="#ctx0" brushRef="#br0" timeOffset="63950.9176">21175 13557 176 0,'-6'-18'78'0,"3"-3"-61"0,0-19-21 16,3 19 3-16,0-11 0 15,3-10 0-15,3-1 1 16,0 4 0-16,0 7 0 15,-3 8-9-15,-3 19 44 16,0 21-29-16,-3 23 30 16,0 25-27-16,3 34-5 15,6 26-1-15,14 14-3 16,4 10 0-16,6-11-6 16,3-10 5-16,2-15 14 15,1-20-10-15,-6-20 18 16,-3-14-16-16,-6-13 32 15,-4-13-29-15,-5-9 36 16,-3-7-33-16,-9-3 9 0,-9-5-14 16,-9-8-4-16,-11-2-1 15,-19-6-4-15,-2 0 2 16,-4-3 20-16,-6 1-15 16,1-11 50-16,5-3-42 15,7-5 26-15,2 5-28 16,9 3 0-16,15 5-7 15,10 5-16-15,8 9 11 16,12 9-26-16,8 23 22 16,16 15-54-16,3 18 47 15,3-2-40-15,11-6 39 0,1-10 41 16,-1-13-23-16,1-16 82 16,0-24-66-16,2-34 31 15,1-35-37-15,8-29-39 16,-2-29 21-16,-4-8-294 15,-8 6 233-15</inkml:trace>
+  <inkml:trace contextRef="#ctx0" brushRef="#br0" timeOffset="77808.4324">20695 15991 252 0,'-14'3'111'0,"-1"5"-87"0,0 8-30 0,12-6-52 16,3 1 44-16,0 0-6 16,12 2 13-16,0-8 0 15,6-2 5-15,5-3 4 0,16-3-2 16,3 1 6-16,2-4-5 15,4 1 28-15,6 2-22 16,-4 1 25-16,13 2-24 16,2 2-2-16,4 1-3 15,2-3-3-15,0 0 1 16,10 3 13-16,-4-1-11 16,1 1 4-16,-1 0-5 15,-6-1 22-15,4 3-19 16,8 1 18-16,-2 10-18 0,-1-1 18 15,-6 1-18-15,13 3 9 16,2-1-10-16,0 1 6 16,4-1-7-16,11-2 18 15,3-2-17-15,0-7 2 16,-6-4-4-16,0-3-4 16,-2-3 1-16,-10-2-106 15,-6 5 84-15,-14 3-261 16</inkml:trace>
+  <inkml:trace contextRef="#ctx0" brushRef="#br0" timeOffset="80572.4692">15998 12671 244 0,'-35'8'111'0,"26"10"-87"0,-3 1-30 16,6-9 24-16,0 4-16 15,0 2 8-15,3-1-7 16,3 12-5-16,3 2 2 16,3-3 0-16,9-4 0 0,6-4 2 15,3-7-1-15,5-9 36 16,7-15-29-16,6-11 25 16,-1-10-24-16,1-19-28 15,-3-8 16-15,-1-10-283 16,1 2 224-16,-21-8-20 15</inkml:trace>
+  <inkml:trace contextRef="#ctx0" brushRef="#br0" timeOffset="81666.8026">10429 16835 184 0,'-68'16'85'16,"38"-2"-67"-16,3-4-23 0,18-2 53 0,3 5-39 16,6-13 19-16,3 0-20 15,18 0-5-15,18-5-1 16,17-11 3-16,19 3-4 0,35-3-8 15,24 0 5-15,36 3-10 16,29 10 9-16,15 3-46 16,30 8 38-16,15 8-13 15,-6 0 17-15,3-8 22 16,-12-3-13-16,-14-10 9 16,-1-3-8-16,-9-5-212 15</inkml:trace>
+</inkml:ink>
+</file>
+
+<file path=ppt/ink/ink2.xml><?xml version="1.0" encoding="utf-8"?>
+<inkml:ink xmlns:inkml="http://www.w3.org/2003/InkML">
+  <inkml:definitions>
+    <inkml:context xml:id="ctx0">
+      <inkml:inkSource xml:id="inkSrc0">
+        <inkml:traceFormat>
+          <inkml:channel name="X" type="integer" max="9600" units="cm"/>
+          <inkml:channel name="Y" type="integer" max="7200" units="cm"/>
+          <inkml:channel name="F" type="integer" max="1024" units="dev"/>
+          <inkml:channel name="T" type="integer" max="2.14748E9" units="dev"/>
+        </inkml:traceFormat>
+        <inkml:channelProperties>
+          <inkml:channelProperty channel="X" name="resolution" value="336.48792" units="1/cm"/>
+          <inkml:channelProperty channel="Y" name="resolution" value="378.54889" units="1/cm"/>
+          <inkml:channelProperty channel="F" name="resolution" value="0" units="1/dev"/>
+          <inkml:channelProperty channel="T" name="resolution" value="1" units="1/dev"/>
+        </inkml:channelProperties>
+      </inkml:inkSource>
+      <inkml:timestamp xml:id="ts0" timeString="2016-07-13T10:50:49.198"/>
+    </inkml:context>
+    <inkml:brush xml:id="br0">
+      <inkml:brushProperty name="width" value="0.05292" units="cm"/>
+      <inkml:brushProperty name="height" value="0.05292" units="cm"/>
+      <inkml:brushProperty name="color" value="#FF0000"/>
+    </inkml:brush>
+  </inkml:definitions>
+  <inkml:trace contextRef="#ctx0" brushRef="#br0">8652 5871 56 0,'3'-3'29'0,"0"3"-23"0,3 3-7 0,-3-3-51 0,0 3 41 15,3-3-5-15</inkml:trace>
+  <inkml:trace contextRef="#ctx0" brushRef="#br0" timeOffset="1683.089">12334 5821 136 0,'0'8'62'0,"3"0"-49"0,33 2-16 0,-27-4 7 0,3 2-4 16,6-1 2-16,3 4-1 15,-1 2-1-15,4-2 1 16,-3-1-7-16,0 1 5 0,0 0 3 15,-3-1-2-15,-4 1 14 16,-2-1-10-16,0-2 20 16,-3 0-18-16,0-5 47 15,3-6-40-15,9-18 50 16,23-13-47-16,16-17-3 16,8-12-8-16,4-16-91 15,17 4 68-15,1-1-201 16</inkml:trace>
+  <inkml:trace contextRef="#ctx0" brushRef="#br0" timeOffset="21016.5424">11626 5958 116 0,'-3'8'55'0,"3"-5"-43"0,3 0-15 0,-6-6 4 16,0 3-2-1,0-11-5-15,-9-2-20 16,-6 0 19-16,3 0 3 16,-3 2 3-16,1 3 3 15,-4 6-1-15,-3 4 11 16,-6 14-10-16,0 8 3 16,-5 13-4-16,-4 11-9 15,-6 2 6-15,1-3 1 0,8-4 1 16,9-1 2-16,6-7-1 15,9-14-3-15,21-3 1 16,9-12 20-16,9-6-15 16,6-3 13-16,2-2-12 15,-2-3-3-15,0 5-1 16,-3 3 7-16,-6 5-6 16,-7 6 30-16,-5 10-25 15,-6 8 31-15,-6 6-29 16,-6-1 41-16,0-2-38 0,0-1 8 15,3-1-13-15,6-7-11 16,6-9 4-16,9-6-1 16,24-3 1-16,8 3-3 15,4 0 2-15,-3 5 4 16,-7 0-3-16,-5 6 0 0,-12 7 1 16,-9 16 13-1,-9 14-11-15,-15 13 10 0,-9 0-10 16,-3-3 55-16,0-11-45 15,12-12-33-15,21-22 18 16,12-21-212 0,32-29 167-16,-2-14-87 15</inkml:trace>
+  <inkml:trace contextRef="#ctx0" brushRef="#br0" timeOffset="22231.6538">14257 6048 168 0,'-6'-8'78'0,"3"6"-61"0,0 2-21 16,3 0 28-16,0-3-20 15,3-2 5-15,3 0-7 16,3-3-1-16,6 0 0 16,15 0-7-16,5 0 5 0,4 3 3 15,0 2-2-15,-6 0 6 16,-4 6-5-16,-8 2 9 16,-9 8-8-16,-9 11 5 0,-9 8-6 15,-12 2 6-15,-14 9-6 16,-1-1-5-16,3 0 3 15,6-5-3-15,12-2 3 16,6-11-10-16,24-9 8 16,15-4 1-16,15-6 2 15,-1-5-3-15,1 6 2 16,2-4 4-16,-2 6-3 16,-9 11 12-16,-24 13-10 15,-12 18 89-15,-12 13-71 16,-6 22 63-16,-9 8-61 15,-3-6 16-15,3-8-27 0,12-2-49 16,15-8 31-16,12-6-293 16</inkml:trace>
+  <inkml:trace contextRef="#ctx0" brushRef="#br0" timeOffset="37413.0129">19612 11914 96 0,'15'-5'46'0,"-15"5"-37"0,0 0-11 15,0 0 10-15,0 0-7 16,0 0 20-16,0 3-17 15,0 2 2-15,0 0-4 16,0 0 12-16,0 1-10 16,0-6 42-16,0 0-35 0,0 0 15 15,0 0-19-15,0 0 7 0,0 0-10 16,6 0 3-16,0 0-5 16,-3 0 2-16,0 0-3 15,0 2 5-15,-9 1-5 16,0 2 6-16,-6 1-6 15,3 2 0-15,-3-1 0 16,0 7 1-16,0-6-1 16,0 0 2-16,3 2-2 15,0 3 8-15,1 1-7 16,-1-1 2-16,0 0-3 0,0 0 8 16,0 1-7-16,0 1 2 15,-3 7-3-15,0 1-1 16,0 1 1-16,-3 8 1 15,0 0-1-15,1-1 11 16,2 1-10-16,3 0 5 16,3 0-5-16,6-3 2 15,3 0-3-15,3-3-1 16,3 1 1-16,3-1 10 16,-1-2-9-16,1 0 5 15,-3 5-5-15,0 5 19 16,0-4-17-16,0-1 16 15,0 0-15-15,0 0 17 16,0 5-17-16,0 1 21 16,-3-1-20-16,3-2-9 15,0-3 4-15,0-5-2 16,-1-3 1-16,4-8-65 0,9-16 51 16,0-18-311-1</inkml:trace>
+  <inkml:trace contextRef="#ctx0" brushRef="#br0" timeOffset="38595.9409">23190 12025 96 0,'-12'14'46'0,"6"-1"-37"0,3-5-11 0,3-8-49 15,-3 2 40 1,-3-10 82 15,-3 6-58-31,-3-1 48 16,0 3-44-16,0-3 4 16,1 6-14-16,-1 0-11 15,0 2 4-15,0-2 16 0,3-1-13 16,0 1 44-16,0 0-36 15,0-1 21-15,3 1-24 0,0 0 13 16,3-1-16-16,0 4-3 16,3 1 0-16,0 1 3 15,6 0-4-15,0 3 20 16,3 2-17-16,0 8 8 16,3-2-9-16,0 13 9 15,0 2-9-15,-3 0 10 16,-3-2-10-16,0 8 24 15,-1 2-21-15,-2 0 15 16,0 1-16-16,0 2 28 16,0 0-25-16,-3-6 13 15,3-4-15-15,0-6 8 16,0-5-11-16,0-3-4 16,0-3 1-16,0-2 3 0,0 0-3 15,0 0-42-15,0 8 34 16,0 0-94-16,0 2 79 15,0 1-170-15,3 2 148 16,0-5-112 0</inkml:trace>
+  <inkml:trace contextRef="#ctx0" brushRef="#br0" timeOffset="41748.8413">12635 13875 268 0,'-12'5'121'0,"12"-10"-95"0,9-8-33 0,-3 2-5 16,9-10 8-16,12-22-44 15,14-4 37-15,1 2-18 16,3-5 21-16,-7 5-3 0,1 5 7 15,-6 11 40-15,-4 8-29 16,1 7 43-16,0 6-38 16,15 14-3-16,2 4-5 15,7-2-76-15,11-8 56 16</inkml:trace>
+  <inkml:trace contextRef="#ctx0" brushRef="#br0" timeOffset="42769.1507">15647 13740 220 0,'-9'8'101'0,"6"-3"-79"0,9 6-28 15,-3-6 35-15,6 3-24 16,6 0 4-16,9 0-7 0,12-3-4 16,2-2 2-1,22-3 3-15,11 0-3 0,13-3-106 0,8 3 83 16,15 0-151 0</inkml:trace>
+  <inkml:trace contextRef="#ctx0" brushRef="#br0" timeOffset="43161.2803">19835 13817 460 0,'9'2'207'0,"-6"1"-163"0,15-3-56 0,-6 2-20 16,21 4 22-16,32 4-254 15</inkml:trace>
+</inkml:ink>
+</file>
+
+<file path=ppt/ink/ink3.xml><?xml version="1.0" encoding="utf-8"?>
+<inkml:ink xmlns:inkml="http://www.w3.org/2003/InkML">
+  <inkml:definitions>
+    <inkml:context xml:id="ctx0">
+      <inkml:inkSource xml:id="inkSrc0">
+        <inkml:traceFormat>
+          <inkml:channel name="X" type="integer" max="9600" units="cm"/>
+          <inkml:channel name="Y" type="integer" max="7200" units="cm"/>
+          <inkml:channel name="F" type="integer" max="1024" units="dev"/>
+          <inkml:channel name="T" type="integer" max="2.14748E9" units="dev"/>
+        </inkml:traceFormat>
+        <inkml:channelProperties>
+          <inkml:channelProperty channel="X" name="resolution" value="336.48792" units="1/cm"/>
+          <inkml:channelProperty channel="Y" name="resolution" value="378.54889" units="1/cm"/>
+          <inkml:channelProperty channel="F" name="resolution" value="0" units="1/dev"/>
+          <inkml:channelProperty channel="T" name="resolution" value="1" units="1/dev"/>
+        </inkml:channelProperties>
+      </inkml:inkSource>
+      <inkml:timestamp xml:id="ts0" timeString="2016-07-13T10:51:48.692"/>
+    </inkml:context>
+    <inkml:brush xml:id="br0">
+      <inkml:brushProperty name="width" value="0.05292" units="cm"/>
+      <inkml:brushProperty name="height" value="0.05292" units="cm"/>
+      <inkml:brushProperty name="color" value="#FF0000"/>
+    </inkml:brush>
+  </inkml:definitions>
+  <inkml:trace contextRef="#ctx0" brushRef="#br0">2705 3794 112 0,'-18'3'52'0,"3"2"-41"15,6-2-14-15,6-1 9 0,3-2-5 16,-2 0 27-16,2 0-21 15,-3-2 33-15,-3-1-30 16,3 0 34-16,3-2-33 16,0 0 14-16,0 0-18 0,0 2 2 15,0 0-7-15,0 1 8 16,0-1-8-16,0 3 10 16,3-3-9-16,-3 1 2 15,0-1-4-15,0-2 8 16,0-1-7-16,0-9 10 15,0 4-9 1,0 0-1-16,9 3-4 0,-1 1 1 16,7 1 1-16,3 4 0 15,6 2 2-15,6 2-1 16,0 4-6-16,-1-4 4 16,1 9 0-16,0-3 1 15,0-3 0-15,-1 0 0 16,13-5 5-16,3-5-4 15,-1 0 11-15,4-3-9 16,0-3 10-16,-4-2-10 16,1-3-1-16,0 3-1 15,5 0-4-15,-2 5 2 0,-1 5-5 16,-2 3 5 0,-3 5 3-16,-4 3-2 0,-2 0 0 15,-3-3 1-15,-3 1 4 16,2-4-4-16,-5-2 0 15,0 0 0-15,9-2 4 16,-4-1-4-16,-2-5-106 16,-3 0 82-16,-12 0-207 15</inkml:trace>
+  <inkml:trace contextRef="#ctx0" brushRef="#br0" timeOffset="3378.4172">1869 5382 4 0,'3'0'-1'0</inkml:trace>
+  <inkml:trace contextRef="#ctx0" brushRef="#br0" timeOffset="3618.1449">2035 5257 88 0,'21'-16'39'0,"-12"14"-31"0,3-4-10 15,-6 6 38-15,3 0-29 16,0 0 12-16,0 3-13 16,0 2 10-16,6-2-12 15,-6 0 6-15,2 2-7 16,4-2-2-16,0-1 0 0,9 1-1 16,3 0 0-16,-6-1 5 15,2-2-4-15,-2 3 6 0,0 0-6 16,0-1 6-16,-9 1-6 15,3-1 0-15,0-2 0 16,0 0-1-16,-1-2 0 16,4-6-180-1</inkml:trace>
+  <inkml:trace contextRef="#ctx0" brushRef="#br0" timeOffset="7326.0409">5217 6527 136 0,'-9'0'62'16,"9"6"-49"-16,0-9-16 0,0 3-44 0,0-3 36 15,0 1-15-15,0-4 18 16,0 1 8-16,0-3-1 16,0 0 32-16,0 3-24 15,0 2 6-15,0 1-9 16,0 2 3-16,0 5-6 16,-3 0 34-16,0 0-28 15,0 3 37-15,3-2-33 16,0-1 6-16,0-5-12 15,0 3 11-15,3-3-12 0,0-3 0 16,0-5-2-16,0-3-2 16,0 1 1-16,3-3-1 15,0 2 0-15,-3 0 8 16,0 1-6-16,3 2-4 0,0 3 2 16,-3 2 3-16,3 3-3 15,0 0 6-15,3 3-5 16,0-1 6-16,0-2-6 15,3 0 0-15,3 0 0 16,-3-2 1-16,-1-1-1 16,4 0 2-16,0 1-2 15,0-1-6-15,3 0 4 16,9-2 8-16,-1 0-5 16,4 2 13-16,0 1-11 0,0-1-2 15,0 3-1-15,-1 0-1 16,-2 3 0-16,-3 2 2 15,0 0-1-15,-3 3-1 16,-4-3 1-16,-2 1 4 16,0-1-4-16,-3 0 0 15,0-2 0-15,0-3-4 16,-3-3 2-16,0 1 12 16,0-4-9-16,0 1 17 15,3 0-15-15,-7-1 4 16,1 1-6-16,-3 0 2 15,0 2-3-15,-3 1-1 16,0-1 1-16,-3 0 1 16,-3 3-1-16,1 0 2 15,-7 0-2-15,3 0-6 16,-3-2 4-16,-3-1 6 0,0-2-5 16,-3-1-2-16,0 1 2 15,-3 0 3-15,-2-3-3 16,-1-3 0-16,0 3 1 15,-3 0-4-15,-3 3 2 16,4 2 1-16,2 6 0 16,0 8-6-16,3-1 5 15,0 4 3-15,4-4-2 16,2 1 3-16,0-1-2 16,3-2-3-16,3 0 1 15,-3-3 4-15,3-2-3 0,3-3 6 16,0 0-5-16,0 0-3 15,3 0 2-15,0 0 5 16,-3 0-12 0,6 0 6-16,-6 0 6 15,6 0-5-15,-3 0 1 16,3 0 0-16,-3-3 1 16,3 1-1-16,0-3-9 15,-3-1 6-15,3-2-125 16,0 0 100-16</inkml:trace>
+  <inkml:trace contextRef="#ctx0" brushRef="#br0" timeOffset="13921.7451">8596 5681 140 0,'-9'-3'65'0,"0"14"-51"0,3 10-17 15,3-11 63-15,-3 9-48 16,3 2 12-16,0 0-16 15,6-2 20-15,0-3-22 16,6-6 68-16,6-7-57 0,15-9-2 16,14-4-9-16,10-9-24 15,8-4 14-15,1-1-100 16,8 5 81-16,-5 6-193 16</inkml:trace>
+</inkml:ink>
 </file>
 
 <file path=ppt/notesMasters/notesMaster1.xml><?xml version="1.0" encoding="utf-8"?>
@@ -10403,7 +10516,7 @@
             <a:pPr marL="0" indent="0" defTabSz="914400"/>
             <a:r>
               <a:rPr lang="en-US" dirty="0"/>
-              <a:t>The Dragons in JavaScript</a:t>
+              <a:t>The New Dragons in JavaScript</a:t>
             </a:r>
             <a:br>
               <a:rPr lang="en-US" dirty="0"/>
@@ -10470,12 +10583,12 @@
   </p:clrMapOvr>
   <mc:AlternateContent xmlns:mc="http://schemas.openxmlformats.org/markup-compatibility/2006" xmlns:p14="http://schemas.microsoft.com/office/powerpoint/2010/main">
     <mc:Choice Requires="p14">
-      <p:transition spd="slow" p14:dur="1500">
-        <p14:reveal/>
+      <p:transition spd="med" p14:dur="700">
+        <p:fade/>
       </p:transition>
     </mc:Choice>
     <mc:Fallback xmlns="">
-      <p:transition spd="slow">
+      <p:transition spd="med">
         <p:fade/>
       </p:transition>
     </mc:Fallback>
@@ -10577,12 +10690,12 @@
   </p:clrMapOvr>
   <mc:AlternateContent xmlns:mc="http://schemas.openxmlformats.org/markup-compatibility/2006" xmlns:p14="http://schemas.microsoft.com/office/powerpoint/2010/main">
     <mc:Choice Requires="p14">
-      <p:transition spd="slow" p14:dur="1500">
-        <p14:reveal/>
+      <p:transition spd="med" p14:dur="700">
+        <p:fade/>
       </p:transition>
     </mc:Choice>
     <mc:Fallback xmlns="">
-      <p:transition spd="slow">
+      <p:transition spd="med">
         <p:fade/>
       </p:transition>
     </mc:Fallback>
@@ -10832,12 +10945,12 @@
   </p:clrMapOvr>
   <mc:AlternateContent xmlns:mc="http://schemas.openxmlformats.org/markup-compatibility/2006" xmlns:p14="http://schemas.microsoft.com/office/powerpoint/2010/main">
     <mc:Choice Requires="p14">
-      <p:transition spd="slow" p14:dur="1500">
-        <p14:reveal/>
+      <p:transition spd="med" p14:dur="700">
+        <p:fade/>
       </p:transition>
     </mc:Choice>
     <mc:Fallback xmlns="">
-      <p:transition spd="slow">
+      <p:transition spd="med">
         <p:fade/>
       </p:transition>
     </mc:Fallback>
@@ -10939,12 +11052,12 @@
   </p:clrMapOvr>
   <mc:AlternateContent xmlns:mc="http://schemas.openxmlformats.org/markup-compatibility/2006" xmlns:p14="http://schemas.microsoft.com/office/powerpoint/2010/main">
     <mc:Choice Requires="p14">
-      <p:transition spd="slow" p14:dur="1500">
-        <p14:reveal/>
+      <p:transition spd="med" p14:dur="700">
+        <p:fade/>
       </p:transition>
     </mc:Choice>
     <mc:Fallback xmlns="">
-      <p:transition spd="slow">
+      <p:transition spd="med">
         <p:fade/>
       </p:transition>
     </mc:Fallback>
@@ -11051,12 +11164,12 @@
   </p:clrMapOvr>
   <mc:AlternateContent xmlns:mc="http://schemas.openxmlformats.org/markup-compatibility/2006" xmlns:p14="http://schemas.microsoft.com/office/powerpoint/2010/main">
     <mc:Choice Requires="p14">
-      <p:transition spd="slow" p14:dur="1500">
-        <p14:reveal/>
+      <p:transition spd="med" p14:dur="700">
+        <p:fade/>
       </p:transition>
     </mc:Choice>
     <mc:Fallback xmlns="">
-      <p:transition spd="slow">
+      <p:transition spd="med">
         <p:fade/>
       </p:transition>
     </mc:Fallback>
@@ -11445,12 +11558,12 @@
   </p:clrMapOvr>
   <mc:AlternateContent xmlns:mc="http://schemas.openxmlformats.org/markup-compatibility/2006" xmlns:p14="http://schemas.microsoft.com/office/powerpoint/2010/main">
     <mc:Choice Requires="p14">
-      <p:transition spd="slow" p14:dur="1500">
-        <p14:reveal/>
+      <p:transition spd="med" p14:dur="700">
+        <p:fade/>
       </p:transition>
     </mc:Choice>
     <mc:Fallback xmlns="">
-      <p:transition spd="slow">
+      <p:transition spd="med">
         <p:fade/>
       </p:transition>
     </mc:Fallback>
@@ -11557,12 +11670,12 @@
   </p:clrMapOvr>
   <mc:AlternateContent xmlns:mc="http://schemas.openxmlformats.org/markup-compatibility/2006" xmlns:p14="http://schemas.microsoft.com/office/powerpoint/2010/main">
     <mc:Choice Requires="p14">
-      <p:transition spd="slow" p14:dur="1500">
-        <p14:reveal/>
+      <p:transition spd="med" p14:dur="700">
+        <p:fade/>
       </p:transition>
     </mc:Choice>
     <mc:Fallback xmlns="">
-      <p:transition spd="slow">
+      <p:transition spd="med">
         <p:fade/>
       </p:transition>
     </mc:Fallback>
@@ -11771,12 +11884,12 @@
   </p:clrMapOvr>
   <mc:AlternateContent xmlns:mc="http://schemas.openxmlformats.org/markup-compatibility/2006" xmlns:p14="http://schemas.microsoft.com/office/powerpoint/2010/main">
     <mc:Choice Requires="p14">
-      <p:transition spd="slow" p14:dur="1500">
-        <p14:reveal/>
+      <p:transition spd="med" p14:dur="700">
+        <p:fade/>
       </p:transition>
     </mc:Choice>
     <mc:Fallback xmlns="">
-      <p:transition spd="slow">
+      <p:transition spd="med">
         <p:fade/>
       </p:transition>
     </mc:Fallback>
@@ -12014,12 +12127,12 @@
   </p:clrMapOvr>
   <mc:AlternateContent xmlns:mc="http://schemas.openxmlformats.org/markup-compatibility/2006" xmlns:p14="http://schemas.microsoft.com/office/powerpoint/2010/main">
     <mc:Choice Requires="p14">
-      <p:transition spd="slow" p14:dur="1500">
-        <p14:reveal/>
+      <p:transition spd="med" p14:dur="700">
+        <p:fade/>
       </p:transition>
     </mc:Choice>
     <mc:Fallback xmlns="">
-      <p:transition spd="slow">
+      <p:transition spd="med">
         <p:fade/>
       </p:transition>
     </mc:Fallback>
@@ -12630,12 +12743,12 @@
   </p:clrMapOvr>
   <mc:AlternateContent xmlns:mc="http://schemas.openxmlformats.org/markup-compatibility/2006" xmlns:p14="http://schemas.microsoft.com/office/powerpoint/2010/main">
     <mc:Choice Requires="p14">
-      <p:transition spd="slow" p14:dur="1500">
-        <p14:reveal/>
+      <p:transition spd="med" p14:dur="700">
+        <p:fade/>
       </p:transition>
     </mc:Choice>
     <mc:Fallback xmlns="">
-      <p:transition spd="slow">
+      <p:transition spd="med">
         <p:fade/>
       </p:transition>
     </mc:Fallback>
@@ -12770,12 +12883,12 @@
   </p:clrMapOvr>
   <mc:AlternateContent xmlns:mc="http://schemas.openxmlformats.org/markup-compatibility/2006" xmlns:p14="http://schemas.microsoft.com/office/powerpoint/2010/main">
     <mc:Choice Requires="p14">
-      <p:transition spd="slow" p14:dur="1500">
-        <p14:reveal/>
+      <p:transition spd="med" p14:dur="700">
+        <p:fade/>
       </p:transition>
     </mc:Choice>
     <mc:Fallback xmlns="">
-      <p:transition spd="slow">
+      <p:transition spd="med">
         <p:fade/>
       </p:transition>
     </mc:Fallback>
@@ -13027,12 +13140,12 @@
   </p:clrMapOvr>
   <mc:AlternateContent xmlns:mc="http://schemas.openxmlformats.org/markup-compatibility/2006" xmlns:p14="http://schemas.microsoft.com/office/powerpoint/2010/main">
     <mc:Choice Requires="p14">
-      <p:transition spd="slow" p14:dur="1500">
-        <p14:reveal/>
+      <p:transition spd="med" p14:dur="700">
+        <p:fade/>
       </p:transition>
     </mc:Choice>
     <mc:Fallback xmlns="">
-      <p:transition spd="slow">
+      <p:transition spd="med">
         <p:fade/>
       </p:transition>
     </mc:Fallback>
@@ -13457,12 +13570,12 @@
   </p:clrMapOvr>
   <mc:AlternateContent xmlns:mc="http://schemas.openxmlformats.org/markup-compatibility/2006" xmlns:p14="http://schemas.microsoft.com/office/powerpoint/2010/main">
     <mc:Choice Requires="p14">
-      <p:transition spd="slow" p14:dur="1500">
-        <p14:reveal/>
+      <p:transition spd="med" p14:dur="700">
+        <p:fade/>
       </p:transition>
     </mc:Choice>
     <mc:Fallback xmlns="">
-      <p:transition spd="slow">
+      <p:transition spd="med">
         <p:fade/>
       </p:transition>
     </mc:Fallback>
@@ -13617,12 +13730,12 @@
   </p:clrMapOvr>
   <mc:AlternateContent xmlns:mc="http://schemas.openxmlformats.org/markup-compatibility/2006" xmlns:p14="http://schemas.microsoft.com/office/powerpoint/2010/main">
     <mc:Choice Requires="p14">
-      <p:transition spd="slow" p14:dur="1500">
-        <p14:reveal/>
+      <p:transition spd="med" p14:dur="700">
+        <p:fade/>
       </p:transition>
     </mc:Choice>
     <mc:Fallback xmlns="">
-      <p:transition spd="slow">
+      <p:transition spd="med">
         <p:fade/>
       </p:transition>
     </mc:Fallback>
@@ -13961,12 +14074,12 @@
   </p:clrMapOvr>
   <mc:AlternateContent xmlns:mc="http://schemas.openxmlformats.org/markup-compatibility/2006" xmlns:p14="http://schemas.microsoft.com/office/powerpoint/2010/main">
     <mc:Choice Requires="p14">
-      <p:transition spd="slow" p14:dur="1500">
-        <p14:reveal/>
+      <p:transition spd="med" p14:dur="700">
+        <p:fade/>
       </p:transition>
     </mc:Choice>
     <mc:Fallback xmlns="">
-      <p:transition spd="slow">
+      <p:transition spd="med">
         <p:fade/>
       </p:transition>
     </mc:Fallback>
@@ -14240,12 +14353,12 @@
   </p:clrMapOvr>
   <mc:AlternateContent xmlns:mc="http://schemas.openxmlformats.org/markup-compatibility/2006" xmlns:p14="http://schemas.microsoft.com/office/powerpoint/2010/main">
     <mc:Choice Requires="p14">
-      <p:transition spd="slow" p14:dur="1500">
-        <p14:reveal/>
+      <p:transition spd="med" p14:dur="700">
+        <p:fade/>
       </p:transition>
     </mc:Choice>
     <mc:Fallback xmlns="">
-      <p:transition spd="slow">
+      <p:transition spd="med">
         <p:fade/>
       </p:transition>
     </mc:Fallback>
@@ -14862,12 +14975,12 @@
   </p:clrMapOvr>
   <mc:AlternateContent xmlns:mc="http://schemas.openxmlformats.org/markup-compatibility/2006" xmlns:p14="http://schemas.microsoft.com/office/powerpoint/2010/main">
     <mc:Choice Requires="p14">
-      <p:transition spd="slow" p14:dur="1500">
-        <p14:reveal/>
+      <p:transition spd="med" p14:dur="700">
+        <p:fade/>
       </p:transition>
     </mc:Choice>
     <mc:Fallback xmlns="">
-      <p:transition spd="slow">
+      <p:transition spd="med">
         <p:fade/>
       </p:transition>
     </mc:Fallback>
@@ -14982,12 +15095,12 @@
   </p:clrMapOvr>
   <mc:AlternateContent xmlns:mc="http://schemas.openxmlformats.org/markup-compatibility/2006" xmlns:p14="http://schemas.microsoft.com/office/powerpoint/2010/main">
     <mc:Choice Requires="p14">
-      <p:transition spd="slow" p14:dur="1500">
-        <p14:reveal/>
+      <p:transition spd="med" p14:dur="700">
+        <p:fade/>
       </p:transition>
     </mc:Choice>
     <mc:Fallback xmlns="">
-      <p:transition spd="slow">
+      <p:transition spd="med">
         <p:fade/>
       </p:transition>
     </mc:Fallback>
@@ -15196,12 +15309,12 @@
   </p:clrMapOvr>
   <mc:AlternateContent xmlns:mc="http://schemas.openxmlformats.org/markup-compatibility/2006" xmlns:p14="http://schemas.microsoft.com/office/powerpoint/2010/main">
     <mc:Choice Requires="p14">
-      <p:transition spd="slow" p14:dur="1500">
-        <p14:reveal/>
+      <p:transition spd="med" p14:dur="700">
+        <p:fade/>
       </p:transition>
     </mc:Choice>
     <mc:Fallback xmlns="">
-      <p:transition spd="slow">
+      <p:transition spd="med">
         <p:fade/>
       </p:transition>
     </mc:Fallback>
@@ -15386,12 +15499,12 @@
   </p:clrMapOvr>
   <mc:AlternateContent xmlns:mc="http://schemas.openxmlformats.org/markup-compatibility/2006" xmlns:p14="http://schemas.microsoft.com/office/powerpoint/2010/main">
     <mc:Choice Requires="p14">
-      <p:transition spd="slow" p14:dur="1500">
-        <p14:reveal/>
+      <p:transition spd="med" p14:dur="700">
+        <p:fade/>
       </p:transition>
     </mc:Choice>
     <mc:Fallback xmlns="">
-      <p:transition spd="slow">
+      <p:transition spd="med">
         <p:fade/>
       </p:transition>
     </mc:Fallback>
@@ -15517,12 +15630,12 @@
   </p:clrMapOvr>
   <mc:AlternateContent xmlns:mc="http://schemas.openxmlformats.org/markup-compatibility/2006" xmlns:p14="http://schemas.microsoft.com/office/powerpoint/2010/main">
     <mc:Choice Requires="p14">
-      <p:transition spd="slow" p14:dur="1500">
-        <p14:reveal/>
+      <p:transition spd="med" p14:dur="700">
+        <p:fade/>
       </p:transition>
     </mc:Choice>
     <mc:Fallback xmlns="">
-      <p:transition spd="slow">
+      <p:transition spd="med">
         <p:fade/>
       </p:transition>
     </mc:Fallback>
@@ -15707,12 +15820,12 @@
   </p:clrMapOvr>
   <mc:AlternateContent xmlns:mc="http://schemas.openxmlformats.org/markup-compatibility/2006" xmlns:p14="http://schemas.microsoft.com/office/powerpoint/2010/main">
     <mc:Choice Requires="p14">
-      <p:transition spd="slow" p14:dur="1500">
-        <p14:reveal/>
+      <p:transition spd="med" p14:dur="700">
+        <p:fade/>
       </p:transition>
     </mc:Choice>
     <mc:Fallback xmlns="">
-      <p:transition spd="slow">
+      <p:transition spd="med">
         <p:fade/>
       </p:transition>
     </mc:Fallback>
@@ -15894,12 +16007,12 @@
   </p:clrMapOvr>
   <mc:AlternateContent xmlns:mc="http://schemas.openxmlformats.org/markup-compatibility/2006" xmlns:p14="http://schemas.microsoft.com/office/powerpoint/2010/main">
     <mc:Choice Requires="p14">
-      <p:transition spd="slow" p14:dur="1500">
-        <p14:reveal/>
+      <p:transition spd="med" p14:dur="700">
+        <p:fade/>
       </p:transition>
     </mc:Choice>
     <mc:Fallback xmlns="">
-      <p:transition spd="slow">
+      <p:transition spd="med">
         <p:fade/>
       </p:transition>
     </mc:Fallback>
@@ -15956,7 +16069,12 @@
             <p:ph type="body" idx="1"/>
           </p:nvPr>
         </p:nvSpPr>
-        <p:spPr/>
+        <p:spPr>
+          <a:xfrm>
+            <a:off x="533400" y="1447800"/>
+            <a:ext cx="8229600" cy="4495800"/>
+          </a:xfrm>
+        </p:spPr>
         <p:txBody>
           <a:bodyPr/>
           <a:lstStyle/>
@@ -16005,7 +16123,7 @@
         </p:blipFill>
         <p:spPr>
           <a:xfrm>
-            <a:off x="3581400" y="2927627"/>
+            <a:off x="4267200" y="3124200"/>
             <a:ext cx="4757737" cy="3168373"/>
           </a:xfrm>
           <a:prstGeom prst="rect">
@@ -16025,16 +16143,99 @@
   </p:clrMapOvr>
   <mc:AlternateContent xmlns:mc="http://schemas.openxmlformats.org/markup-compatibility/2006" xmlns:p14="http://schemas.microsoft.com/office/powerpoint/2010/main">
     <mc:Choice Requires="p14">
-      <p:transition spd="slow" p14:dur="1500">
-        <p14:reveal/>
+      <p:transition spd="med" p14:dur="700">
+        <p:fade/>
       </p:transition>
     </mc:Choice>
     <mc:Fallback xmlns="">
-      <p:transition spd="slow">
+      <p:transition spd="med">
         <p:fade/>
       </p:transition>
     </mc:Fallback>
   </mc:AlternateContent>
+  <p:timing>
+    <p:tnLst>
+      <p:par>
+        <p:cTn id="1" dur="indefinite" restart="never" nodeType="tmRoot">
+          <p:childTnLst>
+            <p:seq concurrent="1" nextAc="seek">
+              <p:cTn id="2" dur="indefinite" nodeType="mainSeq">
+                <p:childTnLst>
+                  <p:par>
+                    <p:cTn id="3" fill="hold">
+                      <p:stCondLst>
+                        <p:cond delay="indefinite"/>
+                      </p:stCondLst>
+                      <p:childTnLst>
+                        <p:par>
+                          <p:cTn id="4" fill="hold">
+                            <p:stCondLst>
+                              <p:cond delay="0"/>
+                            </p:stCondLst>
+                            <p:childTnLst>
+                              <p:par>
+                                <p:cTn id="5" presetID="10" presetClass="entr" presetSubtype="0" fill="hold" nodeType="clickEffect">
+                                  <p:stCondLst>
+                                    <p:cond delay="0"/>
+                                  </p:stCondLst>
+                                  <p:childTnLst>
+                                    <p:set>
+                                      <p:cBhvr>
+                                        <p:cTn id="6" dur="1" fill="hold">
+                                          <p:stCondLst>
+                                            <p:cond delay="0"/>
+                                          </p:stCondLst>
+                                        </p:cTn>
+                                        <p:tgtEl>
+                                          <p:spTgt spid="5"/>
+                                        </p:tgtEl>
+                                        <p:attrNameLst>
+                                          <p:attrName>style.visibility</p:attrName>
+                                        </p:attrNameLst>
+                                      </p:cBhvr>
+                                      <p:to>
+                                        <p:strVal val="visible"/>
+                                      </p:to>
+                                    </p:set>
+                                    <p:animEffect transition="in" filter="fade">
+                                      <p:cBhvr>
+                                        <p:cTn id="7" dur="500"/>
+                                        <p:tgtEl>
+                                          <p:spTgt spid="5"/>
+                                        </p:tgtEl>
+                                      </p:cBhvr>
+                                    </p:animEffect>
+                                  </p:childTnLst>
+                                </p:cTn>
+                              </p:par>
+                            </p:childTnLst>
+                          </p:cTn>
+                        </p:par>
+                      </p:childTnLst>
+                    </p:cTn>
+                  </p:par>
+                </p:childTnLst>
+              </p:cTn>
+              <p:prevCondLst>
+                <p:cond evt="onPrev" delay="0">
+                  <p:tgtEl>
+                    <p:sldTgt/>
+                  </p:tgtEl>
+                </p:cond>
+              </p:prevCondLst>
+              <p:nextCondLst>
+                <p:cond evt="onNext" delay="0">
+                  <p:tgtEl>
+                    <p:sldTgt/>
+                  </p:tgtEl>
+                </p:cond>
+              </p:nextCondLst>
+            </p:seq>
+          </p:childTnLst>
+        </p:cTn>
+      </p:par>
+    </p:tnLst>
+  </p:timing>
 </p:sld>
 </file>
 
@@ -16567,12 +16768,12 @@
   </p:clrMapOvr>
   <mc:AlternateContent xmlns:mc="http://schemas.openxmlformats.org/markup-compatibility/2006" xmlns:p14="http://schemas.microsoft.com/office/powerpoint/2010/main">
     <mc:Choice Requires="p14">
-      <p:transition spd="slow" p14:dur="1500">
-        <p14:reveal/>
+      <p:transition spd="med" p14:dur="700">
+        <p:fade/>
       </p:transition>
     </mc:Choice>
     <mc:Fallback xmlns="">
-      <p:transition spd="slow">
+      <p:transition spd="med">
         <p:fade/>
       </p:transition>
     </mc:Fallback>
@@ -16747,12 +16948,12 @@
   </p:clrMapOvr>
   <mc:AlternateContent xmlns:mc="http://schemas.openxmlformats.org/markup-compatibility/2006" xmlns:p14="http://schemas.microsoft.com/office/powerpoint/2010/main">
     <mc:Choice Requires="p14">
-      <p:transition spd="slow" p14:dur="1500">
-        <p14:reveal/>
+      <p:transition spd="med" p14:dur="700">
+        <p:fade/>
       </p:transition>
     </mc:Choice>
     <mc:Fallback xmlns="">
-      <p:transition spd="slow">
+      <p:transition spd="med">
         <p:fade/>
       </p:transition>
     </mc:Fallback>
@@ -16835,12 +17036,12 @@
   </p:clrMapOvr>
   <mc:AlternateContent xmlns:mc="http://schemas.openxmlformats.org/markup-compatibility/2006" xmlns:p14="http://schemas.microsoft.com/office/powerpoint/2010/main">
     <mc:Choice Requires="p14">
-      <p:transition spd="slow" p14:dur="1500">
-        <p14:reveal/>
+      <p:transition spd="med" p14:dur="700">
+        <p:fade/>
       </p:transition>
     </mc:Choice>
     <mc:Fallback xmlns="">
-      <p:transition spd="slow">
+      <p:transition spd="med">
         <p:fade/>
       </p:transition>
     </mc:Fallback>
@@ -16966,16 +17167,99 @@
   </p:clrMapOvr>
   <mc:AlternateContent xmlns:mc="http://schemas.openxmlformats.org/markup-compatibility/2006" xmlns:p14="http://schemas.microsoft.com/office/powerpoint/2010/main">
     <mc:Choice Requires="p14">
-      <p:transition spd="slow" p14:dur="1500">
-        <p14:reveal/>
+      <p:transition spd="med" p14:dur="700">
+        <p:fade/>
       </p:transition>
     </mc:Choice>
     <mc:Fallback xmlns="">
-      <p:transition spd="slow">
+      <p:transition spd="med">
         <p:fade/>
       </p:transition>
     </mc:Fallback>
   </mc:AlternateContent>
+  <p:timing>
+    <p:tnLst>
+      <p:par>
+        <p:cTn id="1" dur="indefinite" restart="never" nodeType="tmRoot">
+          <p:childTnLst>
+            <p:seq concurrent="1" nextAc="seek">
+              <p:cTn id="2" dur="indefinite" nodeType="mainSeq">
+                <p:childTnLst>
+                  <p:par>
+                    <p:cTn id="3" fill="hold">
+                      <p:stCondLst>
+                        <p:cond delay="indefinite"/>
+                      </p:stCondLst>
+                      <p:childTnLst>
+                        <p:par>
+                          <p:cTn id="4" fill="hold">
+                            <p:stCondLst>
+                              <p:cond delay="0"/>
+                            </p:stCondLst>
+                            <p:childTnLst>
+                              <p:par>
+                                <p:cTn id="5" presetID="10" presetClass="entr" presetSubtype="0" fill="hold" nodeType="clickEffect">
+                                  <p:stCondLst>
+                                    <p:cond delay="0"/>
+                                  </p:stCondLst>
+                                  <p:childTnLst>
+                                    <p:set>
+                                      <p:cBhvr>
+                                        <p:cTn id="6" dur="1" fill="hold">
+                                          <p:stCondLst>
+                                            <p:cond delay="0"/>
+                                          </p:stCondLst>
+                                        </p:cTn>
+                                        <p:tgtEl>
+                                          <p:spTgt spid="5"/>
+                                        </p:tgtEl>
+                                        <p:attrNameLst>
+                                          <p:attrName>style.visibility</p:attrName>
+                                        </p:attrNameLst>
+                                      </p:cBhvr>
+                                      <p:to>
+                                        <p:strVal val="visible"/>
+                                      </p:to>
+                                    </p:set>
+                                    <p:animEffect transition="in" filter="fade">
+                                      <p:cBhvr>
+                                        <p:cTn id="7" dur="500"/>
+                                        <p:tgtEl>
+                                          <p:spTgt spid="5"/>
+                                        </p:tgtEl>
+                                      </p:cBhvr>
+                                    </p:animEffect>
+                                  </p:childTnLst>
+                                </p:cTn>
+                              </p:par>
+                            </p:childTnLst>
+                          </p:cTn>
+                        </p:par>
+                      </p:childTnLst>
+                    </p:cTn>
+                  </p:par>
+                </p:childTnLst>
+              </p:cTn>
+              <p:prevCondLst>
+                <p:cond evt="onPrev" delay="0">
+                  <p:tgtEl>
+                    <p:sldTgt/>
+                  </p:tgtEl>
+                </p:cond>
+              </p:prevCondLst>
+              <p:nextCondLst>
+                <p:cond evt="onNext" delay="0">
+                  <p:tgtEl>
+                    <p:sldTgt/>
+                  </p:tgtEl>
+                </p:cond>
+              </p:nextCondLst>
+            </p:seq>
+          </p:childTnLst>
+        </p:cTn>
+      </p:par>
+    </p:tnLst>
+  </p:timing>
 </p:sld>
 </file>
 
@@ -17073,12 +17357,12 @@
   </p:clrMapOvr>
   <mc:AlternateContent xmlns:mc="http://schemas.openxmlformats.org/markup-compatibility/2006" xmlns:p14="http://schemas.microsoft.com/office/powerpoint/2010/main">
     <mc:Choice Requires="p14">
-      <p:transition spd="slow" p14:dur="1500">
-        <p14:reveal/>
+      <p:transition spd="med" p14:dur="700">
+        <p:fade/>
       </p:transition>
     </mc:Choice>
     <mc:Fallback xmlns="">
-      <p:transition spd="slow">
+      <p:transition spd="med">
         <p:fade/>
       </p:transition>
     </mc:Fallback>
@@ -17228,12 +17512,12 @@
   </p:clrMapOvr>
   <mc:AlternateContent xmlns:mc="http://schemas.openxmlformats.org/markup-compatibility/2006" xmlns:p14="http://schemas.microsoft.com/office/powerpoint/2010/main">
     <mc:Choice Requires="p14">
-      <p:transition spd="slow" p14:dur="1500">
-        <p14:reveal/>
+      <p:transition spd="med" p14:dur="700">
+        <p:fade/>
       </p:transition>
     </mc:Choice>
     <mc:Fallback xmlns="">
-      <p:transition spd="slow">
+      <p:transition spd="med">
         <p:fade/>
       </p:transition>
     </mc:Fallback>
@@ -17495,12 +17779,12 @@
   </p:clrMapOvr>
   <mc:AlternateContent xmlns:mc="http://schemas.openxmlformats.org/markup-compatibility/2006" xmlns:p14="http://schemas.microsoft.com/office/powerpoint/2010/main">
     <mc:Choice Requires="p14">
-      <p:transition spd="slow" p14:dur="1500">
-        <p14:reveal/>
+      <p:transition spd="med" p14:dur="700">
+        <p:fade/>
       </p:transition>
     </mc:Choice>
     <mc:Fallback xmlns="">
-      <p:transition spd="slow">
+      <p:transition spd="med">
         <p:fade/>
       </p:transition>
     </mc:Fallback>
@@ -17685,12 +17969,12 @@
   </p:clrMapOvr>
   <mc:AlternateContent xmlns:mc="http://schemas.openxmlformats.org/markup-compatibility/2006" xmlns:p14="http://schemas.microsoft.com/office/powerpoint/2010/main">
     <mc:Choice Requires="p14">
-      <p:transition spd="slow" p14:dur="1500">
-        <p14:reveal/>
+      <p:transition spd="med" p14:dur="700">
+        <p:fade/>
       </p:transition>
     </mc:Choice>
     <mc:Fallback xmlns="">
-      <p:transition spd="slow">
+      <p:transition spd="med">
         <p:fade/>
       </p:transition>
     </mc:Fallback>
@@ -17792,12 +18076,12 @@
   </p:clrMapOvr>
   <mc:AlternateContent xmlns:mc="http://schemas.openxmlformats.org/markup-compatibility/2006" xmlns:p14="http://schemas.microsoft.com/office/powerpoint/2010/main">
     <mc:Choice Requires="p14">
-      <p:transition spd="slow" p14:dur="1500">
-        <p14:reveal/>
+      <p:transition spd="med" p14:dur="700">
+        <p:fade/>
       </p:transition>
     </mc:Choice>
     <mc:Fallback xmlns="">
-      <p:transition spd="slow">
+      <p:transition spd="med">
         <p:fade/>
       </p:transition>
     </mc:Fallback>
@@ -17980,6 +18264,45 @@
           </a:p>
         </p:txBody>
       </p:sp>
+      <mc:AlternateContent xmlns:mc="http://schemas.openxmlformats.org/markup-compatibility/2006">
+        <mc:Choice xmlns:p14="http://schemas.microsoft.com/office/powerpoint/2010/main" Requires="p14">
+          <p:contentPart p14:bwMode="auto" r:id="rId4">
+            <p14:nvContentPartPr>
+              <p14:cNvPr id="2" name="Ink 1"/>
+              <p14:cNvContentPartPr/>
+              <p14:nvPr/>
+            </p14:nvContentPartPr>
+            <p14:xfrm>
+              <a:off x="1391760" y="1604160"/>
+              <a:ext cx="7005240" cy="4478760"/>
+            </p14:xfrm>
+          </p:contentPart>
+        </mc:Choice>
+        <mc:Fallback>
+          <p:pic>
+            <p:nvPicPr>
+              <p:cNvPr id="2" name="Ink 1"/>
+              <p:cNvPicPr/>
+              <p:nvPr/>
+            </p:nvPicPr>
+            <p:blipFill>
+              <a:blip r:embed="rId5"/>
+              <a:stretch>
+                <a:fillRect/>
+              </a:stretch>
+            </p:blipFill>
+            <p:spPr>
+              <a:xfrm>
+                <a:off x="1385280" y="1594800"/>
+                <a:ext cx="7015680" cy="4496040"/>
+              </a:xfrm>
+              <a:prstGeom prst="rect">
+                <a:avLst/>
+              </a:prstGeom>
+            </p:spPr>
+          </p:pic>
+        </mc:Fallback>
+      </mc:AlternateContent>
     </p:spTree>
     <p:extLst>
       <p:ext uri="{BB962C8B-B14F-4D97-AF65-F5344CB8AC3E}">
@@ -18182,12 +18505,12 @@
   </p:clrMapOvr>
   <mc:AlternateContent xmlns:mc="http://schemas.openxmlformats.org/markup-compatibility/2006" xmlns:p14="http://schemas.microsoft.com/office/powerpoint/2010/main">
     <mc:Choice Requires="p14">
-      <p:transition spd="slow" p14:dur="1500">
-        <p14:reveal/>
+      <p:transition spd="med" p14:dur="700">
+        <p:fade/>
       </p:transition>
     </mc:Choice>
     <mc:Fallback xmlns="">
-      <p:transition spd="slow">
+      <p:transition spd="med">
         <p:fade/>
       </p:transition>
     </mc:Fallback>
@@ -18408,12 +18731,12 @@
   </p:clrMapOvr>
   <mc:AlternateContent xmlns:mc="http://schemas.openxmlformats.org/markup-compatibility/2006" xmlns:p14="http://schemas.microsoft.com/office/powerpoint/2010/main">
     <mc:Choice Requires="p14">
-      <p:transition spd="slow" p14:dur="1500">
-        <p14:reveal/>
+      <p:transition spd="med" p14:dur="700">
+        <p:fade/>
       </p:transition>
     </mc:Choice>
     <mc:Fallback xmlns="">
-      <p:transition spd="slow">
+      <p:transition spd="med">
         <p:fade/>
       </p:transition>
     </mc:Fallback>
@@ -18521,12 +18844,12 @@
   </p:clrMapOvr>
   <mc:AlternateContent xmlns:mc="http://schemas.openxmlformats.org/markup-compatibility/2006" xmlns:p14="http://schemas.microsoft.com/office/powerpoint/2010/main">
     <mc:Choice Requires="p14">
-      <p:transition spd="slow" p14:dur="1500">
-        <p14:reveal/>
+      <p:transition spd="med" p14:dur="700">
+        <p:fade/>
       </p:transition>
     </mc:Choice>
     <mc:Fallback xmlns="">
-      <p:transition spd="slow">
+      <p:transition spd="med">
         <p:fade/>
       </p:transition>
     </mc:Fallback>
@@ -18692,12 +19015,12 @@
   </p:clrMapOvr>
   <mc:AlternateContent xmlns:mc="http://schemas.openxmlformats.org/markup-compatibility/2006" xmlns:p14="http://schemas.microsoft.com/office/powerpoint/2010/main">
     <mc:Choice Requires="p14">
-      <p:transition spd="slow" p14:dur="1500">
-        <p14:reveal/>
+      <p:transition spd="med" p14:dur="700">
+        <p:fade/>
       </p:transition>
     </mc:Choice>
     <mc:Fallback xmlns="">
-      <p:transition spd="slow">
+      <p:transition spd="med">
         <p:fade/>
       </p:transition>
     </mc:Fallback>
@@ -18824,12 +19147,12 @@
   </p:clrMapOvr>
   <mc:AlternateContent xmlns:mc="http://schemas.openxmlformats.org/markup-compatibility/2006" xmlns:p14="http://schemas.microsoft.com/office/powerpoint/2010/main">
     <mc:Choice Requires="p14">
-      <p:transition spd="slow" p14:dur="1500">
-        <p14:reveal/>
+      <p:transition spd="med" p14:dur="700">
+        <p:fade/>
       </p:transition>
     </mc:Choice>
     <mc:Fallback xmlns="">
-      <p:transition spd="slow">
+      <p:transition spd="med">
         <p:fade/>
       </p:transition>
     </mc:Fallback>
@@ -18931,12 +19254,12 @@
   </p:clrMapOvr>
   <mc:AlternateContent xmlns:mc="http://schemas.openxmlformats.org/markup-compatibility/2006" xmlns:p14="http://schemas.microsoft.com/office/powerpoint/2010/main">
     <mc:Choice Requires="p14">
-      <p:transition spd="slow" p14:dur="1500">
-        <p14:reveal/>
+      <p:transition spd="med" p14:dur="700">
+        <p:fade/>
       </p:transition>
     </mc:Choice>
     <mc:Fallback xmlns="">
-      <p:transition spd="slow">
+      <p:transition spd="med">
         <p:fade/>
       </p:transition>
     </mc:Fallback>
@@ -19127,12 +19450,12 @@
   </p:clrMapOvr>
   <mc:AlternateContent xmlns:mc="http://schemas.openxmlformats.org/markup-compatibility/2006" xmlns:p14="http://schemas.microsoft.com/office/powerpoint/2010/main">
     <mc:Choice Requires="p14">
-      <p:transition spd="slow" p14:dur="1500">
-        <p14:reveal/>
+      <p:transition spd="med" p14:dur="700">
+        <p:fade/>
       </p:transition>
     </mc:Choice>
     <mc:Fallback xmlns="">
-      <p:transition spd="slow">
+      <p:transition spd="med">
         <p:fade/>
       </p:transition>
     </mc:Fallback>
@@ -19251,12 +19574,12 @@
   </p:clrMapOvr>
   <mc:AlternateContent xmlns:mc="http://schemas.openxmlformats.org/markup-compatibility/2006" xmlns:p14="http://schemas.microsoft.com/office/powerpoint/2010/main">
     <mc:Choice Requires="p14">
-      <p:transition spd="slow" p14:dur="1500">
-        <p14:reveal/>
+      <p:transition spd="med" p14:dur="700">
+        <p:fade/>
       </p:transition>
     </mc:Choice>
     <mc:Fallback xmlns="">
-      <p:transition spd="slow">
+      <p:transition spd="med">
         <p:fade/>
       </p:transition>
     </mc:Fallback>
@@ -19443,12 +19766,12 @@
   </p:clrMapOvr>
   <mc:AlternateContent xmlns:mc="http://schemas.openxmlformats.org/markup-compatibility/2006" xmlns:p14="http://schemas.microsoft.com/office/powerpoint/2010/main">
     <mc:Choice Requires="p14">
-      <p:transition spd="slow" p14:dur="1500">
-        <p14:reveal/>
+      <p:transition spd="med" p14:dur="700">
+        <p:fade/>
       </p:transition>
     </mc:Choice>
     <mc:Fallback xmlns="">
-      <p:transition spd="slow">
+      <p:transition spd="med">
         <p:fade/>
       </p:transition>
     </mc:Fallback>
@@ -19594,6 +19917,45 @@
           </a:p>
         </p:txBody>
       </p:sp>
+      <mc:AlternateContent xmlns:mc="http://schemas.openxmlformats.org/markup-compatibility/2006">
+        <mc:Choice xmlns:p14="http://schemas.microsoft.com/office/powerpoint/2010/main" Requires="p14">
+          <p:contentPart p14:bwMode="auto" r:id="rId4">
+            <p14:nvContentPartPr>
+              <p14:cNvPr id="2" name="Ink 1"/>
+              <p14:cNvContentPartPr/>
+              <p14:nvPr/>
+            </p14:nvContentPartPr>
+            <p14:xfrm>
+              <a:off x="3114720" y="2009880"/>
+              <a:ext cx="5234040" cy="2987280"/>
+            </p14:xfrm>
+          </p:contentPart>
+        </mc:Choice>
+        <mc:Fallback>
+          <p:pic>
+            <p:nvPicPr>
+              <p:cNvPr id="2" name="Ink 1"/>
+              <p:cNvPicPr/>
+              <p:nvPr/>
+            </p:nvPicPr>
+            <p:blipFill>
+              <a:blip r:embed="rId5"/>
+              <a:stretch>
+                <a:fillRect/>
+              </a:stretch>
+            </p:blipFill>
+            <p:spPr>
+              <a:xfrm>
+                <a:off x="3111480" y="2006280"/>
+                <a:ext cx="5240880" cy="2998800"/>
+              </a:xfrm>
+              <a:prstGeom prst="rect">
+                <a:avLst/>
+              </a:prstGeom>
+            </p:spPr>
+          </p:pic>
+        </mc:Fallback>
+      </mc:AlternateContent>
     </p:spTree>
     <p:extLst>
       <p:ext uri="{BB962C8B-B14F-4D97-AF65-F5344CB8AC3E}">
@@ -19606,12 +19968,12 @@
   </p:clrMapOvr>
   <mc:AlternateContent xmlns:mc="http://schemas.openxmlformats.org/markup-compatibility/2006" xmlns:p14="http://schemas.microsoft.com/office/powerpoint/2010/main">
     <mc:Choice Requires="p14">
-      <p:transition spd="slow" p14:dur="1500">
-        <p14:reveal/>
+      <p:transition spd="med" p14:dur="700">
+        <p:fade/>
       </p:transition>
     </mc:Choice>
     <mc:Fallback xmlns="">
-      <p:transition spd="slow">
+      <p:transition spd="med">
         <p:fade/>
       </p:transition>
     </mc:Fallback>
@@ -19878,6 +20240,45 @@
           </a:p>
         </p:txBody>
       </p:sp>
+      <mc:AlternateContent xmlns:mc="http://schemas.openxmlformats.org/markup-compatibility/2006">
+        <mc:Choice xmlns:p14="http://schemas.microsoft.com/office/powerpoint/2010/main" Requires="p14">
+          <p:contentPart p14:bwMode="auto" r:id="rId4">
+            <p14:nvContentPartPr>
+              <p14:cNvPr id="2" name="Ink 1"/>
+              <p14:cNvContentPartPr/>
+              <p14:nvPr/>
+            </p14:nvContentPartPr>
+            <p14:xfrm>
+              <a:off x="672840" y="1309680"/>
+              <a:ext cx="2559240" cy="1042560"/>
+            </p14:xfrm>
+          </p:contentPart>
+        </mc:Choice>
+        <mc:Fallback>
+          <p:pic>
+            <p:nvPicPr>
+              <p:cNvPr id="2" name="Ink 1"/>
+              <p:cNvPicPr/>
+              <p:nvPr/>
+            </p:nvPicPr>
+            <p:blipFill>
+              <a:blip r:embed="rId5"/>
+              <a:stretch>
+                <a:fillRect/>
+              </a:stretch>
+            </p:blipFill>
+            <p:spPr>
+              <a:xfrm>
+                <a:off x="670320" y="1301040"/>
+                <a:ext cx="2565720" cy="1056600"/>
+              </a:xfrm>
+              <a:prstGeom prst="rect">
+                <a:avLst/>
+              </a:prstGeom>
+            </p:spPr>
+          </p:pic>
+        </mc:Fallback>
+      </mc:AlternateContent>
     </p:spTree>
     <p:extLst>
       <p:ext uri="{BB962C8B-B14F-4D97-AF65-F5344CB8AC3E}">
@@ -19890,12 +20291,12 @@
   </p:clrMapOvr>
   <mc:AlternateContent xmlns:mc="http://schemas.openxmlformats.org/markup-compatibility/2006" xmlns:p14="http://schemas.microsoft.com/office/powerpoint/2010/main">
     <mc:Choice Requires="p14">
-      <p:transition spd="slow" p14:dur="1500">
-        <p14:reveal/>
+      <p:transition spd="med" p14:dur="700">
+        <p:fade/>
       </p:transition>
     </mc:Choice>
     <mc:Fallback xmlns="">
-      <p:transition spd="slow">
+      <p:transition spd="med">
         <p:fade/>
       </p:transition>
     </mc:Fallback>
@@ -20174,12 +20575,12 @@
   </p:clrMapOvr>
   <mc:AlternateContent xmlns:mc="http://schemas.openxmlformats.org/markup-compatibility/2006" xmlns:p14="http://schemas.microsoft.com/office/powerpoint/2010/main">
     <mc:Choice Requires="p14">
-      <p:transition spd="slow" p14:dur="1500">
-        <p14:reveal/>
+      <p:transition spd="med" p14:dur="700">
+        <p:fade/>
       </p:transition>
     </mc:Choice>
     <mc:Fallback xmlns="">
-      <p:transition spd="slow">
+      <p:transition spd="med">
         <p:fade/>
       </p:transition>
     </mc:Fallback>
@@ -20434,12 +20835,12 @@
   </p:clrMapOvr>
   <mc:AlternateContent xmlns:mc="http://schemas.openxmlformats.org/markup-compatibility/2006" xmlns:p14="http://schemas.microsoft.com/office/powerpoint/2010/main">
     <mc:Choice Requires="p14">
-      <p:transition spd="slow" p14:dur="1500">
-        <p14:reveal/>
+      <p:transition spd="med" p14:dur="700">
+        <p:fade/>
       </p:transition>
     </mc:Choice>
     <mc:Fallback xmlns="">
-      <p:transition spd="slow">
+      <p:transition spd="med">
         <p:fade/>
       </p:transition>
     </mc:Fallback>
@@ -20654,12 +21055,12 @@
   </p:clrMapOvr>
   <mc:AlternateContent xmlns:mc="http://schemas.openxmlformats.org/markup-compatibility/2006" xmlns:p14="http://schemas.microsoft.com/office/powerpoint/2010/main">
     <mc:Choice Requires="p14">
-      <p:transition spd="slow" p14:dur="1500">
-        <p14:reveal/>
+      <p:transition spd="med" p14:dur="700">
+        <p:fade/>
       </p:transition>
     </mc:Choice>
     <mc:Fallback xmlns="">
-      <p:transition spd="slow">
+      <p:transition spd="med">
         <p:fade/>
       </p:transition>
     </mc:Fallback>

--- a/assorted/javascript_dragons.pptx
+++ b/assorted/javascript_dragons.pptx
@@ -313,7 +313,7 @@
               <a:pPr>
                 <a:defRPr/>
               </a:pPr>
-              <a:t>7/13/2016</a:t>
+              <a:t>8/3/2016</a:t>
             </a:fld>
             <a:endParaRPr lang="en-US"/>
           </a:p>
@@ -403,119 +403,6 @@
   </p:cSld>
   <p:clrMap bg1="lt1" tx1="dk1" bg2="lt2" tx2="dk2" accent1="accent1" accent2="accent2" accent3="accent3" accent4="accent4" accent5="accent5" accent6="accent6" hlink="hlink" folHlink="folHlink"/>
 </p:handoutMaster>
-</file>
-
-<file path=ppt/ink/ink1.xml><?xml version="1.0" encoding="utf-8"?>
-<inkml:ink xmlns:inkml="http://www.w3.org/2003/InkML">
-  <inkml:definitions>
-    <inkml:context xml:id="ctx0">
-      <inkml:inkSource xml:id="inkSrc0">
-        <inkml:traceFormat>
-          <inkml:channel name="X" type="integer" max="9600" units="cm"/>
-          <inkml:channel name="Y" type="integer" max="7200" units="cm"/>
-          <inkml:channel name="F" type="integer" max="1024" units="dev"/>
-          <inkml:channel name="T" type="integer" max="2.14748E9" units="dev"/>
-        </inkml:traceFormat>
-        <inkml:channelProperties>
-          <inkml:channelProperty channel="X" name="resolution" value="336.48792" units="1/cm"/>
-          <inkml:channelProperty channel="Y" name="resolution" value="378.54889" units="1/cm"/>
-          <inkml:channelProperty channel="F" name="resolution" value="0" units="1/dev"/>
-          <inkml:channelProperty channel="T" name="resolution" value="1" units="1/dev"/>
-        </inkml:channelProperties>
-      </inkml:inkSource>
-      <inkml:timestamp xml:id="ts0" timeString="2016-07-13T10:48:59.320"/>
-    </inkml:context>
-    <inkml:brush xml:id="br0">
-      <inkml:brushProperty name="width" value="0.05292" units="cm"/>
-      <inkml:brushProperty name="height" value="0.05292" units="cm"/>
-      <inkml:brushProperty name="color" value="#FF0000"/>
-    </inkml:brush>
-  </inkml:definitions>
-  <inkml:trace contextRef="#ctx0" brushRef="#br0">6072 4519 208 0,'-21'-3'92'0,"9"19"-73"0,-3-5-24 15,9-3 39-15,0 2-28 16,0-2 0-16,6 0-3 16,3-2-5-16,3-4 1 15,6-4 9-15,0-12-6 0,3-4 19 16,3-6-17-16,-1 0 30 16,-2 6-26-16,-3 4 22 15,-3 4-23-15,0 5 14 16,-6 7-16-16,0 9 0 0,0-1-3 15,3 12 1-15,0-4-2 16,0-5-3-16,3-2 1 16,3-3 6-16,3-3-4 15,2-2 0-15,13-6 0 16,-3 0 10-16,3 3-9 16,-3 0 0-16,-1 6-1 15,-2 2 1-15,-3 5-1 16,0 3-1-16,0 2 1 15,3 9-4-15,-1-1 2 16,1-2 1-16,3-3 0 16,0-5 8-16,11-5-6 15,1-3-1-15,0-3 0 0,2 0 10 16,-2 1-9-16,-3-1 3 16,0 5-4-16,-7 4-1 15,4 1 1-15,-6 7-4 16,0-1 2-16,2 5 4 15,13-5-3-15,3-2 9 16,2-6-7-16,4-8 7 16,-3-7-6-16,-1-6 1 15,1-3-3-15,5-2-1 16,4 0 1-16,-3 2 4 16,-4 3-4-16,-2 3-5 15,-4 2 3-15,-2 3 3 16,-3 0-2-16,3 0 3 15,8-2-2-15,4-4-1 16,2-4 1-16,7-6 1 16,-7-3-1-16,1-7 5 0,8 0-5 15,-2-1 25 1,2 3-20-16,-2 0 9 0,-7 6-11 16,-5 2-5-16,-3 6 1 15,-1 2 0-15,7 5 0 16,-1 3-6-16,-2 0 5 15,0 0 6-15,-1 0-5 16,1-3 7-16,-4-2-6 16,7-3-3-16,3 0 2 0,5 0 3 15,-5-5-3-15,-7 2 0 16,1-2 1-16,-7 5-4 16,-2 3 2-16,-3 5 1 15,-3 8 0-15,8 0 0 16,-2 5 0-16,0 6 0 15,2-1 0-15,1 9 0 16,0-4 0-16,-4-4-238 16,1-24 187-16,14-30-207 15</inkml:trace>
-  <inkml:trace contextRef="#ctx0" brushRef="#br0" timeOffset="10295.7762">8128 10927 144 0,'-11'-8'65'0,"5"14"-51"0,-12 7-17 0,12-5 26 15,-3 2-19-15,-3 4 8 16,3 4-9-16,0-5 12 16,3-7-11-16,3-12 14 0,6-9-13 15,0-12-19-15,0-10 11 16,0 0-10-16,3 0 9 16,-3 5 5-16,0 6-1 15,0 2 17-15,0 5-13 16,0 6-2-16,3 5 0 15,0 6 3-15,3 2-4 16,3 5 0-16,2 0 0 0,4 3-7 16,0 0 5-1,3 3-6-15,0 7 6 0,6-2 0 16,8 0 1-16,4 0-6 16,6 0 5-16,5 2-193 15</inkml:trace>
-  <inkml:trace contextRef="#ctx0" brushRef="#br0" timeOffset="17474.5367">5789 6207 28 0,'-3'3'13'0,"3"-3"-11"0,3-3-2 15,-3 3 3-15,0-3-2 0,0-4 44 16,3-4-35-16,-3 0 41 16,0 3-38-16,0 3 13 15,0 5-19-15,-6 8 7 16,0 0-10-16,0 0 9 16,0-3-10-16,0 1 7 0,0-4-7 15,6-2 1-15,-3 0-3 16,0-5 5-16,3-6-5 15,0 1 14-15,0-3-11 16,3-1 0-16,0 4-2 16,-3 2-2-16,3 2 1 15,0 4-4-15,0-1 2 16,0 3 1-16,3 0 0 16,0 0-3-16,3 0 2 15,3 0 1-15,3 0 0 16,11 3 0-16,1-3 0 15,0 0 0-15,3 2 0 0,0 4 2 16,-4 2-1-16,1 2 5 16,-3 4-5-16,3 1 3 15,-3 1-3-15,-4 0 5 16,1 3-5-16,-3-1-3 16,3 3 2-16,0 3 5 15,0-5-4-15,11-9 17 16,4-4-14-16,0-9 15 15,2-2-14-15,-2-6 23 16,0-2-22-16,-6 0 3 0,-4-1-6 16,-2 4-5-16,-3 2 2 15,-3 3 3-15,-3 2-3 16,-3 0 0-16,0 3 1 16,-3 0 1-16,-1 3-1 15,4 0-3-15,0-3 1 16,0 0 6-16,0-3-4 15,9-5-50-15,0 0 38 16,0-5-225 0</inkml:trace>
-  <inkml:trace contextRef="#ctx0" brushRef="#br0" timeOffset="26854.9908">9045 7242 76 0,'-9'-6'36'0,"6"6"-29"0,0 3-9 0,0 0 2 16,3 2-1-16,-3 3-5 0,-3 2 5 15,3 4-6-15,0-1 6 16,0 0 0-16,1 0 1 16,2 9 5-16,0-4-4 15,0-2-3-15,0-3 2 16,0-2 5-16,2-1-4 16,1-2 6-16,3 3-6 15,6-1 0-15,0 1 0 16,9 2-1-16,9 3 0 15,0 5 2-15,-1 6-1 16,1 7-1-16,-3 3 1 16,-3 3 35-16,-3 5-28 15,-4 0 14-15,-2 0-16 16,-3 2 24-16,-3 1-22 16,-6-3 10-16,-6-3-13 0,-3 1 19 15,-6-4-18-15,-6-4 5 16,1-1-7-16,-16-5 14 0,0 0-14 15,0 1-2-15,-2-7 0 16,-7 4-5-16,-3 2 2 16,-8 3 4-16,-10 5-3 15,4 2 6-15,2 1-5 16,7 5-3-16,-1-5 2 16,3-6 3-16,4-5-3 15,2-2-2-15,6-6 1 16,4-5 4-16,5-3-3 15,6-2 0-15,6-4 1 16,3 1-15-16,6-2 11 0,0-1 1 16,3 0 1-16,3 3 9 15,0 0-6-15,0 0 5 16,0 3-6-16,-6 5 3 16,0 7-3-16,-9 4 30 15,-2 7-24-15,-1-2 37 16,0-3-34-16,3 5 1 15,3-4-7-15,3-7-48 16,3-1 35-16</inkml:trace>
-  <inkml:trace contextRef="#ctx0" brushRef="#br0" timeOffset="32828.9797">3961 8522 172 0,'-24'0'78'0,"4"0"-61"0,-7 3-21 0,18-3 31 16,3-3-22 0,0-2-10-16,3-6 4 0,3-7 0 15,6-14 1-15,6-5 19 0,3 0-15 16,3 3 27-16,-4-1-23 15,4 6 12-15,3 8-14 16,3 13 22-16,3 11-22 16,0 7 31-16,-1 9-28 15,-5-3 13-15,30 15-16 16,17-15-4-16,16-29 0 16,41-45 0-16,32-67-1 15,55-60-342 1</inkml:trace>
-  <inkml:trace contextRef="#ctx0" brushRef="#br0" timeOffset="36088.0592">8459 5884 112 0,'-6'8'52'0,"0"-5"-41"0,-3-3-14 0,9 0 40 16,-3 0-30-16,3 0 32 15,-3-3-30-15,3 1 38 16,0-4-35-16,3 1 33 0,3-3-34 16,0 0 20-16,0 3-23 15,0 0-4-15,0 2-2 16,3 3-5-16,3 5 2 16,5 3-2-16,4 0 2 15,3 5-10-15,6 6 8 16,15-1 10-16,8-2-6 0,4 0 3 15,2-5-3-15,4-6 8 16,14-5-7-16,6-3 5 16,7 1-6-16,-10-4-3 15,12 6 2-15,7 8 8 16,-4 8-6-16,-6 5 5 16,9 6-6-16,4-1 6 15,-4 6-6-15,-3-5 3 16,9-9-3-16,0-2 8 15,-11-13-7-15,-7-14-331 16</inkml:trace>
-  <inkml:trace contextRef="#ctx0" brushRef="#br0" timeOffset="39870.3812">6441 10882 148 0,'-36'-2'65'0,"18"7"-51"16,-6 6-17-16,6-6 15 0,4-3-10 15,-1-2-7-15,3-2 5 16,0-3 2-16,3-3-2 16,0-11 0-16,3 1 1 0,3 2 1 15,3 2-1-15,9 7-3 16,9 1 1-16,3 12-2 15,6 7 2-15,5 8-5 16,1 5 5-16,6 1 0 16,-1-1 1-16,4 1 0 15,15-9 0-15,2 1-3 16,7-9 2-16,-4-4 12 16,1-4-9-16,14 4 17 15,0-1-15-15,1 5-7 16,-4 4 3-16,1-1 7 0,8 0-5 15,3 6-7-15,4-3 5 16,-4-1-4-16,12 1 3 16,0-2 1-16,4-4 0 15,-10-2 0-15,15-3 0 16,-3 1 14-16,-3-6-11 16,-8 0 18-16,8 2-16 15,0 1 4-15,0-3-7 16,-5 3-1-16,8 2 0 15,3 0 1-15,0-5-1 16,15-2 5-16,9-1-5 16,-9-2 0-16,-9-6 0 0,9 0 15 15,-6 3-12-15,-3 1 15 16,-5-1-14-16,14 5 9 16,-6 3-11-16,-3 0 10 15,6 5-10-15,9 6 7 16,-3-1-7-16,12 12-2 15,6 4 0-15,3 1 4 16,17 4-4-16,-2-2-17 16,15-5 13-16,-1-16-134 15,13-21 107-15</inkml:trace>
-  <inkml:trace contextRef="#ctx0" brushRef="#br0" timeOffset="62435.8601">17930 15970 212 0,'-38'6'98'0,"26"4"-77"0,-24 1-26 0,27-9 11 16,-3 4-6-16,-3-4-6 16,3-2 5-16,3 0-20 15,0-5 17-15,6 0 4 0,3-6-1 16,6-5 4-16,3 6-2 16,9-1 22-16,3 1-18 15,6 10 26-15,20 7-23 16,16 4 1-16,8 0-6 15,7-3-2-15,20-1 0 16,9-7 7-16,-6-7-6 0,12-9 16 16,1-8-14-16,-10-3 10 15,-12 1-11-15,3 5-1 16,-11 5-1-16,-10 5-4 16,-8 11 2-16,-10 8-148 15,-8 24 117-15,-13 2-140 16</inkml:trace>
-  <inkml:trace contextRef="#ctx0" brushRef="#br0" timeOffset="63950.9176">21175 13557 176 0,'-6'-18'78'0,"3"-3"-61"0,0-19-21 16,3 19 3-16,0-11 0 15,3-10 0-15,3-1 1 16,0 4 0-16,0 7 0 15,-3 8-9-15,-3 19 44 16,0 21-29-16,-3 23 30 16,0 25-27-16,3 34-5 15,6 26-1-15,14 14-3 16,4 10 0-16,6-11-6 16,3-10 5-16,2-15 14 15,1-20-10-15,-6-20 18 16,-3-14-16-16,-6-13 32 15,-4-13-29-15,-5-9 36 16,-3-7-33-16,-9-3 9 0,-9-5-14 16,-9-8-4-16,-11-2-1 15,-19-6-4-15,-2 0 2 16,-4-3 20-16,-6 1-15 16,1-11 50-16,5-3-42 15,7-5 26-15,2 5-28 16,9 3 0-16,15 5-7 15,10 5-16-15,8 9 11 16,12 9-26-16,8 23 22 16,16 15-54-16,3 18 47 15,3-2-40-15,11-6 39 0,1-10 41 16,-1-13-23-16,1-16 82 16,0-24-66-16,2-34 31 15,1-35-37-15,8-29-39 16,-2-29 21-16,-4-8-294 15,-8 6 233-15</inkml:trace>
-  <inkml:trace contextRef="#ctx0" brushRef="#br0" timeOffset="77808.4324">20695 15991 252 0,'-14'3'111'0,"-1"5"-87"0,0 8-30 0,12-6-52 16,3 1 44-16,0 0-6 16,12 2 13-16,0-8 0 15,6-2 5-15,5-3 4 0,16-3-2 16,3 1 6-16,2-4-5 15,4 1 28-15,6 2-22 16,-4 1 25-16,13 2-24 16,2 2-2-16,4 1-3 15,2-3-3-15,0 0 1 16,10 3 13-16,-4-1-11 16,1 1 4-16,-1 0-5 15,-6-1 22-15,4 3-19 16,8 1 18-16,-2 10-18 0,-1-1 18 15,-6 1-18-15,13 3 9 16,2-1-10-16,0 1 6 16,4-1-7-16,11-2 18 15,3-2-17-15,0-7 2 16,-6-4-4-16,0-3-4 16,-2-3 1-16,-10-2-106 15,-6 5 84-15,-14 3-261 16</inkml:trace>
-  <inkml:trace contextRef="#ctx0" brushRef="#br0" timeOffset="80572.4692">15998 12671 244 0,'-35'8'111'0,"26"10"-87"0,-3 1-30 16,6-9 24-16,0 4-16 15,0 2 8-15,3-1-7 16,3 12-5-16,3 2 2 16,3-3 0-16,9-4 0 0,6-4 2 15,3-7-1-15,5-9 36 16,7-15-29-16,6-11 25 16,-1-10-24-16,1-19-28 15,-3-8 16-15,-1-10-283 16,1 2 224-16,-21-8-20 15</inkml:trace>
-  <inkml:trace contextRef="#ctx0" brushRef="#br0" timeOffset="81666.8026">10429 16835 184 0,'-68'16'85'16,"38"-2"-67"-16,3-4-23 0,18-2 53 0,3 5-39 16,6-13 19-16,3 0-20 15,18 0-5-15,18-5-1 16,17-11 3-16,19 3-4 0,35-3-8 15,24 0 5-15,36 3-10 16,29 10 9-16,15 3-46 16,30 8 38-16,15 8-13 15,-6 0 17-15,3-8 22 16,-12-3-13-16,-14-10 9 16,-1-3-8-16,-9-5-212 15</inkml:trace>
-</inkml:ink>
-</file>
-
-<file path=ppt/ink/ink2.xml><?xml version="1.0" encoding="utf-8"?>
-<inkml:ink xmlns:inkml="http://www.w3.org/2003/InkML">
-  <inkml:definitions>
-    <inkml:context xml:id="ctx0">
-      <inkml:inkSource xml:id="inkSrc0">
-        <inkml:traceFormat>
-          <inkml:channel name="X" type="integer" max="9600" units="cm"/>
-          <inkml:channel name="Y" type="integer" max="7200" units="cm"/>
-          <inkml:channel name="F" type="integer" max="1024" units="dev"/>
-          <inkml:channel name="T" type="integer" max="2.14748E9" units="dev"/>
-        </inkml:traceFormat>
-        <inkml:channelProperties>
-          <inkml:channelProperty channel="X" name="resolution" value="336.48792" units="1/cm"/>
-          <inkml:channelProperty channel="Y" name="resolution" value="378.54889" units="1/cm"/>
-          <inkml:channelProperty channel="F" name="resolution" value="0" units="1/dev"/>
-          <inkml:channelProperty channel="T" name="resolution" value="1" units="1/dev"/>
-        </inkml:channelProperties>
-      </inkml:inkSource>
-      <inkml:timestamp xml:id="ts0" timeString="2016-07-13T10:50:49.198"/>
-    </inkml:context>
-    <inkml:brush xml:id="br0">
-      <inkml:brushProperty name="width" value="0.05292" units="cm"/>
-      <inkml:brushProperty name="height" value="0.05292" units="cm"/>
-      <inkml:brushProperty name="color" value="#FF0000"/>
-    </inkml:brush>
-  </inkml:definitions>
-  <inkml:trace contextRef="#ctx0" brushRef="#br0">8652 5871 56 0,'3'-3'29'0,"0"3"-23"0,3 3-7 0,-3-3-51 0,0 3 41 15,3-3-5-15</inkml:trace>
-  <inkml:trace contextRef="#ctx0" brushRef="#br0" timeOffset="1683.089">12334 5821 136 0,'0'8'62'0,"3"0"-49"0,33 2-16 0,-27-4 7 0,3 2-4 16,6-1 2-16,3 4-1 15,-1 2-1-15,4-2 1 16,-3-1-7-16,0 1 5 0,0 0 3 15,-3-1-2-15,-4 1 14 16,-2-1-10-16,0-2 20 16,-3 0-18-16,0-5 47 15,3-6-40-15,9-18 50 16,23-13-47-16,16-17-3 16,8-12-8-16,4-16-91 15,17 4 68-15,1-1-201 16</inkml:trace>
-  <inkml:trace contextRef="#ctx0" brushRef="#br0" timeOffset="21016.5424">11626 5958 116 0,'-3'8'55'0,"3"-5"-43"0,3 0-15 0,-6-6 4 16,0 3-2-1,0-11-5-15,-9-2-20 16,-6 0 19-16,3 0 3 16,-3 2 3-16,1 3 3 15,-4 6-1-15,-3 4 11 16,-6 14-10-16,0 8 3 16,-5 13-4-16,-4 11-9 15,-6 2 6-15,1-3 1 0,8-4 1 16,9-1 2-16,6-7-1 15,9-14-3-15,21-3 1 16,9-12 20-16,9-6-15 16,6-3 13-16,2-2-12 15,-2-3-3-15,0 5-1 16,-3 3 7-16,-6 5-6 16,-7 6 30-16,-5 10-25 15,-6 8 31-15,-6 6-29 16,-6-1 41-16,0-2-38 0,0-1 8 15,3-1-13-15,6-7-11 16,6-9 4-16,9-6-1 16,24-3 1-16,8 3-3 15,4 0 2-15,-3 5 4 16,-7 0-3-16,-5 6 0 0,-12 7 1 16,-9 16 13-1,-9 14-11-15,-15 13 10 0,-9 0-10 16,-3-3 55-16,0-11-45 15,12-12-33-15,21-22 18 16,12-21-212 0,32-29 167-16,-2-14-87 15</inkml:trace>
-  <inkml:trace contextRef="#ctx0" brushRef="#br0" timeOffset="22231.6538">14257 6048 168 0,'-6'-8'78'0,"3"6"-61"0,0 2-21 16,3 0 28-16,0-3-20 15,3-2 5-15,3 0-7 16,3-3-1-16,6 0 0 16,15 0-7-16,5 0 5 0,4 3 3 15,0 2-2-15,-6 0 6 16,-4 6-5-16,-8 2 9 16,-9 8-8-16,-9 11 5 0,-9 8-6 15,-12 2 6-15,-14 9-6 16,-1-1-5-16,3 0 3 15,6-5-3-15,12-2 3 16,6-11-10-16,24-9 8 16,15-4 1-16,15-6 2 15,-1-5-3-15,1 6 2 16,2-4 4-16,-2 6-3 16,-9 11 12-16,-24 13-10 15,-12 18 89-15,-12 13-71 16,-6 22 63-16,-9 8-61 15,-3-6 16-15,3-8-27 0,12-2-49 16,15-8 31-16,12-6-293 16</inkml:trace>
-  <inkml:trace contextRef="#ctx0" brushRef="#br0" timeOffset="37413.0129">19612 11914 96 0,'15'-5'46'0,"-15"5"-37"0,0 0-11 15,0 0 10-15,0 0-7 16,0 0 20-16,0 3-17 15,0 2 2-15,0 0-4 16,0 0 12-16,0 1-10 16,0-6 42-16,0 0-35 0,0 0 15 15,0 0-19-15,0 0 7 0,0 0-10 16,6 0 3-16,0 0-5 16,-3 0 2-16,0 0-3 15,0 2 5-15,-9 1-5 16,0 2 6-16,-6 1-6 15,3 2 0-15,-3-1 0 16,0 7 1-16,0-6-1 16,0 0 2-16,3 2-2 15,0 3 8-15,1 1-7 16,-1-1 2-16,0 0-3 0,0 0 8 16,0 1-7-16,0 1 2 15,-3 7-3-15,0 1-1 16,0 1 1-16,-3 8 1 15,0 0-1-15,1-1 11 16,2 1-10-16,3 0 5 16,3 0-5-16,6-3 2 15,3 0-3-15,3-3-1 16,3 1 1-16,3-1 10 16,-1-2-9-16,1 0 5 15,-3 5-5-15,0 5 19 16,0-4-17-16,0-1 16 15,0 0-15-15,0 0 17 16,0 5-17-16,0 1 21 16,-3-1-20-16,3-2-9 15,0-3 4-15,0-5-2 16,-1-3 1-16,4-8-65 0,9-16 51 16,0-18-311-1</inkml:trace>
-  <inkml:trace contextRef="#ctx0" brushRef="#br0" timeOffset="38595.9409">23190 12025 96 0,'-12'14'46'0,"6"-1"-37"0,3-5-11 0,3-8-49 15,-3 2 40 1,-3-10 82 15,-3 6-58-31,-3-1 48 16,0 3-44-16,0-3 4 16,1 6-14-16,-1 0-11 15,0 2 4-15,0-2 16 0,3-1-13 16,0 1 44-16,0 0-36 15,0-1 21-15,3 1-24 0,0 0 13 16,3-1-16-16,0 4-3 16,3 1 0-16,0 1 3 15,6 0-4-15,0 3 20 16,3 2-17-16,0 8 8 16,3-2-9-16,0 13 9 15,0 2-9-15,-3 0 10 16,-3-2-10-16,0 8 24 15,-1 2-21-15,-2 0 15 16,0 1-16-16,0 2 28 16,0 0-25-16,-3-6 13 15,3-4-15-15,0-6 8 16,0-5-11-16,0-3-4 16,0-3 1-16,0-2 3 0,0 0-3 15,0 0-42-15,0 8 34 16,0 0-94-16,0 2 79 15,0 1-170-15,3 2 148 16,0-5-112 0</inkml:trace>
-  <inkml:trace contextRef="#ctx0" brushRef="#br0" timeOffset="41748.8413">12635 13875 268 0,'-12'5'121'0,"12"-10"-95"0,9-8-33 0,-3 2-5 16,9-10 8-16,12-22-44 15,14-4 37-15,1 2-18 16,3-5 21-16,-7 5-3 0,1 5 7 15,-6 11 40-15,-4 8-29 16,1 7 43-16,0 6-38 16,15 14-3-16,2 4-5 15,7-2-76-15,11-8 56 16</inkml:trace>
-  <inkml:trace contextRef="#ctx0" brushRef="#br0" timeOffset="42769.1507">15647 13740 220 0,'-9'8'101'0,"6"-3"-79"0,9 6-28 15,-3-6 35-15,6 3-24 16,6 0 4-16,9 0-7 0,12-3-4 16,2-2 2-1,22-3 3-15,11 0-3 0,13-3-106 0,8 3 83 16,15 0-151 0</inkml:trace>
-  <inkml:trace contextRef="#ctx0" brushRef="#br0" timeOffset="43161.2803">19835 13817 460 0,'9'2'207'0,"-6"1"-163"0,15-3-56 0,-6 2-20 16,21 4 22-16,32 4-254 15</inkml:trace>
-</inkml:ink>
-</file>
-
-<file path=ppt/ink/ink3.xml><?xml version="1.0" encoding="utf-8"?>
-<inkml:ink xmlns:inkml="http://www.w3.org/2003/InkML">
-  <inkml:definitions>
-    <inkml:context xml:id="ctx0">
-      <inkml:inkSource xml:id="inkSrc0">
-        <inkml:traceFormat>
-          <inkml:channel name="X" type="integer" max="9600" units="cm"/>
-          <inkml:channel name="Y" type="integer" max="7200" units="cm"/>
-          <inkml:channel name="F" type="integer" max="1024" units="dev"/>
-          <inkml:channel name="T" type="integer" max="2.14748E9" units="dev"/>
-        </inkml:traceFormat>
-        <inkml:channelProperties>
-          <inkml:channelProperty channel="X" name="resolution" value="336.48792" units="1/cm"/>
-          <inkml:channelProperty channel="Y" name="resolution" value="378.54889" units="1/cm"/>
-          <inkml:channelProperty channel="F" name="resolution" value="0" units="1/dev"/>
-          <inkml:channelProperty channel="T" name="resolution" value="1" units="1/dev"/>
-        </inkml:channelProperties>
-      </inkml:inkSource>
-      <inkml:timestamp xml:id="ts0" timeString="2016-07-13T10:51:48.692"/>
-    </inkml:context>
-    <inkml:brush xml:id="br0">
-      <inkml:brushProperty name="width" value="0.05292" units="cm"/>
-      <inkml:brushProperty name="height" value="0.05292" units="cm"/>
-      <inkml:brushProperty name="color" value="#FF0000"/>
-    </inkml:brush>
-  </inkml:definitions>
-  <inkml:trace contextRef="#ctx0" brushRef="#br0">2705 3794 112 0,'-18'3'52'0,"3"2"-41"15,6-2-14-15,6-1 9 0,3-2-5 16,-2 0 27-16,2 0-21 15,-3-2 33-15,-3-1-30 16,3 0 34-16,3-2-33 16,0 0 14-16,0 0-18 0,0 2 2 15,0 0-7-15,0 1 8 16,0-1-8-16,0 3 10 16,3-3-9-16,-3 1 2 15,0-1-4-15,0-2 8 16,0-1-7-16,0-9 10 15,0 4-9 1,0 0-1-16,9 3-4 0,-1 1 1 16,7 1 1-16,3 4 0 15,6 2 2-15,6 2-1 16,0 4-6-16,-1-4 4 16,1 9 0-16,0-3 1 15,0-3 0-15,-1 0 0 16,13-5 5-16,3-5-4 15,-1 0 11-15,4-3-9 16,0-3 10-16,-4-2-10 16,1-3-1-16,0 3-1 15,5 0-4-15,-2 5 2 0,-1 5-5 16,-2 3 5 0,-3 5 3-16,-4 3-2 0,-2 0 0 15,-3-3 1-15,-3 1 4 16,2-4-4-16,-5-2 0 15,0 0 0-15,9-2 4 16,-4-1-4-16,-2-5-106 16,-3 0 82-16,-12 0-207 15</inkml:trace>
-  <inkml:trace contextRef="#ctx0" brushRef="#br0" timeOffset="3378.4172">1869 5382 4 0,'3'0'-1'0</inkml:trace>
-  <inkml:trace contextRef="#ctx0" brushRef="#br0" timeOffset="3618.1449">2035 5257 88 0,'21'-16'39'0,"-12"14"-31"0,3-4-10 15,-6 6 38-15,3 0-29 16,0 0 12-16,0 3-13 16,0 2 10-16,6-2-12 15,-6 0 6-15,2 2-7 16,4-2-2-16,0-1 0 0,9 1-1 16,3 0 0-16,-6-1 5 15,2-2-4-15,-2 3 6 0,0 0-6 16,0-1 6-16,-9 1-6 15,3-1 0-15,0-2 0 16,0 0-1-16,-1-2 0 16,4-6-180-1</inkml:trace>
-  <inkml:trace contextRef="#ctx0" brushRef="#br0" timeOffset="7326.0409">5217 6527 136 0,'-9'0'62'16,"9"6"-49"-16,0-9-16 0,0 3-44 0,0-3 36 15,0 1-15-15,0-4 18 16,0 1 8-16,0-3-1 16,0 0 32-16,0 3-24 15,0 2 6-15,0 1-9 16,0 2 3-16,0 5-6 16,-3 0 34-16,0 0-28 15,0 3 37-15,3-2-33 16,0-1 6-16,0-5-12 15,0 3 11-15,3-3-12 0,0-3 0 16,0-5-2-16,0-3-2 16,0 1 1-16,3-3-1 15,0 2 0-15,-3 0 8 16,0 1-6-16,3 2-4 0,0 3 2 16,-3 2 3-16,3 3-3 15,0 0 6-15,3 3-5 16,0-1 6-16,0-2-6 15,3 0 0-15,3 0 0 16,-3-2 1-16,-1-1-1 16,4 0 2-16,0 1-2 15,0-1-6-15,3 0 4 16,9-2 8-16,-1 0-5 16,4 2 13-16,0 1-11 0,0-1-2 15,0 3-1-15,-1 0-1 16,-2 3 0-16,-3 2 2 15,0 0-1-15,-3 3-1 16,-4-3 1-16,-2 1 4 16,0-1-4-16,-3 0 0 15,0-2 0-15,0-3-4 16,-3-3 2-16,0 1 12 16,0-4-9-16,0 1 17 15,3 0-15-15,-7-1 4 16,1 1-6-16,-3 0 2 15,0 2-3-15,-3 1-1 16,0-1 1-16,-3 0 1 16,-3 3-1-16,1 0 2 15,-7 0-2-15,3 0-6 16,-3-2 4-16,-3-1 6 0,0-2-5 16,-3-1-2-16,0 1 2 15,-3 0 3-15,-2-3-3 16,-1-3 0-16,0 3 1 15,-3 0-4-15,-3 3 2 16,4 2 1-16,2 6 0 16,0 8-6-16,3-1 5 15,0 4 3-15,4-4-2 16,2 1 3-16,0-1-2 16,3-2-3-16,3 0 1 15,-3-3 4-15,3-2-3 0,3-3 6 16,0 0-5-16,0 0-3 15,3 0 2-15,0 0 5 16,-3 0-12 0,6 0 6-16,-6 0 6 15,6 0-5-15,-3 0 1 16,3 0 0-16,-3-3 1 16,3 1-1-16,0-3-9 15,-3-1 6-15,3-2-125 16,0 0 100-16</inkml:trace>
-  <inkml:trace contextRef="#ctx0" brushRef="#br0" timeOffset="13921.7451">8596 5681 140 0,'-9'-3'65'0,"0"14"-51"0,3 10-17 15,3-11 63-15,-3 9-48 16,3 2 12-16,0 0-16 15,6-2 20-15,0-3-22 16,6-6 68-16,6-7-57 0,15-9-2 16,14-4-9-16,10-9-24 15,8-4 14-15,1-1-100 16,8 5 81-16,-5 6-193 16</inkml:trace>
-</inkml:ink>
 </file>
 
 <file path=ppt/notesMasters/notesMaster1.xml><?xml version="1.0" encoding="utf-8"?>
@@ -18264,45 +18151,6 @@
           </a:p>
         </p:txBody>
       </p:sp>
-      <mc:AlternateContent xmlns:mc="http://schemas.openxmlformats.org/markup-compatibility/2006">
-        <mc:Choice xmlns:p14="http://schemas.microsoft.com/office/powerpoint/2010/main" Requires="p14">
-          <p:contentPart p14:bwMode="auto" r:id="rId4">
-            <p14:nvContentPartPr>
-              <p14:cNvPr id="2" name="Ink 1"/>
-              <p14:cNvContentPartPr/>
-              <p14:nvPr/>
-            </p14:nvContentPartPr>
-            <p14:xfrm>
-              <a:off x="1391760" y="1604160"/>
-              <a:ext cx="7005240" cy="4478760"/>
-            </p14:xfrm>
-          </p:contentPart>
-        </mc:Choice>
-        <mc:Fallback>
-          <p:pic>
-            <p:nvPicPr>
-              <p:cNvPr id="2" name="Ink 1"/>
-              <p:cNvPicPr/>
-              <p:nvPr/>
-            </p:nvPicPr>
-            <p:blipFill>
-              <a:blip r:embed="rId5"/>
-              <a:stretch>
-                <a:fillRect/>
-              </a:stretch>
-            </p:blipFill>
-            <p:spPr>
-              <a:xfrm>
-                <a:off x="1385280" y="1594800"/>
-                <a:ext cx="7015680" cy="4496040"/>
-              </a:xfrm>
-              <a:prstGeom prst="rect">
-                <a:avLst/>
-              </a:prstGeom>
-            </p:spPr>
-          </p:pic>
-        </mc:Fallback>
-      </mc:AlternateContent>
     </p:spTree>
     <p:extLst>
       <p:ext uri="{BB962C8B-B14F-4D97-AF65-F5344CB8AC3E}">
@@ -19917,45 +19765,6 @@
           </a:p>
         </p:txBody>
       </p:sp>
-      <mc:AlternateContent xmlns:mc="http://schemas.openxmlformats.org/markup-compatibility/2006">
-        <mc:Choice xmlns:p14="http://schemas.microsoft.com/office/powerpoint/2010/main" Requires="p14">
-          <p:contentPart p14:bwMode="auto" r:id="rId4">
-            <p14:nvContentPartPr>
-              <p14:cNvPr id="2" name="Ink 1"/>
-              <p14:cNvContentPartPr/>
-              <p14:nvPr/>
-            </p14:nvContentPartPr>
-            <p14:xfrm>
-              <a:off x="3114720" y="2009880"/>
-              <a:ext cx="5234040" cy="2987280"/>
-            </p14:xfrm>
-          </p:contentPart>
-        </mc:Choice>
-        <mc:Fallback>
-          <p:pic>
-            <p:nvPicPr>
-              <p:cNvPr id="2" name="Ink 1"/>
-              <p:cNvPicPr/>
-              <p:nvPr/>
-            </p:nvPicPr>
-            <p:blipFill>
-              <a:blip r:embed="rId5"/>
-              <a:stretch>
-                <a:fillRect/>
-              </a:stretch>
-            </p:blipFill>
-            <p:spPr>
-              <a:xfrm>
-                <a:off x="3111480" y="2006280"/>
-                <a:ext cx="5240880" cy="2998800"/>
-              </a:xfrm>
-              <a:prstGeom prst="rect">
-                <a:avLst/>
-              </a:prstGeom>
-            </p:spPr>
-          </p:pic>
-        </mc:Fallback>
-      </mc:AlternateContent>
     </p:spTree>
     <p:extLst>
       <p:ext uri="{BB962C8B-B14F-4D97-AF65-F5344CB8AC3E}">
@@ -20135,7 +19944,7 @@
         </p:blipFill>
         <p:spPr>
           <a:xfrm>
-            <a:off x="152400" y="1066800"/>
+            <a:off x="152400" y="990600"/>
             <a:ext cx="4490299" cy="3128963"/>
           </a:xfrm>
           <a:prstGeom prst="rect">
@@ -20240,45 +20049,6 @@
           </a:p>
         </p:txBody>
       </p:sp>
-      <mc:AlternateContent xmlns:mc="http://schemas.openxmlformats.org/markup-compatibility/2006">
-        <mc:Choice xmlns:p14="http://schemas.microsoft.com/office/powerpoint/2010/main" Requires="p14">
-          <p:contentPart p14:bwMode="auto" r:id="rId4">
-            <p14:nvContentPartPr>
-              <p14:cNvPr id="2" name="Ink 1"/>
-              <p14:cNvContentPartPr/>
-              <p14:nvPr/>
-            </p14:nvContentPartPr>
-            <p14:xfrm>
-              <a:off x="672840" y="1309680"/>
-              <a:ext cx="2559240" cy="1042560"/>
-            </p14:xfrm>
-          </p:contentPart>
-        </mc:Choice>
-        <mc:Fallback>
-          <p:pic>
-            <p:nvPicPr>
-              <p:cNvPr id="2" name="Ink 1"/>
-              <p:cNvPicPr/>
-              <p:nvPr/>
-            </p:nvPicPr>
-            <p:blipFill>
-              <a:blip r:embed="rId5"/>
-              <a:stretch>
-                <a:fillRect/>
-              </a:stretch>
-            </p:blipFill>
-            <p:spPr>
-              <a:xfrm>
-                <a:off x="670320" y="1301040"/>
-                <a:ext cx="2565720" cy="1056600"/>
-              </a:xfrm>
-              <a:prstGeom prst="rect">
-                <a:avLst/>
-              </a:prstGeom>
-            </p:spPr>
-          </p:pic>
-        </mc:Fallback>
-      </mc:AlternateContent>
     </p:spTree>
     <p:extLst>
       <p:ext uri="{BB962C8B-B14F-4D97-AF65-F5344CB8AC3E}">

--- a/assorted/javascript_dragons.pptx
+++ b/assorted/javascript_dragons.pptx
@@ -313,7 +313,7 @@
               <a:pPr>
                 <a:defRPr/>
               </a:pPr>
-              <a:t>7/13/2016</a:t>
+              <a:t>8/21/2016</a:t>
             </a:fld>
             <a:endParaRPr lang="en-US"/>
           </a:p>
@@ -435,13 +435,13 @@
   <inkml:trace contextRef="#ctx0" brushRef="#br0" timeOffset="10295.7762">8128 10927 144 0,'-11'-8'65'0,"5"14"-51"0,-12 7-17 0,12-5 26 15,-3 2-19-15,-3 4 8 16,3 4-9-16,0-5 12 16,3-7-11-16,3-12 14 0,6-9-13 15,0-12-19-15,0-10 11 16,0 0-10-16,3 0 9 16,-3 5 5-16,0 6-1 15,0 2 17-15,0 5-13 16,0 6-2-16,3 5 0 15,0 6 3-15,3 2-4 16,3 5 0-16,2 0 0 0,4 3-7 16,0 0 5-1,3 3-6-15,0 7 6 0,6-2 0 16,8 0 1-16,4 0-6 16,6 0 5-16,5 2-193 15</inkml:trace>
   <inkml:trace contextRef="#ctx0" brushRef="#br0" timeOffset="17474.5367">5789 6207 28 0,'-3'3'13'0,"3"-3"-11"0,3-3-2 15,-3 3 3-15,0-3-2 0,0-4 44 16,3-4-35-16,-3 0 41 16,0 3-38-16,0 3 13 15,0 5-19-15,-6 8 7 16,0 0-10-16,0 0 9 16,0-3-10-16,0 1 7 0,0-4-7 15,6-2 1-15,-3 0-3 16,0-5 5-16,3-6-5 15,0 1 14-15,0-3-11 16,3-1 0-16,0 4-2 16,-3 2-2-16,3 2 1 15,0 4-4-15,0-1 2 16,0 3 1-16,3 0 0 16,0 0-3-16,3 0 2 15,3 0 1-15,3 0 0 16,11 3 0-16,1-3 0 15,0 0 0-15,3 2 0 0,0 4 2 16,-4 2-1-16,1 2 5 16,-3 4-5-16,3 1 3 15,-3 1-3-15,-4 0 5 16,1 3-5-16,-3-1-3 16,3 3 2-16,0 3 5 15,0-5-4-15,11-9 17 16,4-4-14-16,0-9 15 15,2-2-14-15,-2-6 23 16,0-2-22-16,-6 0 3 0,-4-1-6 16,-2 4-5-16,-3 2 2 15,-3 3 3-15,-3 2-3 16,-3 0 0-16,0 3 1 16,-3 0 1-16,-1 3-1 15,4 0-3-15,0-3 1 16,0 0 6-16,0-3-4 15,9-5-50-15,0 0 38 16,0-5-225 0</inkml:trace>
   <inkml:trace contextRef="#ctx0" brushRef="#br0" timeOffset="26854.9908">9045 7242 76 0,'-9'-6'36'0,"6"6"-29"0,0 3-9 0,0 0 2 16,3 2-1-16,-3 3-5 0,-3 2 5 15,3 4-6-15,0-1 6 16,0 0 0-16,1 0 1 16,2 9 5-16,0-4-4 15,0-2-3-15,0-3 2 16,0-2 5-16,2-1-4 16,1-2 6-16,3 3-6 15,6-1 0-15,0 1 0 16,9 2-1-16,9 3 0 15,0 5 2-15,-1 6-1 16,1 7-1-16,-3 3 1 16,-3 3 35-16,-3 5-28 15,-4 0 14-15,-2 0-16 16,-3 2 24-16,-3 1-22 16,-6-3 10-16,-6-3-13 0,-3 1 19 15,-6-4-18-15,-6-4 5 16,1-1-7-16,-16-5 14 0,0 0-14 15,0 1-2-15,-2-7 0 16,-7 4-5-16,-3 2 2 16,-8 3 4-16,-10 5-3 15,4 2 6-15,2 1-5 16,7 5-3-16,-1-5 2 16,3-6 3-16,4-5-3 15,2-2-2-15,6-6 1 16,4-5 4-16,5-3-3 15,6-2 0-15,6-4 1 16,3 1-15-16,6-2 11 0,0-1 1 16,3 0 1-16,3 3 9 15,0 0-6-15,0 0 5 16,0 3-6-16,-6 5 3 16,0 7-3-16,-9 4 30 15,-2 7-24-15,-1-2 37 16,0-3-34-16,3 5 1 15,3-4-7-15,3-7-48 16,3-1 35-16</inkml:trace>
-  <inkml:trace contextRef="#ctx0" brushRef="#br0" timeOffset="32828.9797">3961 8522 172 0,'-24'0'78'0,"4"0"-61"0,-7 3-21 0,18-3 31 16,3-3-22 0,0-2-10-16,3-6 4 0,3-7 0 15,6-14 1-15,6-5 19 0,3 0-15 16,3 3 27-16,-4-1-23 15,4 6 12-15,3 8-14 16,3 13 22-16,3 11-22 16,0 7 31-16,-1 9-28 15,-5-3 13-15,30 15-16 16,17-15-4-16,16-29 0 16,41-45 0-16,32-67-1 15,55-60-342 1</inkml:trace>
+  <inkml:trace contextRef="#ctx0" brushRef="#br0" timeOffset="32828.9796">3961 8522 172 0,'-24'0'78'0,"4"0"-61"0,-7 3-21 0,18-3 31 16,3-3-22 0,0-2-10-16,3-6 4 0,3-7 0 15,6-14 1-15,6-5 19 0,3 0-15 16,3 3 27-16,-4-1-23 15,4 6 12-15,3 8-14 16,3 13 22-16,3 11-22 16,0 7 31-16,-1 9-28 15,-5-3 13-15,30 15-16 16,17-15-4-16,16-29 0 16,41-45 0-16,32-67-1 15,55-60-342 1</inkml:trace>
   <inkml:trace contextRef="#ctx0" brushRef="#br0" timeOffset="36088.0592">8459 5884 112 0,'-6'8'52'0,"0"-5"-41"0,-3-3-14 0,9 0 40 16,-3 0-30-16,3 0 32 15,-3-3-30-15,3 1 38 16,0-4-35-16,3 1 33 0,3-3-34 16,0 0 20-16,0 3-23 15,0 0-4-15,0 2-2 16,3 3-5-16,3 5 2 16,5 3-2-16,4 0 2 15,3 5-10-15,6 6 8 16,15-1 10-16,8-2-6 0,4 0 3 15,2-5-3-15,4-6 8 16,14-5-7-16,6-3 5 16,7 1-6-16,-10-4-3 15,12 6 2-15,7 8 8 16,-4 8-6-16,-6 5 5 16,9 6-6-16,4-1 6 15,-4 6-6-15,-3-5 3 16,9-9-3-16,0-2 8 15,-11-13-7-15,-7-14-331 16</inkml:trace>
   <inkml:trace contextRef="#ctx0" brushRef="#br0" timeOffset="39870.3812">6441 10882 148 0,'-36'-2'65'0,"18"7"-51"16,-6 6-17-16,6-6 15 0,4-3-10 15,-1-2-7-15,3-2 5 16,0-3 2-16,3-3-2 16,0-11 0-16,3 1 1 0,3 2 1 15,3 2-1-15,9 7-3 16,9 1 1-16,3 12-2 15,6 7 2-15,5 8-5 16,1 5 5-16,6 1 0 16,-1-1 1-16,4 1 0 15,15-9 0-15,2 1-3 16,7-9 2-16,-4-4 12 16,1-4-9-16,14 4 17 15,0-1-15-15,1 5-7 16,-4 4 3-16,1-1 7 0,8 0-5 15,3 6-7-15,4-3 5 16,-4-1-4-16,12 1 3 16,0-2 1-16,4-4 0 15,-10-2 0-15,15-3 0 16,-3 1 14-16,-3-6-11 16,-8 0 18-16,8 2-16 15,0 1 4-15,0-3-7 16,-5 3-1-16,8 2 0 15,3 0 1-15,0-5-1 16,15-2 5-16,9-1-5 16,-9-2 0-16,-9-6 0 0,9 0 15 15,-6 3-12-15,-3 1 15 16,-5-1-14-16,14 5 9 16,-6 3-11-16,-3 0 10 15,6 5-10-15,9 6 7 16,-3-1-7-16,12 12-2 15,6 4 0-15,3 1 4 16,17 4-4-16,-2-2-17 16,15-5 13-16,-1-16-134 15,13-21 107-15</inkml:trace>
   <inkml:trace contextRef="#ctx0" brushRef="#br0" timeOffset="62435.8601">17930 15970 212 0,'-38'6'98'0,"26"4"-77"0,-24 1-26 0,27-9 11 16,-3 4-6-16,-3-4-6 16,3-2 5-16,3 0-20 15,0-5 17-15,6 0 4 0,3-6-1 16,6-5 4-16,3 6-2 16,9-1 22-16,3 1-18 15,6 10 26-15,20 7-23 16,16 4 1-16,8 0-6 15,7-3-2-15,20-1 0 16,9-7 7-16,-6-7-6 0,12-9 16 16,1-8-14-16,-10-3 10 15,-12 1-11-15,3 5-1 16,-11 5-1-16,-10 5-4 16,-8 11 2-16,-10 8-148 15,-8 24 117-15,-13 2-140 16</inkml:trace>
   <inkml:trace contextRef="#ctx0" brushRef="#br0" timeOffset="63950.9176">21175 13557 176 0,'-6'-18'78'0,"3"-3"-61"0,0-19-21 16,3 19 3-16,0-11 0 15,3-10 0-15,3-1 1 16,0 4 0-16,0 7 0 15,-3 8-9-15,-3 19 44 16,0 21-29-16,-3 23 30 16,0 25-27-16,3 34-5 15,6 26-1-15,14 14-3 16,4 10 0-16,6-11-6 16,3-10 5-16,2-15 14 15,1-20-10-15,-6-20 18 16,-3-14-16-16,-6-13 32 15,-4-13-29-15,-5-9 36 16,-3-7-33-16,-9-3 9 0,-9-5-14 16,-9-8-4-16,-11-2-1 15,-19-6-4-15,-2 0 2 16,-4-3 20-16,-6 1-15 16,1-11 50-16,5-3-42 15,7-5 26-15,2 5-28 16,9 3 0-16,15 5-7 15,10 5-16-15,8 9 11 16,12 9-26-16,8 23 22 16,16 15-54-16,3 18 47 15,3-2-40-15,11-6 39 0,1-10 41 16,-1-13-23-16,1-16 82 16,0-24-66-16,2-34 31 15,1-35-37-15,8-29-39 16,-2-29 21-16,-4-8-294 15,-8 6 233-15</inkml:trace>
-  <inkml:trace contextRef="#ctx0" brushRef="#br0" timeOffset="77808.4324">20695 15991 252 0,'-14'3'111'0,"-1"5"-87"0,0 8-30 0,12-6-52 16,3 1 44-16,0 0-6 16,12 2 13-16,0-8 0 15,6-2 5-15,5-3 4 0,16-3-2 16,3 1 6-16,2-4-5 15,4 1 28-15,6 2-22 16,-4 1 25-16,13 2-24 16,2 2-2-16,4 1-3 15,2-3-3-15,0 0 1 16,10 3 13-16,-4-1-11 16,1 1 4-16,-1 0-5 15,-6-1 22-15,4 3-19 16,8 1 18-16,-2 10-18 0,-1-1 18 15,-6 1-18-15,13 3 9 16,2-1-10-16,0 1 6 16,4-1-7-16,11-2 18 15,3-2-17-15,0-7 2 16,-6-4-4-16,0-3-4 16,-2-3 1-16,-10-2-106 15,-6 5 84-15,-14 3-261 16</inkml:trace>
-  <inkml:trace contextRef="#ctx0" brushRef="#br0" timeOffset="80572.4692">15998 12671 244 0,'-35'8'111'0,"26"10"-87"0,-3 1-30 16,6-9 24-16,0 4-16 15,0 2 8-15,3-1-7 16,3 12-5-16,3 2 2 16,3-3 0-16,9-4 0 0,6-4 2 15,3-7-1-15,5-9 36 16,7-15-29-16,6-11 25 16,-1-10-24-16,1-19-28 15,-3-8 16-15,-1-10-283 16,1 2 224-16,-21-8-20 15</inkml:trace>
+  <inkml:trace contextRef="#ctx0" brushRef="#br0" timeOffset="77808.4323">20695 15991 252 0,'-14'3'111'0,"-1"5"-87"0,0 8-30 0,12-6-52 16,3 1 44-16,0 0-6 16,12 2 13-16,0-8 0 15,6-2 5-15,5-3 4 0,16-3-2 16,3 1 6-16,2-4-5 15,4 1 28-15,6 2-22 16,-4 1 25-16,13 2-24 16,2 2-2-16,4 1-3 15,2-3-3-15,0 0 1 16,10 3 13-16,-4-1-11 16,1 1 4-16,-1 0-5 15,-6-1 22-15,4 3-19 16,8 1 18-16,-2 10-18 0,-1-1 18 15,-6 1-18-15,13 3 9 16,2-1-10-16,0 1 6 16,4-1-7-16,11-2 18 15,3-2-17-15,0-7 2 16,-6-4-4-16,0-3-4 16,-2-3 1-16,-10-2-106 15,-6 5 84-15,-14 3-261 16</inkml:trace>
+  <inkml:trace contextRef="#ctx0" brushRef="#br0" timeOffset="80572.4691">15998 12671 244 0,'-35'8'111'0,"26"10"-87"0,-3 1-30 16,6-9 24-16,0 4-16 15,0 2 8-15,3-1-7 16,3 12-5-16,3 2 2 16,3-3 0-16,9-4 0 0,6-4 2 15,3-7-1-15,5-9 36 16,7-15-29-16,6-11 25 16,-1-10-24-16,1-19-28 15,-3-8 16-15,-1-10-283 16,1 2 224-16,-21-8-20 15</inkml:trace>
   <inkml:trace contextRef="#ctx0" brushRef="#br0" timeOffset="81666.8026">10429 16835 184 0,'-68'16'85'16,"38"-2"-67"-16,3-4-23 0,18-2 53 0,3 5-39 16,6-13 19-16,3 0-20 15,18 0-5-15,18-5-1 16,17-11 3-16,19 3-4 0,35-3-8 15,24 0 5-15,36 3-10 16,29 10 9-16,15 3-46 16,30 8 38-16,15 8-13 15,-6 0 17-15,3-8 22 16,-12-3-13-16,-14-10 9 16,-1-3-8-16,-9-5-212 15</inkml:trace>
 </inkml:ink>
 </file>
@@ -481,40 +481,6 @@
   <inkml:trace contextRef="#ctx0" brushRef="#br0" timeOffset="41748.8413">12635 13875 268 0,'-12'5'121'0,"12"-10"-95"0,9-8-33 0,-3 2-5 16,9-10 8-16,12-22-44 15,14-4 37-15,1 2-18 16,3-5 21-16,-7 5-3 0,1 5 7 15,-6 11 40-15,-4 8-29 16,1 7 43-16,0 6-38 16,15 14-3-16,2 4-5 15,7-2-76-15,11-8 56 16</inkml:trace>
   <inkml:trace contextRef="#ctx0" brushRef="#br0" timeOffset="42769.1507">15647 13740 220 0,'-9'8'101'0,"6"-3"-79"0,9 6-28 15,-3-6 35-15,6 3-24 16,6 0 4-16,9 0-7 0,12-3-4 16,2-2 2-1,22-3 3-15,11 0-3 0,13-3-106 0,8 3 83 16,15 0-151 0</inkml:trace>
   <inkml:trace contextRef="#ctx0" brushRef="#br0" timeOffset="43161.2803">19835 13817 460 0,'9'2'207'0,"-6"1"-163"0,15-3-56 0,-6 2-20 16,21 4 22-16,32 4-254 15</inkml:trace>
-</inkml:ink>
-</file>
-
-<file path=ppt/ink/ink3.xml><?xml version="1.0" encoding="utf-8"?>
-<inkml:ink xmlns:inkml="http://www.w3.org/2003/InkML">
-  <inkml:definitions>
-    <inkml:context xml:id="ctx0">
-      <inkml:inkSource xml:id="inkSrc0">
-        <inkml:traceFormat>
-          <inkml:channel name="X" type="integer" max="9600" units="cm"/>
-          <inkml:channel name="Y" type="integer" max="7200" units="cm"/>
-          <inkml:channel name="F" type="integer" max="1024" units="dev"/>
-          <inkml:channel name="T" type="integer" max="2.14748E9" units="dev"/>
-        </inkml:traceFormat>
-        <inkml:channelProperties>
-          <inkml:channelProperty channel="X" name="resolution" value="336.48792" units="1/cm"/>
-          <inkml:channelProperty channel="Y" name="resolution" value="378.54889" units="1/cm"/>
-          <inkml:channelProperty channel="F" name="resolution" value="0" units="1/dev"/>
-          <inkml:channelProperty channel="T" name="resolution" value="1" units="1/dev"/>
-        </inkml:channelProperties>
-      </inkml:inkSource>
-      <inkml:timestamp xml:id="ts0" timeString="2016-07-13T10:51:48.692"/>
-    </inkml:context>
-    <inkml:brush xml:id="br0">
-      <inkml:brushProperty name="width" value="0.05292" units="cm"/>
-      <inkml:brushProperty name="height" value="0.05292" units="cm"/>
-      <inkml:brushProperty name="color" value="#FF0000"/>
-    </inkml:brush>
-  </inkml:definitions>
-  <inkml:trace contextRef="#ctx0" brushRef="#br0">2705 3794 112 0,'-18'3'52'0,"3"2"-41"15,6-2-14-15,6-1 9 0,3-2-5 16,-2 0 27-16,2 0-21 15,-3-2 33-15,-3-1-30 16,3 0 34-16,3-2-33 16,0 0 14-16,0 0-18 0,0 2 2 15,0 0-7-15,0 1 8 16,0-1-8-16,0 3 10 16,3-3-9-16,-3 1 2 15,0-1-4-15,0-2 8 16,0-1-7-16,0-9 10 15,0 4-9 1,0 0-1-16,9 3-4 0,-1 1 1 16,7 1 1-16,3 4 0 15,6 2 2-15,6 2-1 16,0 4-6-16,-1-4 4 16,1 9 0-16,0-3 1 15,0-3 0-15,-1 0 0 16,13-5 5-16,3-5-4 15,-1 0 11-15,4-3-9 16,0-3 10-16,-4-2-10 16,1-3-1-16,0 3-1 15,5 0-4-15,-2 5 2 0,-1 5-5 16,-2 3 5 0,-3 5 3-16,-4 3-2 0,-2 0 0 15,-3-3 1-15,-3 1 4 16,2-4-4-16,-5-2 0 15,0 0 0-15,9-2 4 16,-4-1-4-16,-2-5-106 16,-3 0 82-16,-12 0-207 15</inkml:trace>
-  <inkml:trace contextRef="#ctx0" brushRef="#br0" timeOffset="3378.4172">1869 5382 4 0,'3'0'-1'0</inkml:trace>
-  <inkml:trace contextRef="#ctx0" brushRef="#br0" timeOffset="3618.1449">2035 5257 88 0,'21'-16'39'0,"-12"14"-31"0,3-4-10 15,-6 6 38-15,3 0-29 16,0 0 12-16,0 3-13 16,0 2 10-16,6-2-12 15,-6 0 6-15,2 2-7 16,4-2-2-16,0-1 0 0,9 1-1 16,3 0 0-16,-6-1 5 15,2-2-4-15,-2 3 6 0,0 0-6 16,0-1 6-16,-9 1-6 15,3-1 0-15,0-2 0 16,0 0-1-16,-1-2 0 16,4-6-180-1</inkml:trace>
-  <inkml:trace contextRef="#ctx0" brushRef="#br0" timeOffset="7326.0409">5217 6527 136 0,'-9'0'62'16,"9"6"-49"-16,0-9-16 0,0 3-44 0,0-3 36 15,0 1-15-15,0-4 18 16,0 1 8-16,0-3-1 16,0 0 32-16,0 3-24 15,0 2 6-15,0 1-9 16,0 2 3-16,0 5-6 16,-3 0 34-16,0 0-28 15,0 3 37-15,3-2-33 16,0-1 6-16,0-5-12 15,0 3 11-15,3-3-12 0,0-3 0 16,0-5-2-16,0-3-2 16,0 1 1-16,3-3-1 15,0 2 0-15,-3 0 8 16,0 1-6-16,3 2-4 0,0 3 2 16,-3 2 3-16,3 3-3 15,0 0 6-15,3 3-5 16,0-1 6-16,0-2-6 15,3 0 0-15,3 0 0 16,-3-2 1-16,-1-1-1 16,4 0 2-16,0 1-2 15,0-1-6-15,3 0 4 16,9-2 8-16,-1 0-5 16,4 2 13-16,0 1-11 0,0-1-2 15,0 3-1-15,-1 0-1 16,-2 3 0-16,-3 2 2 15,0 0-1-15,-3 3-1 16,-4-3 1-16,-2 1 4 16,0-1-4-16,-3 0 0 15,0-2 0-15,0-3-4 16,-3-3 2-16,0 1 12 16,0-4-9-16,0 1 17 15,3 0-15-15,-7-1 4 16,1 1-6-16,-3 0 2 15,0 2-3-15,-3 1-1 16,0-1 1-16,-3 0 1 16,-3 3-1-16,1 0 2 15,-7 0-2-15,3 0-6 16,-3-2 4-16,-3-1 6 0,0-2-5 16,-3-1-2-16,0 1 2 15,-3 0 3-15,-2-3-3 16,-1-3 0-16,0 3 1 15,-3 0-4-15,-3 3 2 16,4 2 1-16,2 6 0 16,0 8-6-16,3-1 5 15,0 4 3-15,4-4-2 16,2 1 3-16,0-1-2 16,3-2-3-16,3 0 1 15,-3-3 4-15,3-2-3 0,3-3 6 16,0 0-5-16,0 0-3 15,3 0 2-15,0 0 5 16,-3 0-12 0,6 0 6-16,-6 0 6 15,6 0-5-15,-3 0 1 16,3 0 0-16,-3-3 1 16,3 1-1-16,0-3-9 15,-3-1 6-15,3-2-125 16,0 0 100-16</inkml:trace>
-  <inkml:trace contextRef="#ctx0" brushRef="#br0" timeOffset="13921.7451">8596 5681 140 0,'-9'-3'65'0,"0"14"-51"0,3 10-17 15,3-11 63-15,-3 9-48 16,3 2 12-16,0 0-16 15,6-2 20-15,0-3-22 16,6-6 68-16,6-7-57 0,15-9-2 16,14-4-9-16,10-9-24 15,8-4 14-15,1-1-100 16,8 5 81-16,-5 6-193 16</inkml:trace>
 </inkml:ink>
 </file>
 
@@ -18264,8 +18230,8 @@
           </a:p>
         </p:txBody>
       </p:sp>
-      <mc:AlternateContent xmlns:mc="http://schemas.openxmlformats.org/markup-compatibility/2006">
-        <mc:Choice xmlns:p14="http://schemas.microsoft.com/office/powerpoint/2010/main" Requires="p14">
+      <mc:AlternateContent xmlns:mc="http://schemas.openxmlformats.org/markup-compatibility/2006" xmlns:p14="http://schemas.microsoft.com/office/powerpoint/2010/main">
+        <mc:Choice Requires="p14">
           <p:contentPart p14:bwMode="auto" r:id="rId4">
             <p14:nvContentPartPr>
               <p14:cNvPr id="2" name="Ink 1"/>
@@ -18278,7 +18244,7 @@
             </p14:xfrm>
           </p:contentPart>
         </mc:Choice>
-        <mc:Fallback>
+        <mc:Fallback xmlns="">
           <p:pic>
             <p:nvPicPr>
               <p:cNvPr id="2" name="Ink 1"/>
@@ -19917,8 +19883,8 @@
           </a:p>
         </p:txBody>
       </p:sp>
-      <mc:AlternateContent xmlns:mc="http://schemas.openxmlformats.org/markup-compatibility/2006">
-        <mc:Choice xmlns:p14="http://schemas.microsoft.com/office/powerpoint/2010/main" Requires="p14">
+      <mc:AlternateContent xmlns:mc="http://schemas.openxmlformats.org/markup-compatibility/2006" xmlns:p14="http://schemas.microsoft.com/office/powerpoint/2010/main">
+        <mc:Choice Requires="p14">
           <p:contentPart p14:bwMode="auto" r:id="rId4">
             <p14:nvContentPartPr>
               <p14:cNvPr id="2" name="Ink 1"/>
@@ -19931,7 +19897,7 @@
             </p14:xfrm>
           </p:contentPart>
         </mc:Choice>
-        <mc:Fallback>
+        <mc:Fallback xmlns="">
           <p:pic>
             <p:nvPicPr>
               <p:cNvPr id="2" name="Ink 1"/>
@@ -20240,45 +20206,6 @@
           </a:p>
         </p:txBody>
       </p:sp>
-      <mc:AlternateContent xmlns:mc="http://schemas.openxmlformats.org/markup-compatibility/2006">
-        <mc:Choice xmlns:p14="http://schemas.microsoft.com/office/powerpoint/2010/main" Requires="p14">
-          <p:contentPart p14:bwMode="auto" r:id="rId4">
-            <p14:nvContentPartPr>
-              <p14:cNvPr id="2" name="Ink 1"/>
-              <p14:cNvContentPartPr/>
-              <p14:nvPr/>
-            </p14:nvContentPartPr>
-            <p14:xfrm>
-              <a:off x="672840" y="1309680"/>
-              <a:ext cx="2559240" cy="1042560"/>
-            </p14:xfrm>
-          </p:contentPart>
-        </mc:Choice>
-        <mc:Fallback>
-          <p:pic>
-            <p:nvPicPr>
-              <p:cNvPr id="2" name="Ink 1"/>
-              <p:cNvPicPr/>
-              <p:nvPr/>
-            </p:nvPicPr>
-            <p:blipFill>
-              <a:blip r:embed="rId5"/>
-              <a:stretch>
-                <a:fillRect/>
-              </a:stretch>
-            </p:blipFill>
-            <p:spPr>
-              <a:xfrm>
-                <a:off x="670320" y="1301040"/>
-                <a:ext cx="2565720" cy="1056600"/>
-              </a:xfrm>
-              <a:prstGeom prst="rect">
-                <a:avLst/>
-              </a:prstGeom>
-            </p:spPr>
-          </p:pic>
-        </mc:Fallback>
-      </mc:AlternateContent>
     </p:spTree>
     <p:extLst>
       <p:ext uri="{BB962C8B-B14F-4D97-AF65-F5344CB8AC3E}">

--- a/assorted/javascript_dragons.pptx
+++ b/assorted/javascript_dragons.pptx
@@ -313,7 +313,7 @@
               <a:pPr>
                 <a:defRPr/>
               </a:pPr>
-              <a:t>8/3/2016</a:t>
+              <a:t>2/24/2017</a:t>
             </a:fld>
             <a:endParaRPr lang="en-US"/>
           </a:p>
